--- a/presentation/pp_NLP.pptx
+++ b/presentation/pp_NLP.pptx
@@ -4598,11 +4598,11 @@
             <a:t> to </a:t>
           </a:r>
           <a:r>
-            <a:rPr lang="it-IT" sz="2000" dirty="0" err="1"/>
+            <a:rPr lang="it-IT" sz="1600" dirty="0" err="1"/>
             <a:t>improve</a:t>
           </a:r>
           <a:r>
-            <a:rPr lang="it-IT" sz="1500" dirty="0"/>
+            <a:rPr lang="it-IT" sz="1200" dirty="0"/>
             <a:t> </a:t>
           </a:r>
           <a:r>
@@ -7088,7 +7088,7 @@
           </a:r>
           <a:r>
             <a:rPr lang="it-IT" b="1" dirty="0" err="1" smtClean="0"/>
-            <a:t>Proven</a:t>
+            <a:t>Proved</a:t>
           </a:r>
           <a:endParaRPr lang="it-IT" dirty="0" smtClean="0"/>
         </a:p>
@@ -7375,11 +7375,11 @@
             <a:t> to </a:t>
           </a:r>
           <a:r>
-            <a:rPr lang="it-IT" sz="2000" kern="1200" dirty="0" err="1"/>
+            <a:rPr lang="it-IT" sz="1600" kern="1200" dirty="0" err="1"/>
             <a:t>improve</a:t>
           </a:r>
           <a:r>
-            <a:rPr lang="it-IT" sz="1500" kern="1200" dirty="0"/>
+            <a:rPr lang="it-IT" sz="1200" kern="1200" dirty="0"/>
             <a:t> </a:t>
           </a:r>
           <a:r>
@@ -11158,7 +11158,7 @@
           </a:r>
           <a:r>
             <a:rPr lang="it-IT" sz="1700" b="1" kern="1200" dirty="0" err="1" smtClean="0"/>
-            <a:t>Proven</a:t>
+            <a:t>Proved</a:t>
           </a:r>
           <a:endParaRPr lang="it-IT" sz="1700" kern="1200" dirty="0" smtClean="0"/>
         </a:p>
@@ -18323,7 +18323,7 @@
           <a:p>
             <a:fld id="{C2B8E1F4-99E4-2F44-8666-1314374723CE}" type="datetimeFigureOut">
               <a:rPr lang="en-US" smtClean="0"/>
-              <a:t>11/24/2025</a:t>
+              <a:t>11/25/2025</a:t>
             </a:fld>
             <a:endParaRPr lang="en-US"/>
           </a:p>
@@ -18598,7 +18598,7 @@
         <p:cNvPr id="1" name="">
           <a:extLst>
             <a:ext uri="{FF2B5EF4-FFF2-40B4-BE49-F238E27FC236}">
-              <a16:creationId xmlns="" xmlns:a16="http://schemas.microsoft.com/office/drawing/2014/main" id="{14BBC04D-2568-C19F-6211-ABA7996CBC5B}"/>
+              <a16:creationId xmlns:a16="http://schemas.microsoft.com/office/drawing/2014/main" xmlns="" id="{14BBC04D-2568-C19F-6211-ABA7996CBC5B}"/>
             </a:ext>
           </a:extLst>
         </p:cNvPr>
@@ -18618,7 +18618,7 @@
           <p:cNvPr id="2" name="Segnaposto immagine diapositiva 1">
             <a:extLst>
               <a:ext uri="{FF2B5EF4-FFF2-40B4-BE49-F238E27FC236}">
-                <a16:creationId xmlns="" xmlns:a16="http://schemas.microsoft.com/office/drawing/2014/main" id="{BBBD96A4-D432-FA69-5E46-4DF91D77CA91}"/>
+                <a16:creationId xmlns:a16="http://schemas.microsoft.com/office/drawing/2014/main" xmlns="" id="{BBBD96A4-D432-FA69-5E46-4DF91D77CA91}"/>
               </a:ext>
             </a:extLst>
           </p:cNvPr>
@@ -18636,7 +18636,7 @@
           <p:cNvPr id="3" name="Segnaposto note 2">
             <a:extLst>
               <a:ext uri="{FF2B5EF4-FFF2-40B4-BE49-F238E27FC236}">
-                <a16:creationId xmlns="" xmlns:a16="http://schemas.microsoft.com/office/drawing/2014/main" id="{EF639921-CFBB-DE6F-31EB-81B758CA0268}"/>
+                <a16:creationId xmlns:a16="http://schemas.microsoft.com/office/drawing/2014/main" xmlns="" id="{EF639921-CFBB-DE6F-31EB-81B758CA0268}"/>
               </a:ext>
             </a:extLst>
           </p:cNvPr>
@@ -18666,7 +18666,7 @@
           <p:cNvPr id="4" name="Segnaposto numero diapositiva 3">
             <a:extLst>
               <a:ext uri="{FF2B5EF4-FFF2-40B4-BE49-F238E27FC236}">
-                <a16:creationId xmlns="" xmlns:a16="http://schemas.microsoft.com/office/drawing/2014/main" id="{4453E3F8-8185-F97B-2F08-1F44FCE2A5AB}"/>
+                <a16:creationId xmlns:a16="http://schemas.microsoft.com/office/drawing/2014/main" xmlns="" id="{4453E3F8-8185-F97B-2F08-1F44FCE2A5AB}"/>
               </a:ext>
             </a:extLst>
           </p:cNvPr>
@@ -18716,7 +18716,7 @@
         <p:cNvPr id="1" name="">
           <a:extLst>
             <a:ext uri="{FF2B5EF4-FFF2-40B4-BE49-F238E27FC236}">
-              <a16:creationId xmlns="" xmlns:a16="http://schemas.microsoft.com/office/drawing/2014/main" id="{A32C0F61-C71C-63EA-C105-5A74B692E8AC}"/>
+              <a16:creationId xmlns:a16="http://schemas.microsoft.com/office/drawing/2014/main" xmlns="" id="{A32C0F61-C71C-63EA-C105-5A74B692E8AC}"/>
             </a:ext>
           </a:extLst>
         </p:cNvPr>
@@ -18736,7 +18736,7 @@
           <p:cNvPr id="2" name="Segnaposto immagine diapositiva 1">
             <a:extLst>
               <a:ext uri="{FF2B5EF4-FFF2-40B4-BE49-F238E27FC236}">
-                <a16:creationId xmlns="" xmlns:a16="http://schemas.microsoft.com/office/drawing/2014/main" id="{A453D45F-7753-404E-AF44-01032D6DD45D}"/>
+                <a16:creationId xmlns:a16="http://schemas.microsoft.com/office/drawing/2014/main" xmlns="" id="{A453D45F-7753-404E-AF44-01032D6DD45D}"/>
               </a:ext>
             </a:extLst>
           </p:cNvPr>
@@ -18754,7 +18754,7 @@
           <p:cNvPr id="3" name="Segnaposto note 2">
             <a:extLst>
               <a:ext uri="{FF2B5EF4-FFF2-40B4-BE49-F238E27FC236}">
-                <a16:creationId xmlns="" xmlns:a16="http://schemas.microsoft.com/office/drawing/2014/main" id="{563D0650-0A07-523F-7DF9-AC496CEFD114}"/>
+                <a16:creationId xmlns:a16="http://schemas.microsoft.com/office/drawing/2014/main" xmlns="" id="{563D0650-0A07-523F-7DF9-AC496CEFD114}"/>
               </a:ext>
             </a:extLst>
           </p:cNvPr>
@@ -18784,7 +18784,7 @@
           <p:cNvPr id="4" name="Segnaposto numero diapositiva 3">
             <a:extLst>
               <a:ext uri="{FF2B5EF4-FFF2-40B4-BE49-F238E27FC236}">
-                <a16:creationId xmlns="" xmlns:a16="http://schemas.microsoft.com/office/drawing/2014/main" id="{062F3C4C-0E90-D9ED-AA2A-451980AC72AB}"/>
+                <a16:creationId xmlns:a16="http://schemas.microsoft.com/office/drawing/2014/main" xmlns="" id="{062F3C4C-0E90-D9ED-AA2A-451980AC72AB}"/>
               </a:ext>
             </a:extLst>
           </p:cNvPr>
@@ -18834,7 +18834,7 @@
         <p:cNvPr id="1" name="">
           <a:extLst>
             <a:ext uri="{FF2B5EF4-FFF2-40B4-BE49-F238E27FC236}">
-              <a16:creationId xmlns="" xmlns:a16="http://schemas.microsoft.com/office/drawing/2014/main" id="{2BC6B95A-25A1-4594-7C09-59CEFE402818}"/>
+              <a16:creationId xmlns:a16="http://schemas.microsoft.com/office/drawing/2014/main" xmlns="" id="{2BC6B95A-25A1-4594-7C09-59CEFE402818}"/>
             </a:ext>
           </a:extLst>
         </p:cNvPr>
@@ -18854,7 +18854,7 @@
           <p:cNvPr id="2" name="Segnaposto immagine diapositiva 1">
             <a:extLst>
               <a:ext uri="{FF2B5EF4-FFF2-40B4-BE49-F238E27FC236}">
-                <a16:creationId xmlns="" xmlns:a16="http://schemas.microsoft.com/office/drawing/2014/main" id="{54314D48-018C-1812-2FEF-264C267F1B78}"/>
+                <a16:creationId xmlns:a16="http://schemas.microsoft.com/office/drawing/2014/main" xmlns="" id="{54314D48-018C-1812-2FEF-264C267F1B78}"/>
               </a:ext>
             </a:extLst>
           </p:cNvPr>
@@ -18872,7 +18872,7 @@
           <p:cNvPr id="3" name="Segnaposto note 2">
             <a:extLst>
               <a:ext uri="{FF2B5EF4-FFF2-40B4-BE49-F238E27FC236}">
-                <a16:creationId xmlns="" xmlns:a16="http://schemas.microsoft.com/office/drawing/2014/main" id="{B1E187D7-6B88-83B8-1A06-5719A4426158}"/>
+                <a16:creationId xmlns:a16="http://schemas.microsoft.com/office/drawing/2014/main" xmlns="" id="{B1E187D7-6B88-83B8-1A06-5719A4426158}"/>
               </a:ext>
             </a:extLst>
           </p:cNvPr>
@@ -18902,7 +18902,7 @@
           <p:cNvPr id="4" name="Segnaposto numero diapositiva 3">
             <a:extLst>
               <a:ext uri="{FF2B5EF4-FFF2-40B4-BE49-F238E27FC236}">
-                <a16:creationId xmlns="" xmlns:a16="http://schemas.microsoft.com/office/drawing/2014/main" id="{E370F040-18B5-F23A-A46D-D7E902170DE6}"/>
+                <a16:creationId xmlns:a16="http://schemas.microsoft.com/office/drawing/2014/main" xmlns="" id="{E370F040-18B5-F23A-A46D-D7E902170DE6}"/>
               </a:ext>
             </a:extLst>
           </p:cNvPr>
@@ -19046,7 +19046,7 @@
         <p:cNvPr id="1" name="">
           <a:extLst>
             <a:ext uri="{FF2B5EF4-FFF2-40B4-BE49-F238E27FC236}">
-              <a16:creationId xmlns="" xmlns:a16="http://schemas.microsoft.com/office/drawing/2014/main" id="{9AA643B5-5B85-9B60-8B10-539FBB92E7B2}"/>
+              <a16:creationId xmlns:a16="http://schemas.microsoft.com/office/drawing/2014/main" xmlns="" id="{9AA643B5-5B85-9B60-8B10-539FBB92E7B2}"/>
             </a:ext>
           </a:extLst>
         </p:cNvPr>
@@ -19066,7 +19066,7 @@
           <p:cNvPr id="2" name="Segnaposto immagine diapositiva 1">
             <a:extLst>
               <a:ext uri="{FF2B5EF4-FFF2-40B4-BE49-F238E27FC236}">
-                <a16:creationId xmlns="" xmlns:a16="http://schemas.microsoft.com/office/drawing/2014/main" id="{9222FD27-1173-0557-1EA0-57A678718C47}"/>
+                <a16:creationId xmlns:a16="http://schemas.microsoft.com/office/drawing/2014/main" xmlns="" id="{9222FD27-1173-0557-1EA0-57A678718C47}"/>
               </a:ext>
             </a:extLst>
           </p:cNvPr>
@@ -19084,7 +19084,7 @@
           <p:cNvPr id="3" name="Segnaposto note 2">
             <a:extLst>
               <a:ext uri="{FF2B5EF4-FFF2-40B4-BE49-F238E27FC236}">
-                <a16:creationId xmlns="" xmlns:a16="http://schemas.microsoft.com/office/drawing/2014/main" id="{8BC6F573-87E3-4AE7-09EB-4E48DB9ECD3E}"/>
+                <a16:creationId xmlns:a16="http://schemas.microsoft.com/office/drawing/2014/main" xmlns="" id="{8BC6F573-87E3-4AE7-09EB-4E48DB9ECD3E}"/>
               </a:ext>
             </a:extLst>
           </p:cNvPr>
@@ -19114,7 +19114,7 @@
           <p:cNvPr id="4" name="Segnaposto numero diapositiva 3">
             <a:extLst>
               <a:ext uri="{FF2B5EF4-FFF2-40B4-BE49-F238E27FC236}">
-                <a16:creationId xmlns="" xmlns:a16="http://schemas.microsoft.com/office/drawing/2014/main" id="{E9FBD8D1-3BA7-FC19-6408-BEEDDA3F20DA}"/>
+                <a16:creationId xmlns:a16="http://schemas.microsoft.com/office/drawing/2014/main" xmlns="" id="{E9FBD8D1-3BA7-FC19-6408-BEEDDA3F20DA}"/>
               </a:ext>
             </a:extLst>
           </p:cNvPr>
@@ -19164,7 +19164,7 @@
         <p:cNvPr id="1" name="">
           <a:extLst>
             <a:ext uri="{FF2B5EF4-FFF2-40B4-BE49-F238E27FC236}">
-              <a16:creationId xmlns="" xmlns:a16="http://schemas.microsoft.com/office/drawing/2014/main" id="{2BC6B95A-25A1-4594-7C09-59CEFE402818}"/>
+              <a16:creationId xmlns:a16="http://schemas.microsoft.com/office/drawing/2014/main" xmlns="" id="{2BC6B95A-25A1-4594-7C09-59CEFE402818}"/>
             </a:ext>
           </a:extLst>
         </p:cNvPr>
@@ -19184,7 +19184,7 @@
           <p:cNvPr id="2" name="Segnaposto immagine diapositiva 1">
             <a:extLst>
               <a:ext uri="{FF2B5EF4-FFF2-40B4-BE49-F238E27FC236}">
-                <a16:creationId xmlns="" xmlns:a16="http://schemas.microsoft.com/office/drawing/2014/main" id="{54314D48-018C-1812-2FEF-264C267F1B78}"/>
+                <a16:creationId xmlns:a16="http://schemas.microsoft.com/office/drawing/2014/main" xmlns="" id="{54314D48-018C-1812-2FEF-264C267F1B78}"/>
               </a:ext>
             </a:extLst>
           </p:cNvPr>
@@ -19202,7 +19202,7 @@
           <p:cNvPr id="3" name="Segnaposto note 2">
             <a:extLst>
               <a:ext uri="{FF2B5EF4-FFF2-40B4-BE49-F238E27FC236}">
-                <a16:creationId xmlns="" xmlns:a16="http://schemas.microsoft.com/office/drawing/2014/main" id="{B1E187D7-6B88-83B8-1A06-5719A4426158}"/>
+                <a16:creationId xmlns:a16="http://schemas.microsoft.com/office/drawing/2014/main" xmlns="" id="{B1E187D7-6B88-83B8-1A06-5719A4426158}"/>
               </a:ext>
             </a:extLst>
           </p:cNvPr>
@@ -19232,7 +19232,7 @@
           <p:cNvPr id="4" name="Segnaposto numero diapositiva 3">
             <a:extLst>
               <a:ext uri="{FF2B5EF4-FFF2-40B4-BE49-F238E27FC236}">
-                <a16:creationId xmlns="" xmlns:a16="http://schemas.microsoft.com/office/drawing/2014/main" id="{E370F040-18B5-F23A-A46D-D7E902170DE6}"/>
+                <a16:creationId xmlns:a16="http://schemas.microsoft.com/office/drawing/2014/main" xmlns="" id="{E370F040-18B5-F23A-A46D-D7E902170DE6}"/>
               </a:ext>
             </a:extLst>
           </p:cNvPr>
@@ -19282,7 +19282,7 @@
         <p:cNvPr id="1" name="">
           <a:extLst>
             <a:ext uri="{FF2B5EF4-FFF2-40B4-BE49-F238E27FC236}">
-              <a16:creationId xmlns="" xmlns:a16="http://schemas.microsoft.com/office/drawing/2014/main" id="{4D06F965-FB17-F970-20CB-7A08DA44CEB4}"/>
+              <a16:creationId xmlns:a16="http://schemas.microsoft.com/office/drawing/2014/main" xmlns="" id="{4D06F965-FB17-F970-20CB-7A08DA44CEB4}"/>
             </a:ext>
           </a:extLst>
         </p:cNvPr>
@@ -19302,7 +19302,7 @@
           <p:cNvPr id="2" name="Segnaposto immagine diapositiva 1">
             <a:extLst>
               <a:ext uri="{FF2B5EF4-FFF2-40B4-BE49-F238E27FC236}">
-                <a16:creationId xmlns="" xmlns:a16="http://schemas.microsoft.com/office/drawing/2014/main" id="{8A113A50-2476-50D3-7DC3-C8AEDCBF999F}"/>
+                <a16:creationId xmlns:a16="http://schemas.microsoft.com/office/drawing/2014/main" xmlns="" id="{8A113A50-2476-50D3-7DC3-C8AEDCBF999F}"/>
               </a:ext>
             </a:extLst>
           </p:cNvPr>
@@ -19320,7 +19320,7 @@
           <p:cNvPr id="3" name="Segnaposto note 2">
             <a:extLst>
               <a:ext uri="{FF2B5EF4-FFF2-40B4-BE49-F238E27FC236}">
-                <a16:creationId xmlns="" xmlns:a16="http://schemas.microsoft.com/office/drawing/2014/main" id="{9DDBC777-C60C-0043-99C2-EB0372B7B4D1}"/>
+                <a16:creationId xmlns:a16="http://schemas.microsoft.com/office/drawing/2014/main" xmlns="" id="{9DDBC777-C60C-0043-99C2-EB0372B7B4D1}"/>
               </a:ext>
             </a:extLst>
           </p:cNvPr>
@@ -19350,7 +19350,7 @@
           <p:cNvPr id="4" name="Segnaposto numero diapositiva 3">
             <a:extLst>
               <a:ext uri="{FF2B5EF4-FFF2-40B4-BE49-F238E27FC236}">
-                <a16:creationId xmlns="" xmlns:a16="http://schemas.microsoft.com/office/drawing/2014/main" id="{84350355-B9C6-C8E5-4B93-553C086B24AD}"/>
+                <a16:creationId xmlns:a16="http://schemas.microsoft.com/office/drawing/2014/main" xmlns="" id="{84350355-B9C6-C8E5-4B93-553C086B24AD}"/>
               </a:ext>
             </a:extLst>
           </p:cNvPr>
@@ -19494,7 +19494,7 @@
         <p:cNvPr id="1" name="">
           <a:extLst>
             <a:ext uri="{FF2B5EF4-FFF2-40B4-BE49-F238E27FC236}">
-              <a16:creationId xmlns="" xmlns:a16="http://schemas.microsoft.com/office/drawing/2014/main" id="{3BC80045-20AD-AEDA-9F29-3B156223A211}"/>
+              <a16:creationId xmlns:a16="http://schemas.microsoft.com/office/drawing/2014/main" xmlns="" id="{3BC80045-20AD-AEDA-9F29-3B156223A211}"/>
             </a:ext>
           </a:extLst>
         </p:cNvPr>
@@ -19514,7 +19514,7 @@
           <p:cNvPr id="2" name="Segnaposto immagine diapositiva 1">
             <a:extLst>
               <a:ext uri="{FF2B5EF4-FFF2-40B4-BE49-F238E27FC236}">
-                <a16:creationId xmlns="" xmlns:a16="http://schemas.microsoft.com/office/drawing/2014/main" id="{95D70AB2-F2DB-C471-6AF2-4F8A8479434A}"/>
+                <a16:creationId xmlns:a16="http://schemas.microsoft.com/office/drawing/2014/main" xmlns="" id="{95D70AB2-F2DB-C471-6AF2-4F8A8479434A}"/>
               </a:ext>
             </a:extLst>
           </p:cNvPr>
@@ -19532,7 +19532,7 @@
           <p:cNvPr id="3" name="Segnaposto note 2">
             <a:extLst>
               <a:ext uri="{FF2B5EF4-FFF2-40B4-BE49-F238E27FC236}">
-                <a16:creationId xmlns="" xmlns:a16="http://schemas.microsoft.com/office/drawing/2014/main" id="{8FE1A714-EC4E-87D2-51BD-F43B106CF561}"/>
+                <a16:creationId xmlns:a16="http://schemas.microsoft.com/office/drawing/2014/main" xmlns="" id="{8FE1A714-EC4E-87D2-51BD-F43B106CF561}"/>
               </a:ext>
             </a:extLst>
           </p:cNvPr>
@@ -19562,7 +19562,7 @@
           <p:cNvPr id="4" name="Segnaposto numero diapositiva 3">
             <a:extLst>
               <a:ext uri="{FF2B5EF4-FFF2-40B4-BE49-F238E27FC236}">
-                <a16:creationId xmlns="" xmlns:a16="http://schemas.microsoft.com/office/drawing/2014/main" id="{0E1D03D5-B6FB-4401-1738-44F5F38466AC}"/>
+                <a16:creationId xmlns:a16="http://schemas.microsoft.com/office/drawing/2014/main" xmlns="" id="{0E1D03D5-B6FB-4401-1738-44F5F38466AC}"/>
               </a:ext>
             </a:extLst>
           </p:cNvPr>
@@ -19612,7 +19612,7 @@
         <p:cNvPr id="1" name="">
           <a:extLst>
             <a:ext uri="{FF2B5EF4-FFF2-40B4-BE49-F238E27FC236}">
-              <a16:creationId xmlns="" xmlns:a16="http://schemas.microsoft.com/office/drawing/2014/main" id="{C89FE7B7-CD41-981B-778E-895A2D6BA704}"/>
+              <a16:creationId xmlns:a16="http://schemas.microsoft.com/office/drawing/2014/main" xmlns="" id="{C89FE7B7-CD41-981B-778E-895A2D6BA704}"/>
             </a:ext>
           </a:extLst>
         </p:cNvPr>
@@ -19632,7 +19632,7 @@
           <p:cNvPr id="2" name="Segnaposto immagine diapositiva 1">
             <a:extLst>
               <a:ext uri="{FF2B5EF4-FFF2-40B4-BE49-F238E27FC236}">
-                <a16:creationId xmlns="" xmlns:a16="http://schemas.microsoft.com/office/drawing/2014/main" id="{101B4730-BF7E-422A-C624-250A0F146446}"/>
+                <a16:creationId xmlns:a16="http://schemas.microsoft.com/office/drawing/2014/main" xmlns="" id="{101B4730-BF7E-422A-C624-250A0F146446}"/>
               </a:ext>
             </a:extLst>
           </p:cNvPr>
@@ -19650,7 +19650,7 @@
           <p:cNvPr id="3" name="Segnaposto note 2">
             <a:extLst>
               <a:ext uri="{FF2B5EF4-FFF2-40B4-BE49-F238E27FC236}">
-                <a16:creationId xmlns="" xmlns:a16="http://schemas.microsoft.com/office/drawing/2014/main" id="{273679A9-325B-DE85-236F-81219A1E767A}"/>
+                <a16:creationId xmlns:a16="http://schemas.microsoft.com/office/drawing/2014/main" xmlns="" id="{273679A9-325B-DE85-236F-81219A1E767A}"/>
               </a:ext>
             </a:extLst>
           </p:cNvPr>
@@ -19680,7 +19680,7 @@
           <p:cNvPr id="4" name="Segnaposto numero diapositiva 3">
             <a:extLst>
               <a:ext uri="{FF2B5EF4-FFF2-40B4-BE49-F238E27FC236}">
-                <a16:creationId xmlns="" xmlns:a16="http://schemas.microsoft.com/office/drawing/2014/main" id="{C98591B9-4C87-35FA-53A0-09B58474E35D}"/>
+                <a16:creationId xmlns:a16="http://schemas.microsoft.com/office/drawing/2014/main" xmlns="" id="{C98591B9-4C87-35FA-53A0-09B58474E35D}"/>
               </a:ext>
             </a:extLst>
           </p:cNvPr>
@@ -19838,7 +19838,7 @@
           <p:cNvPr id="2" name="Title 1">
             <a:extLst>
               <a:ext uri="{FF2B5EF4-FFF2-40B4-BE49-F238E27FC236}">
-                <a16:creationId xmlns="" xmlns:a16="http://schemas.microsoft.com/office/drawing/2014/main" id="{F61DFD44-89EB-9189-8079-520FB25B32A4}"/>
+                <a16:creationId xmlns:a16="http://schemas.microsoft.com/office/drawing/2014/main" xmlns="" id="{F61DFD44-89EB-9189-8079-520FB25B32A4}"/>
               </a:ext>
             </a:extLst>
           </p:cNvPr>
@@ -19866,7 +19866,7 @@
           <p:cNvPr id="3" name="Content Placeholder 2">
             <a:extLst>
               <a:ext uri="{FF2B5EF4-FFF2-40B4-BE49-F238E27FC236}">
-                <a16:creationId xmlns="" xmlns:a16="http://schemas.microsoft.com/office/drawing/2014/main" id="{70FEC626-AD74-D0ED-3EEA-3A75186F85C2}"/>
+                <a16:creationId xmlns:a16="http://schemas.microsoft.com/office/drawing/2014/main" xmlns="" id="{70FEC626-AD74-D0ED-3EEA-3A75186F85C2}"/>
               </a:ext>
             </a:extLst>
           </p:cNvPr>
@@ -19999,7 +19999,7 @@
           <p:cNvPr id="4" name="Google Shape;398;p83">
             <a:extLst>
               <a:ext uri="{FF2B5EF4-FFF2-40B4-BE49-F238E27FC236}">
-                <a16:creationId xmlns="" xmlns:a16="http://schemas.microsoft.com/office/drawing/2014/main" id="{AF98DCA9-0C65-A46B-B752-27F38DFB51F4}"/>
+                <a16:creationId xmlns:a16="http://schemas.microsoft.com/office/drawing/2014/main" xmlns="" id="{AF98DCA9-0C65-A46B-B752-27F38DFB51F4}"/>
               </a:ext>
             </a:extLst>
           </p:cNvPr>
@@ -20055,7 +20055,7 @@
           <p:cNvPr id="2" name="Title 1">
             <a:extLst>
               <a:ext uri="{FF2B5EF4-FFF2-40B4-BE49-F238E27FC236}">
-                <a16:creationId xmlns="" xmlns:a16="http://schemas.microsoft.com/office/drawing/2014/main" id="{F61DFD44-89EB-9189-8079-520FB25B32A4}"/>
+                <a16:creationId xmlns:a16="http://schemas.microsoft.com/office/drawing/2014/main" xmlns="" id="{F61DFD44-89EB-9189-8079-520FB25B32A4}"/>
               </a:ext>
             </a:extLst>
           </p:cNvPr>
@@ -20083,7 +20083,7 @@
           <p:cNvPr id="3" name="Content Placeholder 2">
             <a:extLst>
               <a:ext uri="{FF2B5EF4-FFF2-40B4-BE49-F238E27FC236}">
-                <a16:creationId xmlns="" xmlns:a16="http://schemas.microsoft.com/office/drawing/2014/main" id="{70FEC626-AD74-D0ED-3EEA-3A75186F85C2}"/>
+                <a16:creationId xmlns:a16="http://schemas.microsoft.com/office/drawing/2014/main" xmlns="" id="{70FEC626-AD74-D0ED-3EEA-3A75186F85C2}"/>
               </a:ext>
             </a:extLst>
           </p:cNvPr>
@@ -20147,7 +20147,7 @@
           <p:cNvPr id="5" name="Google Shape;409;p83">
             <a:extLst>
               <a:ext uri="{FF2B5EF4-FFF2-40B4-BE49-F238E27FC236}">
-                <a16:creationId xmlns="" xmlns:a16="http://schemas.microsoft.com/office/drawing/2014/main" id="{9B331B89-7F89-A7E7-029D-5F14039ED566}"/>
+                <a16:creationId xmlns:a16="http://schemas.microsoft.com/office/drawing/2014/main" xmlns="" id="{9B331B89-7F89-A7E7-029D-5F14039ED566}"/>
               </a:ext>
             </a:extLst>
           </p:cNvPr>
@@ -20192,7 +20192,7 @@
           <p:cNvPr id="6" name="Content Placeholder 2">
             <a:extLst>
               <a:ext uri="{FF2B5EF4-FFF2-40B4-BE49-F238E27FC236}">
-                <a16:creationId xmlns="" xmlns:a16="http://schemas.microsoft.com/office/drawing/2014/main" id="{0C9F6B8B-3BF9-4F47-4DB8-07F09A12AED0}"/>
+                <a16:creationId xmlns:a16="http://schemas.microsoft.com/office/drawing/2014/main" xmlns="" id="{0C9F6B8B-3BF9-4F47-4DB8-07F09A12AED0}"/>
               </a:ext>
             </a:extLst>
           </p:cNvPr>
@@ -20256,7 +20256,7 @@
           <p:cNvPr id="7" name="Content Placeholder 2">
             <a:extLst>
               <a:ext uri="{FF2B5EF4-FFF2-40B4-BE49-F238E27FC236}">
-                <a16:creationId xmlns="" xmlns:a16="http://schemas.microsoft.com/office/drawing/2014/main" id="{290B5B63-7055-7F9F-325E-AFAEE19EA689}"/>
+                <a16:creationId xmlns:a16="http://schemas.microsoft.com/office/drawing/2014/main" xmlns="" id="{290B5B63-7055-7F9F-325E-AFAEE19EA689}"/>
               </a:ext>
             </a:extLst>
           </p:cNvPr>
@@ -20320,7 +20320,7 @@
           <p:cNvPr id="12" name="Content Placeholder 2">
             <a:extLst>
               <a:ext uri="{FF2B5EF4-FFF2-40B4-BE49-F238E27FC236}">
-                <a16:creationId xmlns="" xmlns:a16="http://schemas.microsoft.com/office/drawing/2014/main" id="{BA0EEB92-55D2-5F5E-C552-2A0C121A4468}"/>
+                <a16:creationId xmlns:a16="http://schemas.microsoft.com/office/drawing/2014/main" xmlns="" id="{BA0EEB92-55D2-5F5E-C552-2A0C121A4468}"/>
               </a:ext>
             </a:extLst>
           </p:cNvPr>
@@ -20384,7 +20384,7 @@
           <p:cNvPr id="13" name="Content Placeholder 2">
             <a:extLst>
               <a:ext uri="{FF2B5EF4-FFF2-40B4-BE49-F238E27FC236}">
-                <a16:creationId xmlns="" xmlns:a16="http://schemas.microsoft.com/office/drawing/2014/main" id="{F04B622A-E592-31F9-22FC-ACCFEB68DB2F}"/>
+                <a16:creationId xmlns:a16="http://schemas.microsoft.com/office/drawing/2014/main" xmlns="" id="{F04B622A-E592-31F9-22FC-ACCFEB68DB2F}"/>
               </a:ext>
             </a:extLst>
           </p:cNvPr>
@@ -20448,7 +20448,7 @@
           <p:cNvPr id="14" name="Content Placeholder 2">
             <a:extLst>
               <a:ext uri="{FF2B5EF4-FFF2-40B4-BE49-F238E27FC236}">
-                <a16:creationId xmlns="" xmlns:a16="http://schemas.microsoft.com/office/drawing/2014/main" id="{A50559C0-F4B3-4995-96BC-D95BC3E0D3CD}"/>
+                <a16:creationId xmlns:a16="http://schemas.microsoft.com/office/drawing/2014/main" xmlns="" id="{A50559C0-F4B3-4995-96BC-D95BC3E0D3CD}"/>
               </a:ext>
             </a:extLst>
           </p:cNvPr>
@@ -20512,7 +20512,7 @@
           <p:cNvPr id="15" name="Content Placeholder 2">
             <a:extLst>
               <a:ext uri="{FF2B5EF4-FFF2-40B4-BE49-F238E27FC236}">
-                <a16:creationId xmlns="" xmlns:a16="http://schemas.microsoft.com/office/drawing/2014/main" id="{0FD813E1-A313-B8EB-DD86-D80D59912003}"/>
+                <a16:creationId xmlns:a16="http://schemas.microsoft.com/office/drawing/2014/main" xmlns="" id="{0FD813E1-A313-B8EB-DD86-D80D59912003}"/>
               </a:ext>
             </a:extLst>
           </p:cNvPr>
@@ -20606,7 +20606,7 @@
           <p:cNvPr id="4" name="Google Shape;398;p83">
             <a:extLst>
               <a:ext uri="{FF2B5EF4-FFF2-40B4-BE49-F238E27FC236}">
-                <a16:creationId xmlns="" xmlns:a16="http://schemas.microsoft.com/office/drawing/2014/main" id="{AF98DCA9-0C65-A46B-B752-27F38DFB51F4}"/>
+                <a16:creationId xmlns:a16="http://schemas.microsoft.com/office/drawing/2014/main" xmlns="" id="{AF98DCA9-0C65-A46B-B752-27F38DFB51F4}"/>
               </a:ext>
             </a:extLst>
           </p:cNvPr>
@@ -20662,7 +20662,7 @@
           <p:cNvPr id="2" name="Title 1">
             <a:extLst>
               <a:ext uri="{FF2B5EF4-FFF2-40B4-BE49-F238E27FC236}">
-                <a16:creationId xmlns="" xmlns:a16="http://schemas.microsoft.com/office/drawing/2014/main" id="{F61DFD44-89EB-9189-8079-520FB25B32A4}"/>
+                <a16:creationId xmlns:a16="http://schemas.microsoft.com/office/drawing/2014/main" xmlns="" id="{F61DFD44-89EB-9189-8079-520FB25B32A4}"/>
               </a:ext>
             </a:extLst>
           </p:cNvPr>
@@ -20695,7 +20695,7 @@
           <p:cNvPr id="3" name="Content Placeholder 2">
             <a:extLst>
               <a:ext uri="{FF2B5EF4-FFF2-40B4-BE49-F238E27FC236}">
-                <a16:creationId xmlns="" xmlns:a16="http://schemas.microsoft.com/office/drawing/2014/main" id="{70FEC626-AD74-D0ED-3EEA-3A75186F85C2}"/>
+                <a16:creationId xmlns:a16="http://schemas.microsoft.com/office/drawing/2014/main" xmlns="" id="{70FEC626-AD74-D0ED-3EEA-3A75186F85C2}"/>
               </a:ext>
             </a:extLst>
           </p:cNvPr>
@@ -20759,7 +20759,7 @@
           <p:cNvPr id="5" name="Google Shape;409;p83">
             <a:extLst>
               <a:ext uri="{FF2B5EF4-FFF2-40B4-BE49-F238E27FC236}">
-                <a16:creationId xmlns="" xmlns:a16="http://schemas.microsoft.com/office/drawing/2014/main" id="{9B331B89-7F89-A7E7-029D-5F14039ED566}"/>
+                <a16:creationId xmlns:a16="http://schemas.microsoft.com/office/drawing/2014/main" xmlns="" id="{9B331B89-7F89-A7E7-029D-5F14039ED566}"/>
               </a:ext>
             </a:extLst>
           </p:cNvPr>
@@ -20834,7 +20834,7 @@
           <p:cNvPr id="2" name="Title 1">
             <a:extLst>
               <a:ext uri="{FF2B5EF4-FFF2-40B4-BE49-F238E27FC236}">
-                <a16:creationId xmlns="" xmlns:a16="http://schemas.microsoft.com/office/drawing/2014/main" id="{16138658-09ED-D615-347B-24CE81E1D914}"/>
+                <a16:creationId xmlns:a16="http://schemas.microsoft.com/office/drawing/2014/main" xmlns="" id="{16138658-09ED-D615-347B-24CE81E1D914}"/>
               </a:ext>
             </a:extLst>
           </p:cNvPr>
@@ -20875,7 +20875,7 @@
           <p:cNvPr id="3" name="Text Placeholder 2">
             <a:extLst>
               <a:ext uri="{FF2B5EF4-FFF2-40B4-BE49-F238E27FC236}">
-                <a16:creationId xmlns="" xmlns:a16="http://schemas.microsoft.com/office/drawing/2014/main" id="{017F121D-83DE-295A-459B-506ACBC27080}"/>
+                <a16:creationId xmlns:a16="http://schemas.microsoft.com/office/drawing/2014/main" xmlns="" id="{017F121D-83DE-295A-459B-506ACBC27080}"/>
               </a:ext>
             </a:extLst>
           </p:cNvPr>
@@ -20998,7 +20998,7 @@
           <p:cNvPr id="7" name="Straight Connector 6">
             <a:extLst>
               <a:ext uri="{FF2B5EF4-FFF2-40B4-BE49-F238E27FC236}">
-                <a16:creationId xmlns="" xmlns:a16="http://schemas.microsoft.com/office/drawing/2014/main" id="{BB469858-33C6-317E-8459-AABB4D112BB0}"/>
+                <a16:creationId xmlns:a16="http://schemas.microsoft.com/office/drawing/2014/main" xmlns="" id="{BB469858-33C6-317E-8459-AABB4D112BB0}"/>
               </a:ext>
             </a:extLst>
           </p:cNvPr>
@@ -21041,7 +21041,7 @@
           <p:cNvPr id="9" name="Picture Placeholder 2">
             <a:extLst>
               <a:ext uri="{FF2B5EF4-FFF2-40B4-BE49-F238E27FC236}">
-                <a16:creationId xmlns="" xmlns:a16="http://schemas.microsoft.com/office/drawing/2014/main" id="{990E12C6-DE4E-C36F-3EB5-CAEDD07C3DBC}"/>
+                <a16:creationId xmlns:a16="http://schemas.microsoft.com/office/drawing/2014/main" xmlns="" id="{990E12C6-DE4E-C36F-3EB5-CAEDD07C3DBC}"/>
               </a:ext>
             </a:extLst>
           </p:cNvPr>
@@ -21138,7 +21138,7 @@
           <p:cNvPr id="2" name="Title 1">
             <a:extLst>
               <a:ext uri="{FF2B5EF4-FFF2-40B4-BE49-F238E27FC236}">
-                <a16:creationId xmlns="" xmlns:a16="http://schemas.microsoft.com/office/drawing/2014/main" id="{CAE1AD6C-58E8-B56B-36F7-E531C8A5CB0A}"/>
+                <a16:creationId xmlns:a16="http://schemas.microsoft.com/office/drawing/2014/main" xmlns="" id="{CAE1AD6C-58E8-B56B-36F7-E531C8A5CB0A}"/>
               </a:ext>
             </a:extLst>
           </p:cNvPr>
@@ -21234,10 +21234,10 @@
           <p:cNvPr id="9" name="Connettore diritto 8">
             <a:extLst>
               <a:ext uri="{FF2B5EF4-FFF2-40B4-BE49-F238E27FC236}">
-                <a16:creationId xmlns="" xmlns:a16="http://schemas.microsoft.com/office/drawing/2014/main" id="{C57F1500-1A16-D1EF-4F0C-030852B291FC}"/>
+                <a16:creationId xmlns:a16="http://schemas.microsoft.com/office/drawing/2014/main" xmlns="" id="{C57F1500-1A16-D1EF-4F0C-030852B291FC}"/>
               </a:ext>
               <a:ext uri="{C183D7F6-B498-43B3-948B-1728B52AA6E4}">
-                <adec:decorative xmlns="" xmlns:adec="http://schemas.microsoft.com/office/drawing/2017/decorative" val="1"/>
+                <adec:decorative xmlns:adec="http://schemas.microsoft.com/office/drawing/2017/decorative" xmlns="" val="1"/>
               </a:ext>
             </a:extLst>
           </p:cNvPr>
@@ -21282,10 +21282,10 @@
           <p:cNvPr id="10" name="Gruppo 9">
             <a:extLst>
               <a:ext uri="{FF2B5EF4-FFF2-40B4-BE49-F238E27FC236}">
-                <a16:creationId xmlns="" xmlns:a16="http://schemas.microsoft.com/office/drawing/2014/main" id="{2D07A0BE-3890-193E-9439-F294E61A71B9}"/>
+                <a16:creationId xmlns:a16="http://schemas.microsoft.com/office/drawing/2014/main" xmlns="" id="{2D07A0BE-3890-193E-9439-F294E61A71B9}"/>
               </a:ext>
               <a:ext uri="{C183D7F6-B498-43B3-948B-1728B52AA6E4}">
-                <adec:decorative xmlns="" xmlns:adec="http://schemas.microsoft.com/office/drawing/2017/decorative" val="1"/>
+                <adec:decorative xmlns:adec="http://schemas.microsoft.com/office/drawing/2017/decorative" xmlns="" val="1"/>
               </a:ext>
             </a:extLst>
           </p:cNvPr>
@@ -21307,7 +21307,7 @@
             <p:cNvPr id="11" name="Figura a mano libera 19">
               <a:extLst>
                 <a:ext uri="{FF2B5EF4-FFF2-40B4-BE49-F238E27FC236}">
-                  <a16:creationId xmlns="" xmlns:a16="http://schemas.microsoft.com/office/drawing/2014/main" id="{C05217ED-C258-E6CE-BA7F-28A6EA41BCD3}"/>
+                  <a16:creationId xmlns:a16="http://schemas.microsoft.com/office/drawing/2014/main" xmlns="" id="{C05217ED-C258-E6CE-BA7F-28A6EA41BCD3}"/>
                 </a:ext>
               </a:extLst>
             </p:cNvPr>
@@ -21419,7 +21419,7 @@
             <p:cNvPr id="12" name="Figura a mano libera 20">
               <a:extLst>
                 <a:ext uri="{FF2B5EF4-FFF2-40B4-BE49-F238E27FC236}">
-                  <a16:creationId xmlns="" xmlns:a16="http://schemas.microsoft.com/office/drawing/2014/main" id="{F3E11A1F-14DD-BA35-D7D7-4D4ADEAA3484}"/>
+                  <a16:creationId xmlns:a16="http://schemas.microsoft.com/office/drawing/2014/main" xmlns="" id="{F3E11A1F-14DD-BA35-D7D7-4D4ADEAA3484}"/>
                 </a:ext>
               </a:extLst>
             </p:cNvPr>
@@ -21522,7 +21522,7 @@
             <p:cNvPr id="13" name="Figura a mano libera 21">
               <a:extLst>
                 <a:ext uri="{FF2B5EF4-FFF2-40B4-BE49-F238E27FC236}">
-                  <a16:creationId xmlns="" xmlns:a16="http://schemas.microsoft.com/office/drawing/2014/main" id="{F14541B0-973F-7E21-1019-D2FB83C8C0D0}"/>
+                  <a16:creationId xmlns:a16="http://schemas.microsoft.com/office/drawing/2014/main" xmlns="" id="{F14541B0-973F-7E21-1019-D2FB83C8C0D0}"/>
                 </a:ext>
               </a:extLst>
             </p:cNvPr>
@@ -21629,7 +21629,7 @@
           <p:cNvPr id="32" name="Titolo 1">
             <a:extLst>
               <a:ext uri="{FF2B5EF4-FFF2-40B4-BE49-F238E27FC236}">
-                <a16:creationId xmlns="" xmlns:a16="http://schemas.microsoft.com/office/drawing/2014/main" id="{467E05B6-B7CB-1E4F-96BA-4B8CFE8B63D9}"/>
+                <a16:creationId xmlns:a16="http://schemas.microsoft.com/office/drawing/2014/main" xmlns="" id="{467E05B6-B7CB-1E4F-96BA-4B8CFE8B63D9}"/>
               </a:ext>
             </a:extLst>
           </p:cNvPr>
@@ -21674,7 +21674,7 @@
           <p:cNvPr id="2" name="Segnaposto contenuto 5">
             <a:extLst>
               <a:ext uri="{FF2B5EF4-FFF2-40B4-BE49-F238E27FC236}">
-                <a16:creationId xmlns="" xmlns:a16="http://schemas.microsoft.com/office/drawing/2014/main" id="{F6FE0DC0-B0D7-F4D6-8038-177AD7A8C211}"/>
+                <a16:creationId xmlns:a16="http://schemas.microsoft.com/office/drawing/2014/main" xmlns="" id="{F6FE0DC0-B0D7-F4D6-8038-177AD7A8C211}"/>
               </a:ext>
             </a:extLst>
           </p:cNvPr>
@@ -21771,7 +21771,7 @@
           <p:cNvPr id="8" name="Segnaposto numero diapositiva 7">
             <a:extLst>
               <a:ext uri="{FF2B5EF4-FFF2-40B4-BE49-F238E27FC236}">
-                <a16:creationId xmlns="" xmlns:a16="http://schemas.microsoft.com/office/drawing/2014/main" id="{7ED58739-4346-5104-B1AC-89ED035912AF}"/>
+                <a16:creationId xmlns:a16="http://schemas.microsoft.com/office/drawing/2014/main" xmlns="" id="{7ED58739-4346-5104-B1AC-89ED035912AF}"/>
               </a:ext>
             </a:extLst>
           </p:cNvPr>
@@ -21808,7 +21808,7 @@
           <p:cNvPr id="5" name="Segnaposto data 4">
             <a:extLst>
               <a:ext uri="{FF2B5EF4-FFF2-40B4-BE49-F238E27FC236}">
-                <a16:creationId xmlns="" xmlns:a16="http://schemas.microsoft.com/office/drawing/2014/main" id="{E9272B8D-F380-9F1A-C8E6-BDD2352B1763}"/>
+                <a16:creationId xmlns:a16="http://schemas.microsoft.com/office/drawing/2014/main" xmlns="" id="{E9272B8D-F380-9F1A-C8E6-BDD2352B1763}"/>
               </a:ext>
             </a:extLst>
           </p:cNvPr>
@@ -21931,10 +21931,10 @@
           <p:cNvPr id="6" name="Gruppo 5">
             <a:extLst>
               <a:ext uri="{FF2B5EF4-FFF2-40B4-BE49-F238E27FC236}">
-                <a16:creationId xmlns="" xmlns:a16="http://schemas.microsoft.com/office/drawing/2014/main" id="{806C6F65-35CD-D64B-992A-0C1C1E00384D}"/>
+                <a16:creationId xmlns:a16="http://schemas.microsoft.com/office/drawing/2014/main" xmlns="" id="{806C6F65-35CD-D64B-992A-0C1C1E00384D}"/>
               </a:ext>
               <a:ext uri="{C183D7F6-B498-43B3-948B-1728B52AA6E4}">
-                <adec:decorative xmlns="" xmlns:adec="http://schemas.microsoft.com/office/drawing/2017/decorative" val="1"/>
+                <adec:decorative xmlns:adec="http://schemas.microsoft.com/office/drawing/2017/decorative" xmlns="" val="1"/>
               </a:ext>
             </a:extLst>
           </p:cNvPr>
@@ -21954,7 +21954,7 @@
             <p:cNvPr id="7" name="Forma 24">
               <a:extLst>
                 <a:ext uri="{FF2B5EF4-FFF2-40B4-BE49-F238E27FC236}">
-                  <a16:creationId xmlns="" xmlns:a16="http://schemas.microsoft.com/office/drawing/2014/main" id="{CFD467E2-FF13-7E4F-BEF9-EA1A17665B2D}"/>
+                  <a16:creationId xmlns:a16="http://schemas.microsoft.com/office/drawing/2014/main" xmlns="" id="{CFD467E2-FF13-7E4F-BEF9-EA1A17665B2D}"/>
                 </a:ext>
               </a:extLst>
             </p:cNvPr>
@@ -22110,7 +22110,7 @@
             <p:cNvPr id="8" name="Figura a mano libera 7">
               <a:extLst>
                 <a:ext uri="{FF2B5EF4-FFF2-40B4-BE49-F238E27FC236}">
-                  <a16:creationId xmlns="" xmlns:a16="http://schemas.microsoft.com/office/drawing/2014/main" id="{CA85A327-3157-B442-993A-6900F71249AC}"/>
+                  <a16:creationId xmlns:a16="http://schemas.microsoft.com/office/drawing/2014/main" xmlns="" id="{CA85A327-3157-B442-993A-6900F71249AC}"/>
                 </a:ext>
               </a:extLst>
             </p:cNvPr>
@@ -22227,7 +22227,7 @@
             <p:cNvPr id="9" name="Figura a mano libera 8">
               <a:extLst>
                 <a:ext uri="{FF2B5EF4-FFF2-40B4-BE49-F238E27FC236}">
-                  <a16:creationId xmlns="" xmlns:a16="http://schemas.microsoft.com/office/drawing/2014/main" id="{9A459CB4-74AF-0544-AB1E-7CC6D10F84EB}"/>
+                  <a16:creationId xmlns:a16="http://schemas.microsoft.com/office/drawing/2014/main" xmlns="" id="{9A459CB4-74AF-0544-AB1E-7CC6D10F84EB}"/>
                 </a:ext>
               </a:extLst>
             </p:cNvPr>
@@ -22330,7 +22330,7 @@
             <p:cNvPr id="10" name="Figura a mano libera 9">
               <a:extLst>
                 <a:ext uri="{FF2B5EF4-FFF2-40B4-BE49-F238E27FC236}">
-                  <a16:creationId xmlns="" xmlns:a16="http://schemas.microsoft.com/office/drawing/2014/main" id="{95A20BFD-9142-D64A-A78A-61B75FCA0D76}"/>
+                  <a16:creationId xmlns:a16="http://schemas.microsoft.com/office/drawing/2014/main" xmlns="" id="{95A20BFD-9142-D64A-A78A-61B75FCA0D76}"/>
                 </a:ext>
               </a:extLst>
             </p:cNvPr>
@@ -22435,7 +22435,7 @@
             <p:cNvPr id="11" name="Figura a mano libera 10">
               <a:extLst>
                 <a:ext uri="{FF2B5EF4-FFF2-40B4-BE49-F238E27FC236}">
-                  <a16:creationId xmlns="" xmlns:a16="http://schemas.microsoft.com/office/drawing/2014/main" id="{B80736DF-C890-DB47-AEAA-D3D92505E632}"/>
+                  <a16:creationId xmlns:a16="http://schemas.microsoft.com/office/drawing/2014/main" xmlns="" id="{B80736DF-C890-DB47-AEAA-D3D92505E632}"/>
                 </a:ext>
               </a:extLst>
             </p:cNvPr>
@@ -22552,7 +22552,7 @@
           <p:cNvPr id="12" name="Titolo 1">
             <a:extLst>
               <a:ext uri="{FF2B5EF4-FFF2-40B4-BE49-F238E27FC236}">
-                <a16:creationId xmlns="" xmlns:a16="http://schemas.microsoft.com/office/drawing/2014/main" id="{39F93F26-ED5C-E74E-BFBD-E3054DC1B9C1}"/>
+                <a16:creationId xmlns:a16="http://schemas.microsoft.com/office/drawing/2014/main" xmlns="" id="{39F93F26-ED5C-E74E-BFBD-E3054DC1B9C1}"/>
               </a:ext>
             </a:extLst>
           </p:cNvPr>
@@ -22597,7 +22597,7 @@
           <p:cNvPr id="2" name="Segnaposto contenuto 5">
             <a:extLst>
               <a:ext uri="{FF2B5EF4-FFF2-40B4-BE49-F238E27FC236}">
-                <a16:creationId xmlns="" xmlns:a16="http://schemas.microsoft.com/office/drawing/2014/main" id="{186153BD-9D2B-47EB-3553-1D3F6663B2A3}"/>
+                <a16:creationId xmlns:a16="http://schemas.microsoft.com/office/drawing/2014/main" xmlns="" id="{186153BD-9D2B-47EB-3553-1D3F6663B2A3}"/>
               </a:ext>
             </a:extLst>
           </p:cNvPr>
@@ -22706,7 +22706,7 @@
           <p:cNvPr id="43" name="Segnaposto numero diapositiva 42">
             <a:extLst>
               <a:ext uri="{FF2B5EF4-FFF2-40B4-BE49-F238E27FC236}">
-                <a16:creationId xmlns="" xmlns:a16="http://schemas.microsoft.com/office/drawing/2014/main" id="{D80CCC8F-9CF1-9621-04EB-DFA68FEE42D2}"/>
+                <a16:creationId xmlns:a16="http://schemas.microsoft.com/office/drawing/2014/main" xmlns="" id="{D80CCC8F-9CF1-9621-04EB-DFA68FEE42D2}"/>
               </a:ext>
             </a:extLst>
           </p:cNvPr>
@@ -22743,7 +22743,7 @@
           <p:cNvPr id="42" name="Segnaposto data 41">
             <a:extLst>
               <a:ext uri="{FF2B5EF4-FFF2-40B4-BE49-F238E27FC236}">
-                <a16:creationId xmlns="" xmlns:a16="http://schemas.microsoft.com/office/drawing/2014/main" id="{29CE2856-DB8F-5603-C085-74C70560FAC8}"/>
+                <a16:creationId xmlns:a16="http://schemas.microsoft.com/office/drawing/2014/main" xmlns="" id="{29CE2856-DB8F-5603-C085-74C70560FAC8}"/>
               </a:ext>
             </a:extLst>
           </p:cNvPr>
@@ -22775,10 +22775,10 @@
           <p:cNvPr id="4" name="Connettore diritto 3">
             <a:extLst>
               <a:ext uri="{FF2B5EF4-FFF2-40B4-BE49-F238E27FC236}">
-                <a16:creationId xmlns="" xmlns:a16="http://schemas.microsoft.com/office/drawing/2014/main" id="{979826C1-7A52-DA25-F422-EE62DED7D1B6}"/>
+                <a16:creationId xmlns:a16="http://schemas.microsoft.com/office/drawing/2014/main" xmlns="" id="{979826C1-7A52-DA25-F422-EE62DED7D1B6}"/>
               </a:ext>
               <a:ext uri="{C183D7F6-B498-43B3-948B-1728B52AA6E4}">
-                <adec:decorative xmlns="" xmlns:adec="http://schemas.microsoft.com/office/drawing/2017/decorative" val="1"/>
+                <adec:decorative xmlns:adec="http://schemas.microsoft.com/office/drawing/2017/decorative" xmlns="" val="1"/>
               </a:ext>
             </a:extLst>
           </p:cNvPr>
@@ -22853,7 +22853,7 @@
           <p:cNvPr id="5" name="Google Shape;409;p83">
             <a:extLst>
               <a:ext uri="{FF2B5EF4-FFF2-40B4-BE49-F238E27FC236}">
-                <a16:creationId xmlns="" xmlns:a16="http://schemas.microsoft.com/office/drawing/2014/main" id="{9B331B89-7F89-A7E7-029D-5F14039ED566}"/>
+                <a16:creationId xmlns:a16="http://schemas.microsoft.com/office/drawing/2014/main" xmlns="" id="{9B331B89-7F89-A7E7-029D-5F14039ED566}"/>
               </a:ext>
             </a:extLst>
           </p:cNvPr>
@@ -22898,7 +22898,7 @@
           <p:cNvPr id="2" name="Title 1">
             <a:extLst>
               <a:ext uri="{FF2B5EF4-FFF2-40B4-BE49-F238E27FC236}">
-                <a16:creationId xmlns="" xmlns:a16="http://schemas.microsoft.com/office/drawing/2014/main" id="{F61DFD44-89EB-9189-8079-520FB25B32A4}"/>
+                <a16:creationId xmlns:a16="http://schemas.microsoft.com/office/drawing/2014/main" xmlns="" id="{F61DFD44-89EB-9189-8079-520FB25B32A4}"/>
               </a:ext>
             </a:extLst>
           </p:cNvPr>
@@ -22931,7 +22931,7 @@
           <p:cNvPr id="3" name="Content Placeholder 2">
             <a:extLst>
               <a:ext uri="{FF2B5EF4-FFF2-40B4-BE49-F238E27FC236}">
-                <a16:creationId xmlns="" xmlns:a16="http://schemas.microsoft.com/office/drawing/2014/main" id="{70FEC626-AD74-D0ED-3EEA-3A75186F85C2}"/>
+                <a16:creationId xmlns:a16="http://schemas.microsoft.com/office/drawing/2014/main" xmlns="" id="{70FEC626-AD74-D0ED-3EEA-3A75186F85C2}"/>
               </a:ext>
             </a:extLst>
           </p:cNvPr>
@@ -23016,7 +23016,7 @@
           <p:cNvPr id="8" name="Content Placeholder 2">
             <a:extLst>
               <a:ext uri="{FF2B5EF4-FFF2-40B4-BE49-F238E27FC236}">
-                <a16:creationId xmlns="" xmlns:a16="http://schemas.microsoft.com/office/drawing/2014/main" id="{060CE754-1700-0264-5354-7DE8A2303923}"/>
+                <a16:creationId xmlns:a16="http://schemas.microsoft.com/office/drawing/2014/main" xmlns="" id="{060CE754-1700-0264-5354-7DE8A2303923}"/>
               </a:ext>
             </a:extLst>
           </p:cNvPr>
@@ -23095,7 +23095,7 @@
           <p:cNvPr id="9" name="Content Placeholder 2">
             <a:extLst>
               <a:ext uri="{FF2B5EF4-FFF2-40B4-BE49-F238E27FC236}">
-                <a16:creationId xmlns="" xmlns:a16="http://schemas.microsoft.com/office/drawing/2014/main" id="{9D2FC34D-95FC-59C4-3678-95D0FD717DCA}"/>
+                <a16:creationId xmlns:a16="http://schemas.microsoft.com/office/drawing/2014/main" xmlns="" id="{9D2FC34D-95FC-59C4-3678-95D0FD717DCA}"/>
               </a:ext>
             </a:extLst>
           </p:cNvPr>
@@ -23174,7 +23174,7 @@
           <p:cNvPr id="11" name="Content Placeholder 2">
             <a:extLst>
               <a:ext uri="{FF2B5EF4-FFF2-40B4-BE49-F238E27FC236}">
-                <a16:creationId xmlns="" xmlns:a16="http://schemas.microsoft.com/office/drawing/2014/main" id="{FA286F43-3E78-E007-3426-2D3FC8814683}"/>
+                <a16:creationId xmlns:a16="http://schemas.microsoft.com/office/drawing/2014/main" xmlns="" id="{FA286F43-3E78-E007-3426-2D3FC8814683}"/>
               </a:ext>
             </a:extLst>
           </p:cNvPr>
@@ -23253,7 +23253,7 @@
           <p:cNvPr id="12" name="Content Placeholder 2">
             <a:extLst>
               <a:ext uri="{FF2B5EF4-FFF2-40B4-BE49-F238E27FC236}">
-                <a16:creationId xmlns="" xmlns:a16="http://schemas.microsoft.com/office/drawing/2014/main" id="{2C45E324-666C-6DEB-5AAB-4397E229CDB5}"/>
+                <a16:creationId xmlns:a16="http://schemas.microsoft.com/office/drawing/2014/main" xmlns="" id="{2C45E324-666C-6DEB-5AAB-4397E229CDB5}"/>
               </a:ext>
             </a:extLst>
           </p:cNvPr>
@@ -23332,7 +23332,7 @@
           <p:cNvPr id="13" name="Freeform 12">
             <a:extLst>
               <a:ext uri="{FF2B5EF4-FFF2-40B4-BE49-F238E27FC236}">
-                <a16:creationId xmlns="" xmlns:a16="http://schemas.microsoft.com/office/drawing/2014/main" id="{AC7E3343-A674-0919-5C42-77396BE092AA}"/>
+                <a16:creationId xmlns:a16="http://schemas.microsoft.com/office/drawing/2014/main" xmlns="" id="{AC7E3343-A674-0919-5C42-77396BE092AA}"/>
               </a:ext>
             </a:extLst>
           </p:cNvPr>
@@ -23421,7 +23421,7 @@
           <p:cNvPr id="9" name="Picture Placeholder 2">
             <a:extLst>
               <a:ext uri="{FF2B5EF4-FFF2-40B4-BE49-F238E27FC236}">
-                <a16:creationId xmlns="" xmlns:a16="http://schemas.microsoft.com/office/drawing/2014/main" id="{990E12C6-DE4E-C36F-3EB5-CAEDD07C3DBC}"/>
+                <a16:creationId xmlns:a16="http://schemas.microsoft.com/office/drawing/2014/main" xmlns="" id="{990E12C6-DE4E-C36F-3EB5-CAEDD07C3DBC}"/>
               </a:ext>
             </a:extLst>
           </p:cNvPr>
@@ -23488,7 +23488,7 @@
           <p:cNvPr id="2" name="Title 1">
             <a:extLst>
               <a:ext uri="{FF2B5EF4-FFF2-40B4-BE49-F238E27FC236}">
-                <a16:creationId xmlns="" xmlns:a16="http://schemas.microsoft.com/office/drawing/2014/main" id="{16138658-09ED-D615-347B-24CE81E1D914}"/>
+                <a16:creationId xmlns:a16="http://schemas.microsoft.com/office/drawing/2014/main" xmlns="" id="{16138658-09ED-D615-347B-24CE81E1D914}"/>
               </a:ext>
             </a:extLst>
           </p:cNvPr>
@@ -23529,7 +23529,7 @@
           <p:cNvPr id="3" name="Text Placeholder 2">
             <a:extLst>
               <a:ext uri="{FF2B5EF4-FFF2-40B4-BE49-F238E27FC236}">
-                <a16:creationId xmlns="" xmlns:a16="http://schemas.microsoft.com/office/drawing/2014/main" id="{017F121D-83DE-295A-459B-506ACBC27080}"/>
+                <a16:creationId xmlns:a16="http://schemas.microsoft.com/office/drawing/2014/main" xmlns="" id="{017F121D-83DE-295A-459B-506ACBC27080}"/>
               </a:ext>
             </a:extLst>
           </p:cNvPr>
@@ -23652,7 +23652,7 @@
           <p:cNvPr id="7" name="Straight Connector 6">
             <a:extLst>
               <a:ext uri="{FF2B5EF4-FFF2-40B4-BE49-F238E27FC236}">
-                <a16:creationId xmlns="" xmlns:a16="http://schemas.microsoft.com/office/drawing/2014/main" id="{BB469858-33C6-317E-8459-AABB4D112BB0}"/>
+                <a16:creationId xmlns:a16="http://schemas.microsoft.com/office/drawing/2014/main" xmlns="" id="{BB469858-33C6-317E-8459-AABB4D112BB0}"/>
               </a:ext>
             </a:extLst>
           </p:cNvPr>
@@ -23725,7 +23725,7 @@
           <p:cNvPr id="2" name="Title 1">
             <a:extLst>
               <a:ext uri="{FF2B5EF4-FFF2-40B4-BE49-F238E27FC236}">
-                <a16:creationId xmlns="" xmlns:a16="http://schemas.microsoft.com/office/drawing/2014/main" id="{F61DFD44-89EB-9189-8079-520FB25B32A4}"/>
+                <a16:creationId xmlns:a16="http://schemas.microsoft.com/office/drawing/2014/main" xmlns="" id="{F61DFD44-89EB-9189-8079-520FB25B32A4}"/>
               </a:ext>
             </a:extLst>
           </p:cNvPr>
@@ -23753,7 +23753,7 @@
           <p:cNvPr id="5" name="Table Placeholder 4">
             <a:extLst>
               <a:ext uri="{FF2B5EF4-FFF2-40B4-BE49-F238E27FC236}">
-                <a16:creationId xmlns="" xmlns:a16="http://schemas.microsoft.com/office/drawing/2014/main" id="{695CFB3A-0795-A165-1600-E762D38D4A0D}"/>
+                <a16:creationId xmlns:a16="http://schemas.microsoft.com/office/drawing/2014/main" xmlns="" id="{695CFB3A-0795-A165-1600-E762D38D4A0D}"/>
               </a:ext>
             </a:extLst>
           </p:cNvPr>
@@ -23818,7 +23818,7 @@
           <p:cNvPr id="9" name="Picture Placeholder 2">
             <a:extLst>
               <a:ext uri="{FF2B5EF4-FFF2-40B4-BE49-F238E27FC236}">
-                <a16:creationId xmlns="" xmlns:a16="http://schemas.microsoft.com/office/drawing/2014/main" id="{990E12C6-DE4E-C36F-3EB5-CAEDD07C3DBC}"/>
+                <a16:creationId xmlns:a16="http://schemas.microsoft.com/office/drawing/2014/main" xmlns="" id="{990E12C6-DE4E-C36F-3EB5-CAEDD07C3DBC}"/>
               </a:ext>
             </a:extLst>
           </p:cNvPr>
@@ -23885,7 +23885,7 @@
           <p:cNvPr id="2" name="Title 1">
             <a:extLst>
               <a:ext uri="{FF2B5EF4-FFF2-40B4-BE49-F238E27FC236}">
-                <a16:creationId xmlns="" xmlns:a16="http://schemas.microsoft.com/office/drawing/2014/main" id="{16138658-09ED-D615-347B-24CE81E1D914}"/>
+                <a16:creationId xmlns:a16="http://schemas.microsoft.com/office/drawing/2014/main" xmlns="" id="{16138658-09ED-D615-347B-24CE81E1D914}"/>
               </a:ext>
             </a:extLst>
           </p:cNvPr>
@@ -23926,7 +23926,7 @@
           <p:cNvPr id="7" name="Straight Connector 6">
             <a:extLst>
               <a:ext uri="{FF2B5EF4-FFF2-40B4-BE49-F238E27FC236}">
-                <a16:creationId xmlns="" xmlns:a16="http://schemas.microsoft.com/office/drawing/2014/main" id="{BB469858-33C6-317E-8459-AABB4D112BB0}"/>
+                <a16:creationId xmlns:a16="http://schemas.microsoft.com/office/drawing/2014/main" xmlns="" id="{BB469858-33C6-317E-8459-AABB4D112BB0}"/>
               </a:ext>
             </a:extLst>
           </p:cNvPr>
@@ -23999,7 +23999,7 @@
           <p:cNvPr id="9" name="Picture Placeholder 2">
             <a:extLst>
               <a:ext uri="{FF2B5EF4-FFF2-40B4-BE49-F238E27FC236}">
-                <a16:creationId xmlns="" xmlns:a16="http://schemas.microsoft.com/office/drawing/2014/main" id="{990E12C6-DE4E-C36F-3EB5-CAEDD07C3DBC}"/>
+                <a16:creationId xmlns:a16="http://schemas.microsoft.com/office/drawing/2014/main" xmlns="" id="{990E12C6-DE4E-C36F-3EB5-CAEDD07C3DBC}"/>
               </a:ext>
             </a:extLst>
           </p:cNvPr>
@@ -24066,7 +24066,7 @@
           <p:cNvPr id="7" name="Straight Connector 6">
             <a:extLst>
               <a:ext uri="{FF2B5EF4-FFF2-40B4-BE49-F238E27FC236}">
-                <a16:creationId xmlns="" xmlns:a16="http://schemas.microsoft.com/office/drawing/2014/main" id="{BB469858-33C6-317E-8459-AABB4D112BB0}"/>
+                <a16:creationId xmlns:a16="http://schemas.microsoft.com/office/drawing/2014/main" xmlns="" id="{BB469858-33C6-317E-8459-AABB4D112BB0}"/>
               </a:ext>
             </a:extLst>
           </p:cNvPr>
@@ -24109,7 +24109,7 @@
           <p:cNvPr id="2" name="Title 1">
             <a:extLst>
               <a:ext uri="{FF2B5EF4-FFF2-40B4-BE49-F238E27FC236}">
-                <a16:creationId xmlns="" xmlns:a16="http://schemas.microsoft.com/office/drawing/2014/main" id="{16138658-09ED-D615-347B-24CE81E1D914}"/>
+                <a16:creationId xmlns:a16="http://schemas.microsoft.com/office/drawing/2014/main" xmlns="" id="{16138658-09ED-D615-347B-24CE81E1D914}"/>
               </a:ext>
             </a:extLst>
           </p:cNvPr>
@@ -24155,7 +24155,7 @@
           <p:cNvPr id="3" name="Straight Connector 2">
             <a:extLst>
               <a:ext uri="{FF2B5EF4-FFF2-40B4-BE49-F238E27FC236}">
-                <a16:creationId xmlns="" xmlns:a16="http://schemas.microsoft.com/office/drawing/2014/main" id="{9754AD40-0BDE-E122-B688-C59890B9B609}"/>
+                <a16:creationId xmlns:a16="http://schemas.microsoft.com/office/drawing/2014/main" xmlns="" id="{9754AD40-0BDE-E122-B688-C59890B9B609}"/>
               </a:ext>
             </a:extLst>
           </p:cNvPr>
@@ -24228,7 +24228,7 @@
           <p:cNvPr id="9" name="Picture Placeholder 2">
             <a:extLst>
               <a:ext uri="{FF2B5EF4-FFF2-40B4-BE49-F238E27FC236}">
-                <a16:creationId xmlns="" xmlns:a16="http://schemas.microsoft.com/office/drawing/2014/main" id="{990E12C6-DE4E-C36F-3EB5-CAEDD07C3DBC}"/>
+                <a16:creationId xmlns:a16="http://schemas.microsoft.com/office/drawing/2014/main" xmlns="" id="{990E12C6-DE4E-C36F-3EB5-CAEDD07C3DBC}"/>
               </a:ext>
             </a:extLst>
           </p:cNvPr>
@@ -24295,7 +24295,7 @@
           <p:cNvPr id="7" name="Straight Connector 6">
             <a:extLst>
               <a:ext uri="{FF2B5EF4-FFF2-40B4-BE49-F238E27FC236}">
-                <a16:creationId xmlns="" xmlns:a16="http://schemas.microsoft.com/office/drawing/2014/main" id="{BB469858-33C6-317E-8459-AABB4D112BB0}"/>
+                <a16:creationId xmlns:a16="http://schemas.microsoft.com/office/drawing/2014/main" xmlns="" id="{BB469858-33C6-317E-8459-AABB4D112BB0}"/>
               </a:ext>
             </a:extLst>
           </p:cNvPr>
@@ -24338,7 +24338,7 @@
           <p:cNvPr id="2" name="Title 1">
             <a:extLst>
               <a:ext uri="{FF2B5EF4-FFF2-40B4-BE49-F238E27FC236}">
-                <a16:creationId xmlns="" xmlns:a16="http://schemas.microsoft.com/office/drawing/2014/main" id="{16138658-09ED-D615-347B-24CE81E1D914}"/>
+                <a16:creationId xmlns:a16="http://schemas.microsoft.com/office/drawing/2014/main" xmlns="" id="{16138658-09ED-D615-347B-24CE81E1D914}"/>
               </a:ext>
             </a:extLst>
           </p:cNvPr>
@@ -24384,7 +24384,7 @@
           <p:cNvPr id="3" name="Straight Connector 2">
             <a:extLst>
               <a:ext uri="{FF2B5EF4-FFF2-40B4-BE49-F238E27FC236}">
-                <a16:creationId xmlns="" xmlns:a16="http://schemas.microsoft.com/office/drawing/2014/main" id="{9754AD40-0BDE-E122-B688-C59890B9B609}"/>
+                <a16:creationId xmlns:a16="http://schemas.microsoft.com/office/drawing/2014/main" xmlns="" id="{9754AD40-0BDE-E122-B688-C59890B9B609}"/>
               </a:ext>
             </a:extLst>
           </p:cNvPr>
@@ -24457,7 +24457,7 @@
           <p:cNvPr id="9" name="Picture Placeholder 2">
             <a:extLst>
               <a:ext uri="{FF2B5EF4-FFF2-40B4-BE49-F238E27FC236}">
-                <a16:creationId xmlns="" xmlns:a16="http://schemas.microsoft.com/office/drawing/2014/main" id="{990E12C6-DE4E-C36F-3EB5-CAEDD07C3DBC}"/>
+                <a16:creationId xmlns:a16="http://schemas.microsoft.com/office/drawing/2014/main" xmlns="" id="{990E12C6-DE4E-C36F-3EB5-CAEDD07C3DBC}"/>
               </a:ext>
             </a:extLst>
           </p:cNvPr>
@@ -24524,7 +24524,7 @@
           <p:cNvPr id="7" name="Straight Connector 6">
             <a:extLst>
               <a:ext uri="{FF2B5EF4-FFF2-40B4-BE49-F238E27FC236}">
-                <a16:creationId xmlns="" xmlns:a16="http://schemas.microsoft.com/office/drawing/2014/main" id="{BB469858-33C6-317E-8459-AABB4D112BB0}"/>
+                <a16:creationId xmlns:a16="http://schemas.microsoft.com/office/drawing/2014/main" xmlns="" id="{BB469858-33C6-317E-8459-AABB4D112BB0}"/>
               </a:ext>
             </a:extLst>
           </p:cNvPr>
@@ -24567,7 +24567,7 @@
           <p:cNvPr id="2" name="Title 1">
             <a:extLst>
               <a:ext uri="{FF2B5EF4-FFF2-40B4-BE49-F238E27FC236}">
-                <a16:creationId xmlns="" xmlns:a16="http://schemas.microsoft.com/office/drawing/2014/main" id="{16138658-09ED-D615-347B-24CE81E1D914}"/>
+                <a16:creationId xmlns:a16="http://schemas.microsoft.com/office/drawing/2014/main" xmlns="" id="{16138658-09ED-D615-347B-24CE81E1D914}"/>
               </a:ext>
             </a:extLst>
           </p:cNvPr>
@@ -24613,7 +24613,7 @@
           <p:cNvPr id="3" name="Straight Connector 2">
             <a:extLst>
               <a:ext uri="{FF2B5EF4-FFF2-40B4-BE49-F238E27FC236}">
-                <a16:creationId xmlns="" xmlns:a16="http://schemas.microsoft.com/office/drawing/2014/main" id="{9754AD40-0BDE-E122-B688-C59890B9B609}"/>
+                <a16:creationId xmlns:a16="http://schemas.microsoft.com/office/drawing/2014/main" xmlns="" id="{9754AD40-0BDE-E122-B688-C59890B9B609}"/>
               </a:ext>
             </a:extLst>
           </p:cNvPr>
@@ -24686,7 +24686,7 @@
           <p:cNvPr id="2" name="Title 1">
             <a:extLst>
               <a:ext uri="{FF2B5EF4-FFF2-40B4-BE49-F238E27FC236}">
-                <a16:creationId xmlns="" xmlns:a16="http://schemas.microsoft.com/office/drawing/2014/main" id="{F61DFD44-89EB-9189-8079-520FB25B32A4}"/>
+                <a16:creationId xmlns:a16="http://schemas.microsoft.com/office/drawing/2014/main" xmlns="" id="{F61DFD44-89EB-9189-8079-520FB25B32A4}"/>
               </a:ext>
             </a:extLst>
           </p:cNvPr>
@@ -24714,7 +24714,7 @@
           <p:cNvPr id="3" name="Content Placeholder 2">
             <a:extLst>
               <a:ext uri="{FF2B5EF4-FFF2-40B4-BE49-F238E27FC236}">
-                <a16:creationId xmlns="" xmlns:a16="http://schemas.microsoft.com/office/drawing/2014/main" id="{70FEC626-AD74-D0ED-3EEA-3A75186F85C2}"/>
+                <a16:creationId xmlns:a16="http://schemas.microsoft.com/office/drawing/2014/main" xmlns="" id="{70FEC626-AD74-D0ED-3EEA-3A75186F85C2}"/>
               </a:ext>
             </a:extLst>
           </p:cNvPr>
@@ -24801,7 +24801,7 @@
           <p:cNvPr id="2" name="Title 1">
             <a:extLst>
               <a:ext uri="{FF2B5EF4-FFF2-40B4-BE49-F238E27FC236}">
-                <a16:creationId xmlns="" xmlns:a16="http://schemas.microsoft.com/office/drawing/2014/main" id="{16138658-09ED-D615-347B-24CE81E1D914}"/>
+                <a16:creationId xmlns:a16="http://schemas.microsoft.com/office/drawing/2014/main" xmlns="" id="{16138658-09ED-D615-347B-24CE81E1D914}"/>
               </a:ext>
             </a:extLst>
           </p:cNvPr>
@@ -24842,7 +24842,7 @@
           <p:cNvPr id="3" name="Text Placeholder 2">
             <a:extLst>
               <a:ext uri="{FF2B5EF4-FFF2-40B4-BE49-F238E27FC236}">
-                <a16:creationId xmlns="" xmlns:a16="http://schemas.microsoft.com/office/drawing/2014/main" id="{017F121D-83DE-295A-459B-506ACBC27080}"/>
+                <a16:creationId xmlns:a16="http://schemas.microsoft.com/office/drawing/2014/main" xmlns="" id="{017F121D-83DE-295A-459B-506ACBC27080}"/>
               </a:ext>
             </a:extLst>
           </p:cNvPr>
@@ -24965,7 +24965,7 @@
           <p:cNvPr id="7" name="Straight Connector 6">
             <a:extLst>
               <a:ext uri="{FF2B5EF4-FFF2-40B4-BE49-F238E27FC236}">
-                <a16:creationId xmlns="" xmlns:a16="http://schemas.microsoft.com/office/drawing/2014/main" id="{BB469858-33C6-317E-8459-AABB4D112BB0}"/>
+                <a16:creationId xmlns:a16="http://schemas.microsoft.com/office/drawing/2014/main" xmlns="" id="{BB469858-33C6-317E-8459-AABB4D112BB0}"/>
               </a:ext>
             </a:extLst>
           </p:cNvPr>
@@ -25008,7 +25008,7 @@
           <p:cNvPr id="9" name="Picture Placeholder 2">
             <a:extLst>
               <a:ext uri="{FF2B5EF4-FFF2-40B4-BE49-F238E27FC236}">
-                <a16:creationId xmlns="" xmlns:a16="http://schemas.microsoft.com/office/drawing/2014/main" id="{990E12C6-DE4E-C36F-3EB5-CAEDD07C3DBC}"/>
+                <a16:creationId xmlns:a16="http://schemas.microsoft.com/office/drawing/2014/main" xmlns="" id="{990E12C6-DE4E-C36F-3EB5-CAEDD07C3DBC}"/>
               </a:ext>
             </a:extLst>
           </p:cNvPr>
@@ -25105,7 +25105,7 @@
           <p:cNvPr id="2" name="Title 1">
             <a:extLst>
               <a:ext uri="{FF2B5EF4-FFF2-40B4-BE49-F238E27FC236}">
-                <a16:creationId xmlns="" xmlns:a16="http://schemas.microsoft.com/office/drawing/2014/main" id="{CAE1AD6C-58E8-B56B-36F7-E531C8A5CB0A}"/>
+                <a16:creationId xmlns:a16="http://schemas.microsoft.com/office/drawing/2014/main" xmlns="" id="{CAE1AD6C-58E8-B56B-36F7-E531C8A5CB0A}"/>
               </a:ext>
             </a:extLst>
           </p:cNvPr>
@@ -25193,10 +25193,10 @@
           <p:cNvPr id="6" name="Gruppo 5">
             <a:extLst>
               <a:ext uri="{FF2B5EF4-FFF2-40B4-BE49-F238E27FC236}">
-                <a16:creationId xmlns="" xmlns:a16="http://schemas.microsoft.com/office/drawing/2014/main" id="{806C6F65-35CD-D64B-992A-0C1C1E00384D}"/>
+                <a16:creationId xmlns:a16="http://schemas.microsoft.com/office/drawing/2014/main" xmlns="" id="{806C6F65-35CD-D64B-992A-0C1C1E00384D}"/>
               </a:ext>
               <a:ext uri="{C183D7F6-B498-43B3-948B-1728B52AA6E4}">
-                <adec:decorative xmlns="" xmlns:adec="http://schemas.microsoft.com/office/drawing/2017/decorative" val="1"/>
+                <adec:decorative xmlns:adec="http://schemas.microsoft.com/office/drawing/2017/decorative" xmlns="" val="1"/>
               </a:ext>
             </a:extLst>
           </p:cNvPr>
@@ -25216,7 +25216,7 @@
             <p:cNvPr id="7" name="Forma 24">
               <a:extLst>
                 <a:ext uri="{FF2B5EF4-FFF2-40B4-BE49-F238E27FC236}">
-                  <a16:creationId xmlns="" xmlns:a16="http://schemas.microsoft.com/office/drawing/2014/main" id="{CFD467E2-FF13-7E4F-BEF9-EA1A17665B2D}"/>
+                  <a16:creationId xmlns:a16="http://schemas.microsoft.com/office/drawing/2014/main" xmlns="" id="{CFD467E2-FF13-7E4F-BEF9-EA1A17665B2D}"/>
                 </a:ext>
               </a:extLst>
             </p:cNvPr>
@@ -25372,7 +25372,7 @@
             <p:cNvPr id="8" name="Figura a mano libera 7">
               <a:extLst>
                 <a:ext uri="{FF2B5EF4-FFF2-40B4-BE49-F238E27FC236}">
-                  <a16:creationId xmlns="" xmlns:a16="http://schemas.microsoft.com/office/drawing/2014/main" id="{CA85A327-3157-B442-993A-6900F71249AC}"/>
+                  <a16:creationId xmlns:a16="http://schemas.microsoft.com/office/drawing/2014/main" xmlns="" id="{CA85A327-3157-B442-993A-6900F71249AC}"/>
                 </a:ext>
               </a:extLst>
             </p:cNvPr>
@@ -25489,7 +25489,7 @@
             <p:cNvPr id="9" name="Figura a mano libera 8">
               <a:extLst>
                 <a:ext uri="{FF2B5EF4-FFF2-40B4-BE49-F238E27FC236}">
-                  <a16:creationId xmlns="" xmlns:a16="http://schemas.microsoft.com/office/drawing/2014/main" id="{9A459CB4-74AF-0544-AB1E-7CC6D10F84EB}"/>
+                  <a16:creationId xmlns:a16="http://schemas.microsoft.com/office/drawing/2014/main" xmlns="" id="{9A459CB4-74AF-0544-AB1E-7CC6D10F84EB}"/>
                 </a:ext>
               </a:extLst>
             </p:cNvPr>
@@ -25592,7 +25592,7 @@
             <p:cNvPr id="10" name="Figura a mano libera 9">
               <a:extLst>
                 <a:ext uri="{FF2B5EF4-FFF2-40B4-BE49-F238E27FC236}">
-                  <a16:creationId xmlns="" xmlns:a16="http://schemas.microsoft.com/office/drawing/2014/main" id="{95A20BFD-9142-D64A-A78A-61B75FCA0D76}"/>
+                  <a16:creationId xmlns:a16="http://schemas.microsoft.com/office/drawing/2014/main" xmlns="" id="{95A20BFD-9142-D64A-A78A-61B75FCA0D76}"/>
                 </a:ext>
               </a:extLst>
             </p:cNvPr>
@@ -25697,7 +25697,7 @@
             <p:cNvPr id="11" name="Figura a mano libera 10">
               <a:extLst>
                 <a:ext uri="{FF2B5EF4-FFF2-40B4-BE49-F238E27FC236}">
-                  <a16:creationId xmlns="" xmlns:a16="http://schemas.microsoft.com/office/drawing/2014/main" id="{B80736DF-C890-DB47-AEAA-D3D92505E632}"/>
+                  <a16:creationId xmlns:a16="http://schemas.microsoft.com/office/drawing/2014/main" xmlns="" id="{B80736DF-C890-DB47-AEAA-D3D92505E632}"/>
                 </a:ext>
               </a:extLst>
             </p:cNvPr>
@@ -25814,7 +25814,7 @@
           <p:cNvPr id="12" name="Titolo 1">
             <a:extLst>
               <a:ext uri="{FF2B5EF4-FFF2-40B4-BE49-F238E27FC236}">
-                <a16:creationId xmlns="" xmlns:a16="http://schemas.microsoft.com/office/drawing/2014/main" id="{39F93F26-ED5C-E74E-BFBD-E3054DC1B9C1}"/>
+                <a16:creationId xmlns:a16="http://schemas.microsoft.com/office/drawing/2014/main" xmlns="" id="{39F93F26-ED5C-E74E-BFBD-E3054DC1B9C1}"/>
               </a:ext>
             </a:extLst>
           </p:cNvPr>
@@ -25859,7 +25859,7 @@
           <p:cNvPr id="2" name="Segnaposto contenuto 5">
             <a:extLst>
               <a:ext uri="{FF2B5EF4-FFF2-40B4-BE49-F238E27FC236}">
-                <a16:creationId xmlns="" xmlns:a16="http://schemas.microsoft.com/office/drawing/2014/main" id="{186153BD-9D2B-47EB-3553-1D3F6663B2A3}"/>
+                <a16:creationId xmlns:a16="http://schemas.microsoft.com/office/drawing/2014/main" xmlns="" id="{186153BD-9D2B-47EB-3553-1D3F6663B2A3}"/>
               </a:ext>
             </a:extLst>
           </p:cNvPr>
@@ -25968,7 +25968,7 @@
           <p:cNvPr id="43" name="Segnaposto numero diapositiva 42">
             <a:extLst>
               <a:ext uri="{FF2B5EF4-FFF2-40B4-BE49-F238E27FC236}">
-                <a16:creationId xmlns="" xmlns:a16="http://schemas.microsoft.com/office/drawing/2014/main" id="{D80CCC8F-9CF1-9621-04EB-DFA68FEE42D2}"/>
+                <a16:creationId xmlns:a16="http://schemas.microsoft.com/office/drawing/2014/main" xmlns="" id="{D80CCC8F-9CF1-9621-04EB-DFA68FEE42D2}"/>
               </a:ext>
             </a:extLst>
           </p:cNvPr>
@@ -26005,7 +26005,7 @@
           <p:cNvPr id="42" name="Segnaposto data 41">
             <a:extLst>
               <a:ext uri="{FF2B5EF4-FFF2-40B4-BE49-F238E27FC236}">
-                <a16:creationId xmlns="" xmlns:a16="http://schemas.microsoft.com/office/drawing/2014/main" id="{29CE2856-DB8F-5603-C085-74C70560FAC8}"/>
+                <a16:creationId xmlns:a16="http://schemas.microsoft.com/office/drawing/2014/main" xmlns="" id="{29CE2856-DB8F-5603-C085-74C70560FAC8}"/>
               </a:ext>
             </a:extLst>
           </p:cNvPr>
@@ -26037,10 +26037,10 @@
           <p:cNvPr id="4" name="Connettore diritto 3">
             <a:extLst>
               <a:ext uri="{FF2B5EF4-FFF2-40B4-BE49-F238E27FC236}">
-                <a16:creationId xmlns="" xmlns:a16="http://schemas.microsoft.com/office/drawing/2014/main" id="{979826C1-7A52-DA25-F422-EE62DED7D1B6}"/>
+                <a16:creationId xmlns:a16="http://schemas.microsoft.com/office/drawing/2014/main" xmlns="" id="{979826C1-7A52-DA25-F422-EE62DED7D1B6}"/>
               </a:ext>
               <a:ext uri="{C183D7F6-B498-43B3-948B-1728B52AA6E4}">
-                <adec:decorative xmlns="" xmlns:adec="http://schemas.microsoft.com/office/drawing/2017/decorative" val="1"/>
+                <adec:decorative xmlns:adec="http://schemas.microsoft.com/office/drawing/2017/decorative" xmlns="" val="1"/>
               </a:ext>
             </a:extLst>
           </p:cNvPr>
@@ -26123,7 +26123,7 @@
           <p:cNvPr id="2" name="Title 1">
             <a:extLst>
               <a:ext uri="{FF2B5EF4-FFF2-40B4-BE49-F238E27FC236}">
-                <a16:creationId xmlns="" xmlns:a16="http://schemas.microsoft.com/office/drawing/2014/main" id="{16138658-09ED-D615-347B-24CE81E1D914}"/>
+                <a16:creationId xmlns:a16="http://schemas.microsoft.com/office/drawing/2014/main" xmlns="" id="{16138658-09ED-D615-347B-24CE81E1D914}"/>
               </a:ext>
             </a:extLst>
           </p:cNvPr>
@@ -26164,7 +26164,7 @@
           <p:cNvPr id="3" name="Text Placeholder 2">
             <a:extLst>
               <a:ext uri="{FF2B5EF4-FFF2-40B4-BE49-F238E27FC236}">
-                <a16:creationId xmlns="" xmlns:a16="http://schemas.microsoft.com/office/drawing/2014/main" id="{017F121D-83DE-295A-459B-506ACBC27080}"/>
+                <a16:creationId xmlns:a16="http://schemas.microsoft.com/office/drawing/2014/main" xmlns="" id="{017F121D-83DE-295A-459B-506ACBC27080}"/>
               </a:ext>
             </a:extLst>
           </p:cNvPr>
@@ -26287,10 +26287,10 @@
           <p:cNvPr id="7" name="Straight Connector 6">
             <a:extLst>
               <a:ext uri="{FF2B5EF4-FFF2-40B4-BE49-F238E27FC236}">
-                <a16:creationId xmlns="" xmlns:a16="http://schemas.microsoft.com/office/drawing/2014/main" id="{BB469858-33C6-317E-8459-AABB4D112BB0}"/>
+                <a16:creationId xmlns:a16="http://schemas.microsoft.com/office/drawing/2014/main" xmlns="" id="{BB469858-33C6-317E-8459-AABB4D112BB0}"/>
               </a:ext>
               <a:ext uri="{C183D7F6-B498-43B3-948B-1728B52AA6E4}">
-                <adec:decorative xmlns="" xmlns:adec="http://schemas.microsoft.com/office/drawing/2017/decorative" val="1"/>
+                <adec:decorative xmlns:adec="http://schemas.microsoft.com/office/drawing/2017/decorative" xmlns="" val="1"/>
               </a:ext>
             </a:extLst>
           </p:cNvPr>
@@ -26333,7 +26333,7 @@
           <p:cNvPr id="8" name="Freeform 7">
             <a:extLst>
               <a:ext uri="{FF2B5EF4-FFF2-40B4-BE49-F238E27FC236}">
-                <a16:creationId xmlns="" xmlns:a16="http://schemas.microsoft.com/office/drawing/2014/main" id="{9825BBCE-CF48-8AD5-FA6A-CE17364DC273}"/>
+                <a16:creationId xmlns:a16="http://schemas.microsoft.com/office/drawing/2014/main" xmlns="" id="{9825BBCE-CF48-8AD5-FA6A-CE17364DC273}"/>
               </a:ext>
             </a:extLst>
           </p:cNvPr>
@@ -26422,7 +26422,7 @@
           <p:cNvPr id="2" name="Title 1">
             <a:extLst>
               <a:ext uri="{FF2B5EF4-FFF2-40B4-BE49-F238E27FC236}">
-                <a16:creationId xmlns="" xmlns:a16="http://schemas.microsoft.com/office/drawing/2014/main" id="{F61DFD44-89EB-9189-8079-520FB25B32A4}"/>
+                <a16:creationId xmlns:a16="http://schemas.microsoft.com/office/drawing/2014/main" xmlns="" id="{F61DFD44-89EB-9189-8079-520FB25B32A4}"/>
               </a:ext>
             </a:extLst>
           </p:cNvPr>
@@ -26450,7 +26450,7 @@
           <p:cNvPr id="3" name="Content Placeholder 2">
             <a:extLst>
               <a:ext uri="{FF2B5EF4-FFF2-40B4-BE49-F238E27FC236}">
-                <a16:creationId xmlns="" xmlns:a16="http://schemas.microsoft.com/office/drawing/2014/main" id="{70FEC626-AD74-D0ED-3EEA-3A75186F85C2}"/>
+                <a16:creationId xmlns:a16="http://schemas.microsoft.com/office/drawing/2014/main" xmlns="" id="{70FEC626-AD74-D0ED-3EEA-3A75186F85C2}"/>
               </a:ext>
             </a:extLst>
           </p:cNvPr>
@@ -26526,7 +26526,7 @@
           <p:cNvPr id="4" name="Content Placeholder 2">
             <a:extLst>
               <a:ext uri="{FF2B5EF4-FFF2-40B4-BE49-F238E27FC236}">
-                <a16:creationId xmlns="" xmlns:a16="http://schemas.microsoft.com/office/drawing/2014/main" id="{CE780AF3-1589-1C7C-F338-1947CB62582E}"/>
+                <a16:creationId xmlns:a16="http://schemas.microsoft.com/office/drawing/2014/main" xmlns="" id="{CE780AF3-1589-1C7C-F338-1947CB62582E}"/>
               </a:ext>
             </a:extLst>
           </p:cNvPr>
@@ -26602,7 +26602,7 @@
           <p:cNvPr id="5" name="Content Placeholder 2">
             <a:extLst>
               <a:ext uri="{FF2B5EF4-FFF2-40B4-BE49-F238E27FC236}">
-                <a16:creationId xmlns="" xmlns:a16="http://schemas.microsoft.com/office/drawing/2014/main" id="{CCE24286-8460-AD47-4172-086E2BC420B6}"/>
+                <a16:creationId xmlns:a16="http://schemas.microsoft.com/office/drawing/2014/main" xmlns="" id="{CCE24286-8460-AD47-4172-086E2BC420B6}"/>
               </a:ext>
             </a:extLst>
           </p:cNvPr>
@@ -26716,7 +26716,7 @@
           <p:cNvPr id="2" name="Title 1">
             <a:extLst>
               <a:ext uri="{FF2B5EF4-FFF2-40B4-BE49-F238E27FC236}">
-                <a16:creationId xmlns="" xmlns:a16="http://schemas.microsoft.com/office/drawing/2014/main" id="{16138658-09ED-D615-347B-24CE81E1D914}"/>
+                <a16:creationId xmlns:a16="http://schemas.microsoft.com/office/drawing/2014/main" xmlns="" id="{16138658-09ED-D615-347B-24CE81E1D914}"/>
               </a:ext>
             </a:extLst>
           </p:cNvPr>
@@ -26757,7 +26757,7 @@
           <p:cNvPr id="3" name="Text Placeholder 2">
             <a:extLst>
               <a:ext uri="{FF2B5EF4-FFF2-40B4-BE49-F238E27FC236}">
-                <a16:creationId xmlns="" xmlns:a16="http://schemas.microsoft.com/office/drawing/2014/main" id="{017F121D-83DE-295A-459B-506ACBC27080}"/>
+                <a16:creationId xmlns:a16="http://schemas.microsoft.com/office/drawing/2014/main" xmlns="" id="{017F121D-83DE-295A-459B-506ACBC27080}"/>
               </a:ext>
             </a:extLst>
           </p:cNvPr>
@@ -26890,7 +26890,7 @@
           <p:cNvPr id="7" name="Straight Connector 6">
             <a:extLst>
               <a:ext uri="{FF2B5EF4-FFF2-40B4-BE49-F238E27FC236}">
-                <a16:creationId xmlns="" xmlns:a16="http://schemas.microsoft.com/office/drawing/2014/main" id="{BB469858-33C6-317E-8459-AABB4D112BB0}"/>
+                <a16:creationId xmlns:a16="http://schemas.microsoft.com/office/drawing/2014/main" xmlns="" id="{BB469858-33C6-317E-8459-AABB4D112BB0}"/>
               </a:ext>
             </a:extLst>
           </p:cNvPr>
@@ -26933,7 +26933,7 @@
           <p:cNvPr id="8" name="Freeform 7">
             <a:extLst>
               <a:ext uri="{FF2B5EF4-FFF2-40B4-BE49-F238E27FC236}">
-                <a16:creationId xmlns="" xmlns:a16="http://schemas.microsoft.com/office/drawing/2014/main" id="{9825BBCE-CF48-8AD5-FA6A-CE17364DC273}"/>
+                <a16:creationId xmlns:a16="http://schemas.microsoft.com/office/drawing/2014/main" xmlns="" id="{9825BBCE-CF48-8AD5-FA6A-CE17364DC273}"/>
               </a:ext>
             </a:extLst>
           </p:cNvPr>
@@ -27030,7 +27030,7 @@
           <p:cNvPr id="2" name="Title 1">
             <a:extLst>
               <a:ext uri="{FF2B5EF4-FFF2-40B4-BE49-F238E27FC236}">
-                <a16:creationId xmlns="" xmlns:a16="http://schemas.microsoft.com/office/drawing/2014/main" id="{16138658-09ED-D615-347B-24CE81E1D914}"/>
+                <a16:creationId xmlns:a16="http://schemas.microsoft.com/office/drawing/2014/main" xmlns="" id="{16138658-09ED-D615-347B-24CE81E1D914}"/>
               </a:ext>
             </a:extLst>
           </p:cNvPr>
@@ -27071,7 +27071,7 @@
           <p:cNvPr id="7" name="Straight Connector 6">
             <a:extLst>
               <a:ext uri="{FF2B5EF4-FFF2-40B4-BE49-F238E27FC236}">
-                <a16:creationId xmlns="" xmlns:a16="http://schemas.microsoft.com/office/drawing/2014/main" id="{BB469858-33C6-317E-8459-AABB4D112BB0}"/>
+                <a16:creationId xmlns:a16="http://schemas.microsoft.com/office/drawing/2014/main" xmlns="" id="{BB469858-33C6-317E-8459-AABB4D112BB0}"/>
               </a:ext>
             </a:extLst>
           </p:cNvPr>
@@ -27114,7 +27114,7 @@
           <p:cNvPr id="8" name="Freeform 7">
             <a:extLst>
               <a:ext uri="{FF2B5EF4-FFF2-40B4-BE49-F238E27FC236}">
-                <a16:creationId xmlns="" xmlns:a16="http://schemas.microsoft.com/office/drawing/2014/main" id="{9825BBCE-CF48-8AD5-FA6A-CE17364DC273}"/>
+                <a16:creationId xmlns:a16="http://schemas.microsoft.com/office/drawing/2014/main" xmlns="" id="{9825BBCE-CF48-8AD5-FA6A-CE17364DC273}"/>
               </a:ext>
             </a:extLst>
           </p:cNvPr>
@@ -27203,7 +27203,7 @@
           <p:cNvPr id="2" name="Title 1">
             <a:extLst>
               <a:ext uri="{FF2B5EF4-FFF2-40B4-BE49-F238E27FC236}">
-                <a16:creationId xmlns="" xmlns:a16="http://schemas.microsoft.com/office/drawing/2014/main" id="{C98C9122-1189-37C9-BBDE-C1CC7A442580}"/>
+                <a16:creationId xmlns:a16="http://schemas.microsoft.com/office/drawing/2014/main" xmlns="" id="{C98C9122-1189-37C9-BBDE-C1CC7A442580}"/>
               </a:ext>
             </a:extLst>
           </p:cNvPr>
@@ -27240,7 +27240,7 @@
           <p:cNvPr id="3" name="Subtitle 2">
             <a:extLst>
               <a:ext uri="{FF2B5EF4-FFF2-40B4-BE49-F238E27FC236}">
-                <a16:creationId xmlns="" xmlns:a16="http://schemas.microsoft.com/office/drawing/2014/main" id="{45ACBA74-F385-1077-F502-DC96924543A7}"/>
+                <a16:creationId xmlns:a16="http://schemas.microsoft.com/office/drawing/2014/main" xmlns="" id="{45ACBA74-F385-1077-F502-DC96924543A7}"/>
               </a:ext>
             </a:extLst>
           </p:cNvPr>
@@ -27310,7 +27310,7 @@
           <p:cNvPr id="7" name="Picture Placeholder 2">
             <a:extLst>
               <a:ext uri="{FF2B5EF4-FFF2-40B4-BE49-F238E27FC236}">
-                <a16:creationId xmlns="" xmlns:a16="http://schemas.microsoft.com/office/drawing/2014/main" id="{DE26172D-376C-54EB-F6ED-36E87D5A6F88}"/>
+                <a16:creationId xmlns:a16="http://schemas.microsoft.com/office/drawing/2014/main" xmlns="" id="{DE26172D-376C-54EB-F6ED-36E87D5A6F88}"/>
               </a:ext>
             </a:extLst>
           </p:cNvPr>
@@ -27407,7 +27407,7 @@
           <p:cNvPr id="7" name="Picture Placeholder 2">
             <a:extLst>
               <a:ext uri="{FF2B5EF4-FFF2-40B4-BE49-F238E27FC236}">
-                <a16:creationId xmlns="" xmlns:a16="http://schemas.microsoft.com/office/drawing/2014/main" id="{DE26172D-376C-54EB-F6ED-36E87D5A6F88}"/>
+                <a16:creationId xmlns:a16="http://schemas.microsoft.com/office/drawing/2014/main" xmlns="" id="{DE26172D-376C-54EB-F6ED-36E87D5A6F88}"/>
               </a:ext>
             </a:extLst>
           </p:cNvPr>
@@ -27474,7 +27474,7 @@
           <p:cNvPr id="4" name="Title 1">
             <a:extLst>
               <a:ext uri="{FF2B5EF4-FFF2-40B4-BE49-F238E27FC236}">
-                <a16:creationId xmlns="" xmlns:a16="http://schemas.microsoft.com/office/drawing/2014/main" id="{915CD5BC-7F15-F50D-9097-387F5F95C9CC}"/>
+                <a16:creationId xmlns:a16="http://schemas.microsoft.com/office/drawing/2014/main" xmlns="" id="{915CD5BC-7F15-F50D-9097-387F5F95C9CC}"/>
               </a:ext>
             </a:extLst>
           </p:cNvPr>
@@ -27515,7 +27515,7 @@
           <p:cNvPr id="5" name="Text Placeholder 2">
             <a:extLst>
               <a:ext uri="{FF2B5EF4-FFF2-40B4-BE49-F238E27FC236}">
-                <a16:creationId xmlns="" xmlns:a16="http://schemas.microsoft.com/office/drawing/2014/main" id="{A9A9A898-B57C-FC40-786E-96FD7DA21696}"/>
+                <a16:creationId xmlns:a16="http://schemas.microsoft.com/office/drawing/2014/main" xmlns="" id="{A9A9A898-B57C-FC40-786E-96FD7DA21696}"/>
               </a:ext>
             </a:extLst>
           </p:cNvPr>
@@ -27686,7 +27686,7 @@
           <p:cNvPr id="2" name="Title 1">
             <a:extLst>
               <a:ext uri="{FF2B5EF4-FFF2-40B4-BE49-F238E27FC236}">
-                <a16:creationId xmlns="" xmlns:a16="http://schemas.microsoft.com/office/drawing/2014/main" id="{16138658-09ED-D615-347B-24CE81E1D914}"/>
+                <a16:creationId xmlns:a16="http://schemas.microsoft.com/office/drawing/2014/main" xmlns="" id="{16138658-09ED-D615-347B-24CE81E1D914}"/>
               </a:ext>
             </a:extLst>
           </p:cNvPr>
@@ -27730,7 +27730,7 @@
           <p:cNvPr id="4" name="Freeform 3" descr="UIC Logo">
             <a:extLst>
               <a:ext uri="{FF2B5EF4-FFF2-40B4-BE49-F238E27FC236}">
-                <a16:creationId xmlns="" xmlns:a16="http://schemas.microsoft.com/office/drawing/2014/main" id="{21F0667F-AA2D-E92E-51DD-D9191B0523E3}"/>
+                <a16:creationId xmlns:a16="http://schemas.microsoft.com/office/drawing/2014/main" xmlns="" id="{21F0667F-AA2D-E92E-51DD-D9191B0523E3}"/>
               </a:ext>
             </a:extLst>
           </p:cNvPr>
@@ -27819,7 +27819,7 @@
           <p:cNvPr id="2" name="Title 1">
             <a:extLst>
               <a:ext uri="{FF2B5EF4-FFF2-40B4-BE49-F238E27FC236}">
-                <a16:creationId xmlns="" xmlns:a16="http://schemas.microsoft.com/office/drawing/2014/main" id="{C98C9122-1189-37C9-BBDE-C1CC7A442580}"/>
+                <a16:creationId xmlns:a16="http://schemas.microsoft.com/office/drawing/2014/main" xmlns="" id="{C98C9122-1189-37C9-BBDE-C1CC7A442580}"/>
               </a:ext>
             </a:extLst>
           </p:cNvPr>
@@ -27859,7 +27859,7 @@
           <p:cNvPr id="3" name="Subtitle 2">
             <a:extLst>
               <a:ext uri="{FF2B5EF4-FFF2-40B4-BE49-F238E27FC236}">
-                <a16:creationId xmlns="" xmlns:a16="http://schemas.microsoft.com/office/drawing/2014/main" id="{45ACBA74-F385-1077-F502-DC96924543A7}"/>
+                <a16:creationId xmlns:a16="http://schemas.microsoft.com/office/drawing/2014/main" xmlns="" id="{45ACBA74-F385-1077-F502-DC96924543A7}"/>
               </a:ext>
             </a:extLst>
           </p:cNvPr>
@@ -27932,7 +27932,7 @@
           <p:cNvPr id="6" name="Picture 5" descr="UIC Logo">
             <a:extLst>
               <a:ext uri="{FF2B5EF4-FFF2-40B4-BE49-F238E27FC236}">
-                <a16:creationId xmlns="" xmlns:a16="http://schemas.microsoft.com/office/drawing/2014/main" id="{B760048C-C1D7-6777-4AC2-5F1C10262018}"/>
+                <a16:creationId xmlns:a16="http://schemas.microsoft.com/office/drawing/2014/main" xmlns="" id="{B760048C-C1D7-6777-4AC2-5F1C10262018}"/>
               </a:ext>
             </a:extLst>
           </p:cNvPr>
@@ -27992,7 +27992,7 @@
           <p:cNvPr id="2" name="Picture 1" descr="UIC Logo">
             <a:extLst>
               <a:ext uri="{FF2B5EF4-FFF2-40B4-BE49-F238E27FC236}">
-                <a16:creationId xmlns="" xmlns:a16="http://schemas.microsoft.com/office/drawing/2014/main" id="{30ADB072-E9F3-130E-9093-3101F17D4B26}"/>
+                <a16:creationId xmlns:a16="http://schemas.microsoft.com/office/drawing/2014/main" xmlns="" id="{30ADB072-E9F3-130E-9093-3101F17D4B26}"/>
               </a:ext>
             </a:extLst>
           </p:cNvPr>
@@ -28052,7 +28052,7 @@
           <p:cNvPr id="2" name="Title 1">
             <a:extLst>
               <a:ext uri="{FF2B5EF4-FFF2-40B4-BE49-F238E27FC236}">
-                <a16:creationId xmlns="" xmlns:a16="http://schemas.microsoft.com/office/drawing/2014/main" id="{C98C9122-1189-37C9-BBDE-C1CC7A442580}"/>
+                <a16:creationId xmlns:a16="http://schemas.microsoft.com/office/drawing/2014/main" xmlns="" id="{C98C9122-1189-37C9-BBDE-C1CC7A442580}"/>
               </a:ext>
             </a:extLst>
           </p:cNvPr>
@@ -28089,7 +28089,7 @@
           <p:cNvPr id="3" name="Subtitle 2">
             <a:extLst>
               <a:ext uri="{FF2B5EF4-FFF2-40B4-BE49-F238E27FC236}">
-                <a16:creationId xmlns="" xmlns:a16="http://schemas.microsoft.com/office/drawing/2014/main" id="{45ACBA74-F385-1077-F502-DC96924543A7}"/>
+                <a16:creationId xmlns:a16="http://schemas.microsoft.com/office/drawing/2014/main" xmlns="" id="{45ACBA74-F385-1077-F502-DC96924543A7}"/>
               </a:ext>
             </a:extLst>
           </p:cNvPr>
@@ -28159,7 +28159,7 @@
           <p:cNvPr id="4" name="Straight Connector 3">
             <a:extLst>
               <a:ext uri="{FF2B5EF4-FFF2-40B4-BE49-F238E27FC236}">
-                <a16:creationId xmlns="" xmlns:a16="http://schemas.microsoft.com/office/drawing/2014/main" id="{180D20E7-4D3C-183D-F647-F979AD9C0B13}"/>
+                <a16:creationId xmlns:a16="http://schemas.microsoft.com/office/drawing/2014/main" xmlns="" id="{180D20E7-4D3C-183D-F647-F979AD9C0B13}"/>
               </a:ext>
             </a:extLst>
           </p:cNvPr>
@@ -28232,7 +28232,7 @@
           <p:cNvPr id="2" name="Title 1">
             <a:extLst>
               <a:ext uri="{FF2B5EF4-FFF2-40B4-BE49-F238E27FC236}">
-                <a16:creationId xmlns="" xmlns:a16="http://schemas.microsoft.com/office/drawing/2014/main" id="{F61DFD44-89EB-9189-8079-520FB25B32A4}"/>
+                <a16:creationId xmlns:a16="http://schemas.microsoft.com/office/drawing/2014/main" xmlns="" id="{F61DFD44-89EB-9189-8079-520FB25B32A4}"/>
               </a:ext>
             </a:extLst>
           </p:cNvPr>
@@ -28260,7 +28260,7 @@
           <p:cNvPr id="4" name="Content Placeholder 2">
             <a:extLst>
               <a:ext uri="{FF2B5EF4-FFF2-40B4-BE49-F238E27FC236}">
-                <a16:creationId xmlns="" xmlns:a16="http://schemas.microsoft.com/office/drawing/2014/main" id="{5C218756-7DC9-690E-655D-A7F56E6AC72E}"/>
+                <a16:creationId xmlns:a16="http://schemas.microsoft.com/office/drawing/2014/main" xmlns="" id="{5C218756-7DC9-690E-655D-A7F56E6AC72E}"/>
               </a:ext>
             </a:extLst>
           </p:cNvPr>
@@ -28332,7 +28332,7 @@
           <p:cNvPr id="10" name="Content Placeholder 2">
             <a:extLst>
               <a:ext uri="{FF2B5EF4-FFF2-40B4-BE49-F238E27FC236}">
-                <a16:creationId xmlns="" xmlns:a16="http://schemas.microsoft.com/office/drawing/2014/main" id="{8E6F9E3D-9AE5-0675-00DE-9646A015157B}"/>
+                <a16:creationId xmlns:a16="http://schemas.microsoft.com/office/drawing/2014/main" xmlns="" id="{8E6F9E3D-9AE5-0675-00DE-9646A015157B}"/>
               </a:ext>
             </a:extLst>
           </p:cNvPr>
@@ -28404,7 +28404,7 @@
           <p:cNvPr id="11" name="Content Placeholder 2">
             <a:extLst>
               <a:ext uri="{FF2B5EF4-FFF2-40B4-BE49-F238E27FC236}">
-                <a16:creationId xmlns="" xmlns:a16="http://schemas.microsoft.com/office/drawing/2014/main" id="{9B0EAD97-E06D-C098-AD1E-E778A747C47B}"/>
+                <a16:creationId xmlns:a16="http://schemas.microsoft.com/office/drawing/2014/main" xmlns="" id="{9B0EAD97-E06D-C098-AD1E-E778A747C47B}"/>
               </a:ext>
             </a:extLst>
           </p:cNvPr>
@@ -28476,7 +28476,7 @@
           <p:cNvPr id="12" name="Content Placeholder 2">
             <a:extLst>
               <a:ext uri="{FF2B5EF4-FFF2-40B4-BE49-F238E27FC236}">
-                <a16:creationId xmlns="" xmlns:a16="http://schemas.microsoft.com/office/drawing/2014/main" id="{4C5F8CED-3CAA-3ECD-E708-56A6708D2918}"/>
+                <a16:creationId xmlns:a16="http://schemas.microsoft.com/office/drawing/2014/main" xmlns="" id="{4C5F8CED-3CAA-3ECD-E708-56A6708D2918}"/>
               </a:ext>
             </a:extLst>
           </p:cNvPr>
@@ -28548,7 +28548,7 @@
           <p:cNvPr id="13" name="Content Placeholder 2">
             <a:extLst>
               <a:ext uri="{FF2B5EF4-FFF2-40B4-BE49-F238E27FC236}">
-                <a16:creationId xmlns="" xmlns:a16="http://schemas.microsoft.com/office/drawing/2014/main" id="{7CB909FB-840E-DA0F-E782-8347E99911AB}"/>
+                <a16:creationId xmlns:a16="http://schemas.microsoft.com/office/drawing/2014/main" xmlns="" id="{7CB909FB-840E-DA0F-E782-8347E99911AB}"/>
               </a:ext>
             </a:extLst>
           </p:cNvPr>
@@ -28620,7 +28620,7 @@
           <p:cNvPr id="14" name="Content Placeholder 2">
             <a:extLst>
               <a:ext uri="{FF2B5EF4-FFF2-40B4-BE49-F238E27FC236}">
-                <a16:creationId xmlns="" xmlns:a16="http://schemas.microsoft.com/office/drawing/2014/main" id="{83B5FFC3-CFD8-996A-EE18-49EC3A6266E8}"/>
+                <a16:creationId xmlns:a16="http://schemas.microsoft.com/office/drawing/2014/main" xmlns="" id="{83B5FFC3-CFD8-996A-EE18-49EC3A6266E8}"/>
               </a:ext>
             </a:extLst>
           </p:cNvPr>
@@ -28722,7 +28722,7 @@
           <p:cNvPr id="2" name="Title 1">
             <a:extLst>
               <a:ext uri="{FF2B5EF4-FFF2-40B4-BE49-F238E27FC236}">
-                <a16:creationId xmlns="" xmlns:a16="http://schemas.microsoft.com/office/drawing/2014/main" id="{F61DFD44-89EB-9189-8079-520FB25B32A4}"/>
+                <a16:creationId xmlns:a16="http://schemas.microsoft.com/office/drawing/2014/main" xmlns="" id="{F61DFD44-89EB-9189-8079-520FB25B32A4}"/>
               </a:ext>
             </a:extLst>
           </p:cNvPr>
@@ -28750,7 +28750,7 @@
           <p:cNvPr id="4" name="Content Placeholder 2">
             <a:extLst>
               <a:ext uri="{FF2B5EF4-FFF2-40B4-BE49-F238E27FC236}">
-                <a16:creationId xmlns="" xmlns:a16="http://schemas.microsoft.com/office/drawing/2014/main" id="{5C218756-7DC9-690E-655D-A7F56E6AC72E}"/>
+                <a16:creationId xmlns:a16="http://schemas.microsoft.com/office/drawing/2014/main" xmlns="" id="{5C218756-7DC9-690E-655D-A7F56E6AC72E}"/>
               </a:ext>
             </a:extLst>
           </p:cNvPr>
@@ -28822,7 +28822,7 @@
           <p:cNvPr id="3" name="Content Placeholder 2">
             <a:extLst>
               <a:ext uri="{FF2B5EF4-FFF2-40B4-BE49-F238E27FC236}">
-                <a16:creationId xmlns="" xmlns:a16="http://schemas.microsoft.com/office/drawing/2014/main" id="{EB711F7C-29F4-A725-7B73-86AF5CD5E1BA}"/>
+                <a16:creationId xmlns:a16="http://schemas.microsoft.com/office/drawing/2014/main" xmlns="" id="{EB711F7C-29F4-A725-7B73-86AF5CD5E1BA}"/>
               </a:ext>
             </a:extLst>
           </p:cNvPr>
@@ -28894,7 +28894,7 @@
           <p:cNvPr id="5" name="Content Placeholder 2">
             <a:extLst>
               <a:ext uri="{FF2B5EF4-FFF2-40B4-BE49-F238E27FC236}">
-                <a16:creationId xmlns="" xmlns:a16="http://schemas.microsoft.com/office/drawing/2014/main" id="{D62B1437-F991-31DF-7B15-2164F69343F1}"/>
+                <a16:creationId xmlns:a16="http://schemas.microsoft.com/office/drawing/2014/main" xmlns="" id="{D62B1437-F991-31DF-7B15-2164F69343F1}"/>
               </a:ext>
             </a:extLst>
           </p:cNvPr>
@@ -28966,7 +28966,7 @@
           <p:cNvPr id="6" name="Content Placeholder 2">
             <a:extLst>
               <a:ext uri="{FF2B5EF4-FFF2-40B4-BE49-F238E27FC236}">
-                <a16:creationId xmlns="" xmlns:a16="http://schemas.microsoft.com/office/drawing/2014/main" id="{1C01816F-A1DA-E4A9-066C-164C4608144F}"/>
+                <a16:creationId xmlns:a16="http://schemas.microsoft.com/office/drawing/2014/main" xmlns="" id="{1C01816F-A1DA-E4A9-066C-164C4608144F}"/>
               </a:ext>
             </a:extLst>
           </p:cNvPr>
@@ -29038,7 +29038,7 @@
           <p:cNvPr id="7" name="Content Placeholder 2">
             <a:extLst>
               <a:ext uri="{FF2B5EF4-FFF2-40B4-BE49-F238E27FC236}">
-                <a16:creationId xmlns="" xmlns:a16="http://schemas.microsoft.com/office/drawing/2014/main" id="{1841442A-E4F3-DCDE-81F3-6A367AFBB230}"/>
+                <a16:creationId xmlns:a16="http://schemas.microsoft.com/office/drawing/2014/main" xmlns="" id="{1841442A-E4F3-DCDE-81F3-6A367AFBB230}"/>
               </a:ext>
             </a:extLst>
           </p:cNvPr>
@@ -29110,7 +29110,7 @@
           <p:cNvPr id="8" name="Content Placeholder 2">
             <a:extLst>
               <a:ext uri="{FF2B5EF4-FFF2-40B4-BE49-F238E27FC236}">
-                <a16:creationId xmlns="" xmlns:a16="http://schemas.microsoft.com/office/drawing/2014/main" id="{C5926872-F7B6-941C-7957-CD8A17862C12}"/>
+                <a16:creationId xmlns:a16="http://schemas.microsoft.com/office/drawing/2014/main" xmlns="" id="{C5926872-F7B6-941C-7957-CD8A17862C12}"/>
               </a:ext>
             </a:extLst>
           </p:cNvPr>
@@ -29212,7 +29212,7 @@
           <p:cNvPr id="2" name="Title 1">
             <a:extLst>
               <a:ext uri="{FF2B5EF4-FFF2-40B4-BE49-F238E27FC236}">
-                <a16:creationId xmlns="" xmlns:a16="http://schemas.microsoft.com/office/drawing/2014/main" id="{F61DFD44-89EB-9189-8079-520FB25B32A4}"/>
+                <a16:creationId xmlns:a16="http://schemas.microsoft.com/office/drawing/2014/main" xmlns="" id="{F61DFD44-89EB-9189-8079-520FB25B32A4}"/>
               </a:ext>
             </a:extLst>
           </p:cNvPr>
@@ -29240,7 +29240,7 @@
           <p:cNvPr id="4" name="Google Shape;639;p96">
             <a:extLst>
               <a:ext uri="{FF2B5EF4-FFF2-40B4-BE49-F238E27FC236}">
-                <a16:creationId xmlns="" xmlns:a16="http://schemas.microsoft.com/office/drawing/2014/main" id="{C4E20262-346A-EFC1-AAC2-70EA59947FBF}"/>
+                <a16:creationId xmlns:a16="http://schemas.microsoft.com/office/drawing/2014/main" xmlns="" id="{C4E20262-346A-EFC1-AAC2-70EA59947FBF}"/>
               </a:ext>
             </a:extLst>
           </p:cNvPr>
@@ -29282,7 +29282,7 @@
           <p:cNvPr id="5" name="Google Shape;640;p96">
             <a:extLst>
               <a:ext uri="{FF2B5EF4-FFF2-40B4-BE49-F238E27FC236}">
-                <a16:creationId xmlns="" xmlns:a16="http://schemas.microsoft.com/office/drawing/2014/main" id="{2209FE1B-9EDB-04BD-95FD-BC6EFF279DCB}"/>
+                <a16:creationId xmlns:a16="http://schemas.microsoft.com/office/drawing/2014/main" xmlns="" id="{2209FE1B-9EDB-04BD-95FD-BC6EFF279DCB}"/>
               </a:ext>
             </a:extLst>
           </p:cNvPr>
@@ -29324,7 +29324,7 @@
           <p:cNvPr id="6" name="Google Shape;641;p96">
             <a:extLst>
               <a:ext uri="{FF2B5EF4-FFF2-40B4-BE49-F238E27FC236}">
-                <a16:creationId xmlns="" xmlns:a16="http://schemas.microsoft.com/office/drawing/2014/main" id="{38A87733-0494-095F-97F6-34F6FE463290}"/>
+                <a16:creationId xmlns:a16="http://schemas.microsoft.com/office/drawing/2014/main" xmlns="" id="{38A87733-0494-095F-97F6-34F6FE463290}"/>
               </a:ext>
             </a:extLst>
           </p:cNvPr>
@@ -29396,7 +29396,7 @@
           <p:cNvPr id="2" name="Title 1">
             <a:extLst>
               <a:ext uri="{FF2B5EF4-FFF2-40B4-BE49-F238E27FC236}">
-                <a16:creationId xmlns="" xmlns:a16="http://schemas.microsoft.com/office/drawing/2014/main" id="{F61DFD44-89EB-9189-8079-520FB25B32A4}"/>
+                <a16:creationId xmlns:a16="http://schemas.microsoft.com/office/drawing/2014/main" xmlns="" id="{F61DFD44-89EB-9189-8079-520FB25B32A4}"/>
               </a:ext>
             </a:extLst>
           </p:cNvPr>
@@ -29454,7 +29454,7 @@
           <p:cNvPr id="2" name="Title 1">
             <a:extLst>
               <a:ext uri="{FF2B5EF4-FFF2-40B4-BE49-F238E27FC236}">
-                <a16:creationId xmlns="" xmlns:a16="http://schemas.microsoft.com/office/drawing/2014/main" id="{F61DFD44-89EB-9189-8079-520FB25B32A4}"/>
+                <a16:creationId xmlns:a16="http://schemas.microsoft.com/office/drawing/2014/main" xmlns="" id="{F61DFD44-89EB-9189-8079-520FB25B32A4}"/>
               </a:ext>
             </a:extLst>
           </p:cNvPr>
@@ -29482,7 +29482,7 @@
           <p:cNvPr id="4" name="Google Shape;639;p96">
             <a:extLst>
               <a:ext uri="{FF2B5EF4-FFF2-40B4-BE49-F238E27FC236}">
-                <a16:creationId xmlns="" xmlns:a16="http://schemas.microsoft.com/office/drawing/2014/main" id="{C4E20262-346A-EFC1-AAC2-70EA59947FBF}"/>
+                <a16:creationId xmlns:a16="http://schemas.microsoft.com/office/drawing/2014/main" xmlns="" id="{C4E20262-346A-EFC1-AAC2-70EA59947FBF}"/>
               </a:ext>
             </a:extLst>
           </p:cNvPr>
@@ -29524,7 +29524,7 @@
           <p:cNvPr id="3" name="Content Placeholder 2">
             <a:extLst>
               <a:ext uri="{FF2B5EF4-FFF2-40B4-BE49-F238E27FC236}">
-                <a16:creationId xmlns="" xmlns:a16="http://schemas.microsoft.com/office/drawing/2014/main" id="{454DE472-573E-4983-91AA-210BB87EDBA0}"/>
+                <a16:creationId xmlns:a16="http://schemas.microsoft.com/office/drawing/2014/main" xmlns="" id="{454DE472-573E-4983-91AA-210BB87EDBA0}"/>
               </a:ext>
             </a:extLst>
           </p:cNvPr>
@@ -29603,7 +29603,7 @@
           <p:cNvPr id="9" name="Content Placeholder 2">
             <a:extLst>
               <a:ext uri="{FF2B5EF4-FFF2-40B4-BE49-F238E27FC236}">
-                <a16:creationId xmlns="" xmlns:a16="http://schemas.microsoft.com/office/drawing/2014/main" id="{579C38A5-F9C6-9C8C-0715-DBE990E3A6C6}"/>
+                <a16:creationId xmlns:a16="http://schemas.microsoft.com/office/drawing/2014/main" xmlns="" id="{579C38A5-F9C6-9C8C-0715-DBE990E3A6C6}"/>
               </a:ext>
             </a:extLst>
           </p:cNvPr>
@@ -29682,7 +29682,7 @@
           <p:cNvPr id="10" name="Content Placeholder 2">
             <a:extLst>
               <a:ext uri="{FF2B5EF4-FFF2-40B4-BE49-F238E27FC236}">
-                <a16:creationId xmlns="" xmlns:a16="http://schemas.microsoft.com/office/drawing/2014/main" id="{9425682A-D3E5-40C7-A76D-5D4022EDE1EA}"/>
+                <a16:creationId xmlns:a16="http://schemas.microsoft.com/office/drawing/2014/main" xmlns="" id="{9425682A-D3E5-40C7-A76D-5D4022EDE1EA}"/>
               </a:ext>
             </a:extLst>
           </p:cNvPr>
@@ -29791,7 +29791,7 @@
           <p:cNvPr id="4" name="Google Shape;639;p96">
             <a:extLst>
               <a:ext uri="{FF2B5EF4-FFF2-40B4-BE49-F238E27FC236}">
-                <a16:creationId xmlns="" xmlns:a16="http://schemas.microsoft.com/office/drawing/2014/main" id="{C4E20262-346A-EFC1-AAC2-70EA59947FBF}"/>
+                <a16:creationId xmlns:a16="http://schemas.microsoft.com/office/drawing/2014/main" xmlns="" id="{C4E20262-346A-EFC1-AAC2-70EA59947FBF}"/>
               </a:ext>
             </a:extLst>
           </p:cNvPr>
@@ -29833,7 +29833,7 @@
           <p:cNvPr id="2" name="Title 1">
             <a:extLst>
               <a:ext uri="{FF2B5EF4-FFF2-40B4-BE49-F238E27FC236}">
-                <a16:creationId xmlns="" xmlns:a16="http://schemas.microsoft.com/office/drawing/2014/main" id="{F61DFD44-89EB-9189-8079-520FB25B32A4}"/>
+                <a16:creationId xmlns:a16="http://schemas.microsoft.com/office/drawing/2014/main" xmlns="" id="{F61DFD44-89EB-9189-8079-520FB25B32A4}"/>
               </a:ext>
             </a:extLst>
           </p:cNvPr>
@@ -29861,7 +29861,7 @@
           <p:cNvPr id="3" name="Content Placeholder 2">
             <a:extLst>
               <a:ext uri="{FF2B5EF4-FFF2-40B4-BE49-F238E27FC236}">
-                <a16:creationId xmlns="" xmlns:a16="http://schemas.microsoft.com/office/drawing/2014/main" id="{454DE472-573E-4983-91AA-210BB87EDBA0}"/>
+                <a16:creationId xmlns:a16="http://schemas.microsoft.com/office/drawing/2014/main" xmlns="" id="{454DE472-573E-4983-91AA-210BB87EDBA0}"/>
               </a:ext>
             </a:extLst>
           </p:cNvPr>
@@ -29940,7 +29940,7 @@
           <p:cNvPr id="8" name="Content Placeholder 2">
             <a:extLst>
               <a:ext uri="{FF2B5EF4-FFF2-40B4-BE49-F238E27FC236}">
-                <a16:creationId xmlns="" xmlns:a16="http://schemas.microsoft.com/office/drawing/2014/main" id="{B97877DD-DF6E-DD0B-B708-DF808191BF27}"/>
+                <a16:creationId xmlns:a16="http://schemas.microsoft.com/office/drawing/2014/main" xmlns="" id="{B97877DD-DF6E-DD0B-B708-DF808191BF27}"/>
               </a:ext>
             </a:extLst>
           </p:cNvPr>
@@ -30019,7 +30019,7 @@
           <p:cNvPr id="11" name="Content Placeholder 2">
             <a:extLst>
               <a:ext uri="{FF2B5EF4-FFF2-40B4-BE49-F238E27FC236}">
-                <a16:creationId xmlns="" xmlns:a16="http://schemas.microsoft.com/office/drawing/2014/main" id="{B447EC4D-4890-9395-9F77-8FF489C862BB}"/>
+                <a16:creationId xmlns:a16="http://schemas.microsoft.com/office/drawing/2014/main" xmlns="" id="{B447EC4D-4890-9395-9F77-8FF489C862BB}"/>
               </a:ext>
             </a:extLst>
           </p:cNvPr>
@@ -30100,7 +30100,7 @@
           <p:cNvPr id="12" name="Content Placeholder 2">
             <a:extLst>
               <a:ext uri="{FF2B5EF4-FFF2-40B4-BE49-F238E27FC236}">
-                <a16:creationId xmlns="" xmlns:a16="http://schemas.microsoft.com/office/drawing/2014/main" id="{C98FF2F9-29B3-7EEF-6287-CADEB1E6E27C}"/>
+                <a16:creationId xmlns:a16="http://schemas.microsoft.com/office/drawing/2014/main" xmlns="" id="{C98FF2F9-29B3-7EEF-6287-CADEB1E6E27C}"/>
               </a:ext>
             </a:extLst>
           </p:cNvPr>
@@ -30211,7 +30211,7 @@
           <p:cNvPr id="2" name="Title 1">
             <a:extLst>
               <a:ext uri="{FF2B5EF4-FFF2-40B4-BE49-F238E27FC236}">
-                <a16:creationId xmlns="" xmlns:a16="http://schemas.microsoft.com/office/drawing/2014/main" id="{F61DFD44-89EB-9189-8079-520FB25B32A4}"/>
+                <a16:creationId xmlns:a16="http://schemas.microsoft.com/office/drawing/2014/main" xmlns="" id="{F61DFD44-89EB-9189-8079-520FB25B32A4}"/>
               </a:ext>
             </a:extLst>
           </p:cNvPr>
@@ -30239,7 +30239,7 @@
           <p:cNvPr id="4" name="Google Shape;639;p96">
             <a:extLst>
               <a:ext uri="{FF2B5EF4-FFF2-40B4-BE49-F238E27FC236}">
-                <a16:creationId xmlns="" xmlns:a16="http://schemas.microsoft.com/office/drawing/2014/main" id="{C4E20262-346A-EFC1-AAC2-70EA59947FBF}"/>
+                <a16:creationId xmlns:a16="http://schemas.microsoft.com/office/drawing/2014/main" xmlns="" id="{C4E20262-346A-EFC1-AAC2-70EA59947FBF}"/>
               </a:ext>
             </a:extLst>
           </p:cNvPr>
@@ -30281,7 +30281,7 @@
           <p:cNvPr id="5" name="Google Shape;640;p96">
             <a:extLst>
               <a:ext uri="{FF2B5EF4-FFF2-40B4-BE49-F238E27FC236}">
-                <a16:creationId xmlns="" xmlns:a16="http://schemas.microsoft.com/office/drawing/2014/main" id="{2209FE1B-9EDB-04BD-95FD-BC6EFF279DCB}"/>
+                <a16:creationId xmlns:a16="http://schemas.microsoft.com/office/drawing/2014/main" xmlns="" id="{2209FE1B-9EDB-04BD-95FD-BC6EFF279DCB}"/>
               </a:ext>
             </a:extLst>
           </p:cNvPr>
@@ -30323,7 +30323,7 @@
           <p:cNvPr id="6" name="Google Shape;641;p96">
             <a:extLst>
               <a:ext uri="{FF2B5EF4-FFF2-40B4-BE49-F238E27FC236}">
-                <a16:creationId xmlns="" xmlns:a16="http://schemas.microsoft.com/office/drawing/2014/main" id="{38A87733-0494-095F-97F6-34F6FE463290}"/>
+                <a16:creationId xmlns:a16="http://schemas.microsoft.com/office/drawing/2014/main" xmlns="" id="{38A87733-0494-095F-97F6-34F6FE463290}"/>
               </a:ext>
             </a:extLst>
           </p:cNvPr>
@@ -30365,7 +30365,7 @@
           <p:cNvPr id="3" name="Content Placeholder 2">
             <a:extLst>
               <a:ext uri="{FF2B5EF4-FFF2-40B4-BE49-F238E27FC236}">
-                <a16:creationId xmlns="" xmlns:a16="http://schemas.microsoft.com/office/drawing/2014/main" id="{A15E9977-8B71-B378-CD49-215359774746}"/>
+                <a16:creationId xmlns:a16="http://schemas.microsoft.com/office/drawing/2014/main" xmlns="" id="{A15E9977-8B71-B378-CD49-215359774746}"/>
               </a:ext>
             </a:extLst>
           </p:cNvPr>
@@ -30434,7 +30434,7 @@
           <p:cNvPr id="7" name="Content Placeholder 2">
             <a:extLst>
               <a:ext uri="{FF2B5EF4-FFF2-40B4-BE49-F238E27FC236}">
-                <a16:creationId xmlns="" xmlns:a16="http://schemas.microsoft.com/office/drawing/2014/main" id="{13908C7B-74EF-2A9C-189C-28AFEDE1A3E8}"/>
+                <a16:creationId xmlns:a16="http://schemas.microsoft.com/office/drawing/2014/main" xmlns="" id="{13908C7B-74EF-2A9C-189C-28AFEDE1A3E8}"/>
               </a:ext>
             </a:extLst>
           </p:cNvPr>
@@ -30690,7 +30690,7 @@
           <p:cNvPr id="9" name="Content Placeholder 2">
             <a:extLst>
               <a:ext uri="{FF2B5EF4-FFF2-40B4-BE49-F238E27FC236}">
-                <a16:creationId xmlns="" xmlns:a16="http://schemas.microsoft.com/office/drawing/2014/main" id="{E9BC2C3A-7946-9AA1-50C3-1B49BC21FDBB}"/>
+                <a16:creationId xmlns:a16="http://schemas.microsoft.com/office/drawing/2014/main" xmlns="" id="{E9BC2C3A-7946-9AA1-50C3-1B49BC21FDBB}"/>
               </a:ext>
             </a:extLst>
           </p:cNvPr>
@@ -30759,7 +30759,7 @@
           <p:cNvPr id="10" name="Content Placeholder 2">
             <a:extLst>
               <a:ext uri="{FF2B5EF4-FFF2-40B4-BE49-F238E27FC236}">
-                <a16:creationId xmlns="" xmlns:a16="http://schemas.microsoft.com/office/drawing/2014/main" id="{4010D8F9-85DC-DCB4-4257-1A90FEB28EEA}"/>
+                <a16:creationId xmlns:a16="http://schemas.microsoft.com/office/drawing/2014/main" xmlns="" id="{4010D8F9-85DC-DCB4-4257-1A90FEB28EEA}"/>
               </a:ext>
             </a:extLst>
           </p:cNvPr>
@@ -31003,7 +31003,7 @@
           <p:cNvPr id="11" name="Content Placeholder 2">
             <a:extLst>
               <a:ext uri="{FF2B5EF4-FFF2-40B4-BE49-F238E27FC236}">
-                <a16:creationId xmlns="" xmlns:a16="http://schemas.microsoft.com/office/drawing/2014/main" id="{0C5B2D4E-4342-730F-A60D-1A5C906CEF80}"/>
+                <a16:creationId xmlns:a16="http://schemas.microsoft.com/office/drawing/2014/main" xmlns="" id="{0C5B2D4E-4342-730F-A60D-1A5C906CEF80}"/>
               </a:ext>
             </a:extLst>
           </p:cNvPr>
@@ -31072,7 +31072,7 @@
           <p:cNvPr id="12" name="Content Placeholder 2">
             <a:extLst>
               <a:ext uri="{FF2B5EF4-FFF2-40B4-BE49-F238E27FC236}">
-                <a16:creationId xmlns="" xmlns:a16="http://schemas.microsoft.com/office/drawing/2014/main" id="{D3BA3F65-EABB-2A1C-0A66-50A4E5873D37}"/>
+                <a16:creationId xmlns:a16="http://schemas.microsoft.com/office/drawing/2014/main" xmlns="" id="{D3BA3F65-EABB-2A1C-0A66-50A4E5873D37}"/>
               </a:ext>
             </a:extLst>
           </p:cNvPr>
@@ -31346,7 +31346,7 @@
           <p:cNvPr id="2" name="Title 1">
             <a:extLst>
               <a:ext uri="{FF2B5EF4-FFF2-40B4-BE49-F238E27FC236}">
-                <a16:creationId xmlns="" xmlns:a16="http://schemas.microsoft.com/office/drawing/2014/main" id="{F61DFD44-89EB-9189-8079-520FB25B32A4}"/>
+                <a16:creationId xmlns:a16="http://schemas.microsoft.com/office/drawing/2014/main" xmlns="" id="{F61DFD44-89EB-9189-8079-520FB25B32A4}"/>
               </a:ext>
             </a:extLst>
           </p:cNvPr>
@@ -31374,7 +31374,7 @@
           <p:cNvPr id="4" name="Google Shape;639;p96">
             <a:extLst>
               <a:ext uri="{FF2B5EF4-FFF2-40B4-BE49-F238E27FC236}">
-                <a16:creationId xmlns="" xmlns:a16="http://schemas.microsoft.com/office/drawing/2014/main" id="{C4E20262-346A-EFC1-AAC2-70EA59947FBF}"/>
+                <a16:creationId xmlns:a16="http://schemas.microsoft.com/office/drawing/2014/main" xmlns="" id="{C4E20262-346A-EFC1-AAC2-70EA59947FBF}"/>
               </a:ext>
             </a:extLst>
           </p:cNvPr>
@@ -31416,7 +31416,7 @@
           <p:cNvPr id="5" name="Google Shape;640;p96">
             <a:extLst>
               <a:ext uri="{FF2B5EF4-FFF2-40B4-BE49-F238E27FC236}">
-                <a16:creationId xmlns="" xmlns:a16="http://schemas.microsoft.com/office/drawing/2014/main" id="{2209FE1B-9EDB-04BD-95FD-BC6EFF279DCB}"/>
+                <a16:creationId xmlns:a16="http://schemas.microsoft.com/office/drawing/2014/main" xmlns="" id="{2209FE1B-9EDB-04BD-95FD-BC6EFF279DCB}"/>
               </a:ext>
             </a:extLst>
           </p:cNvPr>
@@ -31458,7 +31458,7 @@
           <p:cNvPr id="6" name="Google Shape;641;p96">
             <a:extLst>
               <a:ext uri="{FF2B5EF4-FFF2-40B4-BE49-F238E27FC236}">
-                <a16:creationId xmlns="" xmlns:a16="http://schemas.microsoft.com/office/drawing/2014/main" id="{38A87733-0494-095F-97F6-34F6FE463290}"/>
+                <a16:creationId xmlns:a16="http://schemas.microsoft.com/office/drawing/2014/main" xmlns="" id="{38A87733-0494-095F-97F6-34F6FE463290}"/>
               </a:ext>
             </a:extLst>
           </p:cNvPr>
@@ -31500,7 +31500,7 @@
           <p:cNvPr id="3" name="Content Placeholder 2">
             <a:extLst>
               <a:ext uri="{FF2B5EF4-FFF2-40B4-BE49-F238E27FC236}">
-                <a16:creationId xmlns="" xmlns:a16="http://schemas.microsoft.com/office/drawing/2014/main" id="{A15E9977-8B71-B378-CD49-215359774746}"/>
+                <a16:creationId xmlns:a16="http://schemas.microsoft.com/office/drawing/2014/main" xmlns="" id="{A15E9977-8B71-B378-CD49-215359774746}"/>
               </a:ext>
             </a:extLst>
           </p:cNvPr>
@@ -31572,7 +31572,7 @@
           <p:cNvPr id="8" name="Content Placeholder 2">
             <a:extLst>
               <a:ext uri="{FF2B5EF4-FFF2-40B4-BE49-F238E27FC236}">
-                <a16:creationId xmlns="" xmlns:a16="http://schemas.microsoft.com/office/drawing/2014/main" id="{8DB98ED6-2B25-B246-83EE-57D387441825}"/>
+                <a16:creationId xmlns:a16="http://schemas.microsoft.com/office/drawing/2014/main" xmlns="" id="{8DB98ED6-2B25-B246-83EE-57D387441825}"/>
               </a:ext>
             </a:extLst>
           </p:cNvPr>
@@ -31644,7 +31644,7 @@
           <p:cNvPr id="13" name="Content Placeholder 2">
             <a:extLst>
               <a:ext uri="{FF2B5EF4-FFF2-40B4-BE49-F238E27FC236}">
-                <a16:creationId xmlns="" xmlns:a16="http://schemas.microsoft.com/office/drawing/2014/main" id="{CC08F206-70F4-14D2-F319-EB42D11E769C}"/>
+                <a16:creationId xmlns:a16="http://schemas.microsoft.com/office/drawing/2014/main" xmlns="" id="{CC08F206-70F4-14D2-F319-EB42D11E769C}"/>
               </a:ext>
             </a:extLst>
           </p:cNvPr>
@@ -31746,7 +31746,7 @@
           <p:cNvPr id="4" name="Google Shape;398;p83">
             <a:extLst>
               <a:ext uri="{FF2B5EF4-FFF2-40B4-BE49-F238E27FC236}">
-                <a16:creationId xmlns="" xmlns:a16="http://schemas.microsoft.com/office/drawing/2014/main" id="{AF98DCA9-0C65-A46B-B752-27F38DFB51F4}"/>
+                <a16:creationId xmlns:a16="http://schemas.microsoft.com/office/drawing/2014/main" xmlns="" id="{AF98DCA9-0C65-A46B-B752-27F38DFB51F4}"/>
               </a:ext>
             </a:extLst>
           </p:cNvPr>
@@ -31802,7 +31802,7 @@
           <p:cNvPr id="2" name="Title 1">
             <a:extLst>
               <a:ext uri="{FF2B5EF4-FFF2-40B4-BE49-F238E27FC236}">
-                <a16:creationId xmlns="" xmlns:a16="http://schemas.microsoft.com/office/drawing/2014/main" id="{F61DFD44-89EB-9189-8079-520FB25B32A4}"/>
+                <a16:creationId xmlns:a16="http://schemas.microsoft.com/office/drawing/2014/main" xmlns="" id="{F61DFD44-89EB-9189-8079-520FB25B32A4}"/>
               </a:ext>
             </a:extLst>
           </p:cNvPr>
@@ -31830,7 +31830,7 @@
           <p:cNvPr id="3" name="Content Placeholder 2">
             <a:extLst>
               <a:ext uri="{FF2B5EF4-FFF2-40B4-BE49-F238E27FC236}">
-                <a16:creationId xmlns="" xmlns:a16="http://schemas.microsoft.com/office/drawing/2014/main" id="{70FEC626-AD74-D0ED-3EEA-3A75186F85C2}"/>
+                <a16:creationId xmlns:a16="http://schemas.microsoft.com/office/drawing/2014/main" xmlns="" id="{70FEC626-AD74-D0ED-3EEA-3A75186F85C2}"/>
               </a:ext>
             </a:extLst>
           </p:cNvPr>
@@ -31894,7 +31894,7 @@
           <p:cNvPr id="5" name="Google Shape;409;p83">
             <a:extLst>
               <a:ext uri="{FF2B5EF4-FFF2-40B4-BE49-F238E27FC236}">
-                <a16:creationId xmlns="" xmlns:a16="http://schemas.microsoft.com/office/drawing/2014/main" id="{9B331B89-7F89-A7E7-029D-5F14039ED566}"/>
+                <a16:creationId xmlns:a16="http://schemas.microsoft.com/office/drawing/2014/main" xmlns="" id="{9B331B89-7F89-A7E7-029D-5F14039ED566}"/>
               </a:ext>
             </a:extLst>
           </p:cNvPr>
@@ -31974,7 +31974,7 @@
           <p:cNvPr id="2" name="Title Placeholder 1">
             <a:extLst>
               <a:ext uri="{FF2B5EF4-FFF2-40B4-BE49-F238E27FC236}">
-                <a16:creationId xmlns="" xmlns:a16="http://schemas.microsoft.com/office/drawing/2014/main" id="{216969E9-C32B-B994-5571-69230ACF7ECC}"/>
+                <a16:creationId xmlns:a16="http://schemas.microsoft.com/office/drawing/2014/main" xmlns="" id="{216969E9-C32B-B994-5571-69230ACF7ECC}"/>
               </a:ext>
             </a:extLst>
           </p:cNvPr>
@@ -32012,7 +32012,7 @@
           <p:cNvPr id="3" name="Text Placeholder 2">
             <a:extLst>
               <a:ext uri="{FF2B5EF4-FFF2-40B4-BE49-F238E27FC236}">
-                <a16:creationId xmlns="" xmlns:a16="http://schemas.microsoft.com/office/drawing/2014/main" id="{06DF76D5-6189-1036-262A-4A4CDF4403F8}"/>
+                <a16:creationId xmlns:a16="http://schemas.microsoft.com/office/drawing/2014/main" xmlns="" id="{06DF76D5-6189-1036-262A-4A4CDF4403F8}"/>
               </a:ext>
             </a:extLst>
           </p:cNvPr>
@@ -32079,7 +32079,7 @@
           <p:cNvPr id="14" name="Picture 13" descr="UIC Logo">
             <a:extLst>
               <a:ext uri="{FF2B5EF4-FFF2-40B4-BE49-F238E27FC236}">
-                <a16:creationId xmlns="" xmlns:a16="http://schemas.microsoft.com/office/drawing/2014/main" id="{28775E0F-E657-1C33-6554-D794838EE56B}"/>
+                <a16:creationId xmlns:a16="http://schemas.microsoft.com/office/drawing/2014/main" xmlns="" id="{28775E0F-E657-1C33-6554-D794838EE56B}"/>
               </a:ext>
             </a:extLst>
           </p:cNvPr>
@@ -32454,7 +32454,7 @@
           <p:cNvPr id="2" name="Title Placeholder 1">
             <a:extLst>
               <a:ext uri="{FF2B5EF4-FFF2-40B4-BE49-F238E27FC236}">
-                <a16:creationId xmlns="" xmlns:a16="http://schemas.microsoft.com/office/drawing/2014/main" id="{216969E9-C32B-B994-5571-69230ACF7ECC}"/>
+                <a16:creationId xmlns:a16="http://schemas.microsoft.com/office/drawing/2014/main" xmlns="" id="{216969E9-C32B-B994-5571-69230ACF7ECC}"/>
               </a:ext>
             </a:extLst>
           </p:cNvPr>
@@ -32492,7 +32492,7 @@
           <p:cNvPr id="3" name="Text Placeholder 2">
             <a:extLst>
               <a:ext uri="{FF2B5EF4-FFF2-40B4-BE49-F238E27FC236}">
-                <a16:creationId xmlns="" xmlns:a16="http://schemas.microsoft.com/office/drawing/2014/main" id="{06DF76D5-6189-1036-262A-4A4CDF4403F8}"/>
+                <a16:creationId xmlns:a16="http://schemas.microsoft.com/office/drawing/2014/main" xmlns="" id="{06DF76D5-6189-1036-262A-4A4CDF4403F8}"/>
               </a:ext>
             </a:extLst>
           </p:cNvPr>
@@ -32559,7 +32559,7 @@
           <p:cNvPr id="4" name="Freeform 3">
             <a:extLst>
               <a:ext uri="{FF2B5EF4-FFF2-40B4-BE49-F238E27FC236}">
-                <a16:creationId xmlns="" xmlns:a16="http://schemas.microsoft.com/office/drawing/2014/main" id="{F81AD874-A9BA-F737-A6C1-418685013892}"/>
+                <a16:creationId xmlns:a16="http://schemas.microsoft.com/office/drawing/2014/main" xmlns="" id="{F81AD874-A9BA-F737-A6C1-418685013892}"/>
               </a:ext>
             </a:extLst>
           </p:cNvPr>
@@ -32958,7 +32958,7 @@
           <p:cNvPr id="2" name="Title Placeholder 1">
             <a:extLst>
               <a:ext uri="{FF2B5EF4-FFF2-40B4-BE49-F238E27FC236}">
-                <a16:creationId xmlns="" xmlns:a16="http://schemas.microsoft.com/office/drawing/2014/main" id="{216969E9-C32B-B994-5571-69230ACF7ECC}"/>
+                <a16:creationId xmlns:a16="http://schemas.microsoft.com/office/drawing/2014/main" xmlns="" id="{216969E9-C32B-B994-5571-69230ACF7ECC}"/>
               </a:ext>
             </a:extLst>
           </p:cNvPr>
@@ -32996,7 +32996,7 @@
           <p:cNvPr id="3" name="Text Placeholder 2">
             <a:extLst>
               <a:ext uri="{FF2B5EF4-FFF2-40B4-BE49-F238E27FC236}">
-                <a16:creationId xmlns="" xmlns:a16="http://schemas.microsoft.com/office/drawing/2014/main" id="{06DF76D5-6189-1036-262A-4A4CDF4403F8}"/>
+                <a16:creationId xmlns:a16="http://schemas.microsoft.com/office/drawing/2014/main" xmlns="" id="{06DF76D5-6189-1036-262A-4A4CDF4403F8}"/>
               </a:ext>
             </a:extLst>
           </p:cNvPr>
@@ -33063,7 +33063,7 @@
           <p:cNvPr id="14" name="Picture 13" descr="UIC Logo">
             <a:extLst>
               <a:ext uri="{FF2B5EF4-FFF2-40B4-BE49-F238E27FC236}">
-                <a16:creationId xmlns="" xmlns:a16="http://schemas.microsoft.com/office/drawing/2014/main" id="{28775E0F-E657-1C33-6554-D794838EE56B}"/>
+                <a16:creationId xmlns:a16="http://schemas.microsoft.com/office/drawing/2014/main" xmlns="" id="{28775E0F-E657-1C33-6554-D794838EE56B}"/>
               </a:ext>
             </a:extLst>
           </p:cNvPr>
@@ -33430,7 +33430,7 @@
           <p:cNvPr id="2" name="Title Placeholder 1">
             <a:extLst>
               <a:ext uri="{FF2B5EF4-FFF2-40B4-BE49-F238E27FC236}">
-                <a16:creationId xmlns="" xmlns:a16="http://schemas.microsoft.com/office/drawing/2014/main" id="{216969E9-C32B-B994-5571-69230ACF7ECC}"/>
+                <a16:creationId xmlns:a16="http://schemas.microsoft.com/office/drawing/2014/main" xmlns="" id="{216969E9-C32B-B994-5571-69230ACF7ECC}"/>
               </a:ext>
             </a:extLst>
           </p:cNvPr>
@@ -33468,7 +33468,7 @@
           <p:cNvPr id="3" name="Text Placeholder 2">
             <a:extLst>
               <a:ext uri="{FF2B5EF4-FFF2-40B4-BE49-F238E27FC236}">
-                <a16:creationId xmlns="" xmlns:a16="http://schemas.microsoft.com/office/drawing/2014/main" id="{06DF76D5-6189-1036-262A-4A4CDF4403F8}"/>
+                <a16:creationId xmlns:a16="http://schemas.microsoft.com/office/drawing/2014/main" xmlns="" id="{06DF76D5-6189-1036-262A-4A4CDF4403F8}"/>
               </a:ext>
             </a:extLst>
           </p:cNvPr>
@@ -33535,7 +33535,7 @@
           <p:cNvPr id="5" name="Freeform 4" descr="UIC Logo">
             <a:extLst>
               <a:ext uri="{FF2B5EF4-FFF2-40B4-BE49-F238E27FC236}">
-                <a16:creationId xmlns="" xmlns:a16="http://schemas.microsoft.com/office/drawing/2014/main" id="{B2CCEB5B-BEE0-3B6B-28F1-964B8038536E}"/>
+                <a16:creationId xmlns:a16="http://schemas.microsoft.com/office/drawing/2014/main" xmlns="" id="{B2CCEB5B-BEE0-3B6B-28F1-964B8038536E}"/>
               </a:ext>
             </a:extLst>
           </p:cNvPr>
@@ -34268,7 +34268,7 @@
           <p:cNvPr id="2" name="Title Placeholder 1">
             <a:extLst>
               <a:ext uri="{FF2B5EF4-FFF2-40B4-BE49-F238E27FC236}">
-                <a16:creationId xmlns="" xmlns:a16="http://schemas.microsoft.com/office/drawing/2014/main" id="{216969E9-C32B-B994-5571-69230ACF7ECC}"/>
+                <a16:creationId xmlns:a16="http://schemas.microsoft.com/office/drawing/2014/main" xmlns="" id="{216969E9-C32B-B994-5571-69230ACF7ECC}"/>
               </a:ext>
             </a:extLst>
           </p:cNvPr>
@@ -34306,7 +34306,7 @@
           <p:cNvPr id="3" name="Text Placeholder 2">
             <a:extLst>
               <a:ext uri="{FF2B5EF4-FFF2-40B4-BE49-F238E27FC236}">
-                <a16:creationId xmlns="" xmlns:a16="http://schemas.microsoft.com/office/drawing/2014/main" id="{06DF76D5-6189-1036-262A-4A4CDF4403F8}"/>
+                <a16:creationId xmlns:a16="http://schemas.microsoft.com/office/drawing/2014/main" xmlns="" id="{06DF76D5-6189-1036-262A-4A4CDF4403F8}"/>
               </a:ext>
             </a:extLst>
           </p:cNvPr>
@@ -34373,7 +34373,7 @@
           <p:cNvPr id="5" name="Freeform 4" descr="UIC Logo">
             <a:extLst>
               <a:ext uri="{FF2B5EF4-FFF2-40B4-BE49-F238E27FC236}">
-                <a16:creationId xmlns="" xmlns:a16="http://schemas.microsoft.com/office/drawing/2014/main" id="{B2CCEB5B-BEE0-3B6B-28F1-964B8038536E}"/>
+                <a16:creationId xmlns:a16="http://schemas.microsoft.com/office/drawing/2014/main" xmlns="" id="{B2CCEB5B-BEE0-3B6B-28F1-964B8038536E}"/>
               </a:ext>
             </a:extLst>
           </p:cNvPr>
@@ -34766,7 +34766,7 @@
           <p:cNvPr id="2" name="Title Placeholder 1">
             <a:extLst>
               <a:ext uri="{FF2B5EF4-FFF2-40B4-BE49-F238E27FC236}">
-                <a16:creationId xmlns="" xmlns:a16="http://schemas.microsoft.com/office/drawing/2014/main" id="{216969E9-C32B-B994-5571-69230ACF7ECC}"/>
+                <a16:creationId xmlns:a16="http://schemas.microsoft.com/office/drawing/2014/main" xmlns="" id="{216969E9-C32B-B994-5571-69230ACF7ECC}"/>
               </a:ext>
             </a:extLst>
           </p:cNvPr>
@@ -34804,7 +34804,7 @@
           <p:cNvPr id="3" name="Text Placeholder 2">
             <a:extLst>
               <a:ext uri="{FF2B5EF4-FFF2-40B4-BE49-F238E27FC236}">
-                <a16:creationId xmlns="" xmlns:a16="http://schemas.microsoft.com/office/drawing/2014/main" id="{06DF76D5-6189-1036-262A-4A4CDF4403F8}"/>
+                <a16:creationId xmlns:a16="http://schemas.microsoft.com/office/drawing/2014/main" xmlns="" id="{06DF76D5-6189-1036-262A-4A4CDF4403F8}"/>
               </a:ext>
             </a:extLst>
           </p:cNvPr>
@@ -34871,7 +34871,7 @@
           <p:cNvPr id="4" name="Freeform 3" descr="UIC Logo">
             <a:extLst>
               <a:ext uri="{FF2B5EF4-FFF2-40B4-BE49-F238E27FC236}">
-                <a16:creationId xmlns="" xmlns:a16="http://schemas.microsoft.com/office/drawing/2014/main" id="{136B3CF8-09D3-DF8F-BD62-1FEE8A7B47B7}"/>
+                <a16:creationId xmlns:a16="http://schemas.microsoft.com/office/drawing/2014/main" xmlns="" id="{136B3CF8-09D3-DF8F-BD62-1FEE8A7B47B7}"/>
               </a:ext>
             </a:extLst>
           </p:cNvPr>
@@ -35258,7 +35258,7 @@
           <p:cNvPr id="2" name="Title 1">
             <a:extLst>
               <a:ext uri="{FF2B5EF4-FFF2-40B4-BE49-F238E27FC236}">
-                <a16:creationId xmlns="" xmlns:a16="http://schemas.microsoft.com/office/drawing/2014/main" id="{B46CDC90-507C-5F46-05DC-403237E797B0}"/>
+                <a16:creationId xmlns:a16="http://schemas.microsoft.com/office/drawing/2014/main" xmlns="" id="{B46CDC90-507C-5F46-05DC-403237E797B0}"/>
               </a:ext>
             </a:extLst>
           </p:cNvPr>
@@ -35403,7 +35403,7 @@
         <p:cNvPr id="1" name="">
           <a:extLst>
             <a:ext uri="{FF2B5EF4-FFF2-40B4-BE49-F238E27FC236}">
-              <a16:creationId xmlns="" xmlns:a16="http://schemas.microsoft.com/office/drawing/2014/main" id="{0DB4CAC3-4CDA-6479-2758-339AB5DE6D37}"/>
+              <a16:creationId xmlns:a16="http://schemas.microsoft.com/office/drawing/2014/main" xmlns="" id="{0DB4CAC3-4CDA-6479-2758-339AB5DE6D37}"/>
             </a:ext>
           </a:extLst>
         </p:cNvPr>
@@ -35423,7 +35423,7 @@
           <p:cNvPr id="2" name="Titolo 1">
             <a:extLst>
               <a:ext uri="{FF2B5EF4-FFF2-40B4-BE49-F238E27FC236}">
-                <a16:creationId xmlns="" xmlns:a16="http://schemas.microsoft.com/office/drawing/2014/main" id="{0BA44FB7-E2E8-76B0-C232-BAED6DEF49D0}"/>
+                <a16:creationId xmlns:a16="http://schemas.microsoft.com/office/drawing/2014/main" xmlns="" id="{0BA44FB7-E2E8-76B0-C232-BAED6DEF49D0}"/>
               </a:ext>
             </a:extLst>
           </p:cNvPr>
@@ -35436,7 +35436,7 @@
         </p:nvSpPr>
         <p:spPr>
           <a:xfrm>
-            <a:off x="838200" y="753035"/>
+            <a:off x="838200" y="744568"/>
             <a:ext cx="10515600" cy="937653"/>
           </a:xfrm>
         </p:spPr>
@@ -35467,13 +35467,7 @@
       </p:sp>
       <p:pic>
         <p:nvPicPr>
-          <p:cNvPr id="5" name="Immagine 4" descr="Immagine che contiene testo, schermata, Policromia, Rettangolo&#10;&#10;Il contenuto generato dall'IA potrebbe non essere corretto.">
-            <a:extLst>
-              <a:ext uri="{FF2B5EF4-FFF2-40B4-BE49-F238E27FC236}">
-                <a16:creationId xmlns="" xmlns:a16="http://schemas.microsoft.com/office/drawing/2014/main" id="{27FEEE80-0CE7-3DEE-5DD4-EBD77FE510C0}"/>
-              </a:ext>
-            </a:extLst>
-          </p:cNvPr>
+          <p:cNvPr id="3" name="Immagine 2"/>
           <p:cNvPicPr>
             <a:picLocks noChangeAspect="1"/>
           </p:cNvPicPr>
@@ -35488,6 +35482,11 @@
               </a:schemeClr>
               <a:prstClr val="white"/>
             </a:duotone>
+            <a:extLst>
+              <a:ext uri="{28A0092B-C50C-407E-A947-70E740481C1C}">
+                <a14:useLocalDpi xmlns:a14="http://schemas.microsoft.com/office/drawing/2010/main" val="0"/>
+              </a:ext>
+            </a:extLst>
           </a:blip>
           <a:stretch>
             <a:fillRect/>
@@ -35495,15 +35494,170 @@
         </p:blipFill>
         <p:spPr>
           <a:xfrm>
-            <a:off x="2558327" y="1825625"/>
-            <a:ext cx="7075346" cy="4351338"/>
+            <a:off x="406400" y="1682220"/>
+            <a:ext cx="7162800" cy="4297681"/>
+          </a:xfrm>
+          <a:prstGeom prst="rect">
+            <a:avLst/>
+          </a:prstGeom>
+        </p:spPr>
+      </p:pic>
+      <p:sp>
+        <p:nvSpPr>
+          <p:cNvPr id="4" name="CasellaDiTesto 3"/>
+          <p:cNvSpPr txBox="1"/>
+          <p:nvPr/>
+        </p:nvSpPr>
+        <p:spPr>
+          <a:xfrm>
+            <a:off x="7340601" y="2760133"/>
+            <a:ext cx="4445000" cy="2308324"/>
           </a:xfrm>
           <a:prstGeom prst="rect">
             <a:avLst/>
           </a:prstGeom>
           <a:noFill/>
         </p:spPr>
-      </p:pic>
+        <p:txBody>
+          <a:bodyPr wrap="square" rtlCol="0">
+            <a:spAutoFit/>
+          </a:bodyPr>
+          <a:lstStyle/>
+          <a:p>
+            <a:r>
+              <a:rPr lang="it-IT" sz="2400" b="1" dirty="0" smtClean="0">
+                <a:latin typeface="Arial" panose="020B0604020202020204" pitchFamily="34" charset="0"/>
+                <a:cs typeface="Arial" panose="020B0604020202020204" pitchFamily="34" charset="0"/>
+              </a:rPr>
+              <a:t>SAVA &amp; FVT are </a:t>
+            </a:r>
+            <a:r>
+              <a:rPr lang="it-IT" sz="2400" b="1" dirty="0" err="1" smtClean="0">
+                <a:latin typeface="Arial" panose="020B0604020202020204" pitchFamily="34" charset="0"/>
+                <a:cs typeface="Arial" panose="020B0604020202020204" pitchFamily="34" charset="0"/>
+              </a:rPr>
+              <a:t>faster</a:t>
+            </a:r>
+            <a:r>
+              <a:rPr lang="it-IT" sz="2400" b="1" dirty="0" smtClean="0">
+                <a:latin typeface="Arial" panose="020B0604020202020204" pitchFamily="34" charset="0"/>
+                <a:cs typeface="Arial" panose="020B0604020202020204" pitchFamily="34" charset="0"/>
+              </a:rPr>
+              <a:t> </a:t>
+            </a:r>
+            <a:r>
+              <a:rPr lang="it-IT" sz="2400" b="1" dirty="0" err="1" smtClean="0">
+                <a:latin typeface="Arial" panose="020B0604020202020204" pitchFamily="34" charset="0"/>
+                <a:cs typeface="Arial" panose="020B0604020202020204" pitchFamily="34" charset="0"/>
+              </a:rPr>
+              <a:t>although</a:t>
+            </a:r>
+            <a:r>
+              <a:rPr lang="it-IT" sz="2400" b="1" dirty="0" smtClean="0">
+                <a:latin typeface="Arial" panose="020B0604020202020204" pitchFamily="34" charset="0"/>
+                <a:cs typeface="Arial" panose="020B0604020202020204" pitchFamily="34" charset="0"/>
+              </a:rPr>
+              <a:t> the </a:t>
+            </a:r>
+            <a:r>
+              <a:rPr lang="it-IT" sz="2400" b="1" dirty="0" err="1" smtClean="0">
+                <a:latin typeface="Arial" panose="020B0604020202020204" pitchFamily="34" charset="0"/>
+                <a:cs typeface="Arial" panose="020B0604020202020204" pitchFamily="34" charset="0"/>
+              </a:rPr>
+              <a:t>differences</a:t>
+            </a:r>
+            <a:r>
+              <a:rPr lang="it-IT" sz="2400" b="1" dirty="0" smtClean="0">
+                <a:latin typeface="Arial" panose="020B0604020202020204" pitchFamily="34" charset="0"/>
+                <a:cs typeface="Arial" panose="020B0604020202020204" pitchFamily="34" charset="0"/>
+              </a:rPr>
+              <a:t> are small.</a:t>
+            </a:r>
+          </a:p>
+          <a:p>
+            <a:endParaRPr lang="it-IT" sz="2400" b="1" dirty="0">
+              <a:latin typeface="Arial" panose="020B0604020202020204" pitchFamily="34" charset="0"/>
+              <a:cs typeface="Arial" panose="020B0604020202020204" pitchFamily="34" charset="0"/>
+            </a:endParaRPr>
+          </a:p>
+          <a:p>
+            <a:r>
+              <a:rPr lang="it-IT" sz="2400" b="1" dirty="0" err="1" smtClean="0">
+                <a:latin typeface="Arial" panose="020B0604020202020204" pitchFamily="34" charset="0"/>
+                <a:cs typeface="Arial" panose="020B0604020202020204" pitchFamily="34" charset="0"/>
+              </a:rPr>
+              <a:t>However</a:t>
+            </a:r>
+            <a:r>
+              <a:rPr lang="it-IT" sz="2400" b="1" dirty="0" smtClean="0">
+                <a:latin typeface="Arial" panose="020B0604020202020204" pitchFamily="34" charset="0"/>
+                <a:cs typeface="Arial" panose="020B0604020202020204" pitchFamily="34" charset="0"/>
+              </a:rPr>
+              <a:t>, </a:t>
+            </a:r>
+            <a:r>
+              <a:rPr lang="it-IT" sz="2400" b="1" dirty="0" err="1" smtClean="0">
+                <a:latin typeface="Arial" panose="020B0604020202020204" pitchFamily="34" charset="0"/>
+                <a:cs typeface="Arial" panose="020B0604020202020204" pitchFamily="34" charset="0"/>
+              </a:rPr>
+              <a:t>also</a:t>
+            </a:r>
+            <a:r>
+              <a:rPr lang="it-IT" sz="2400" b="1" dirty="0" smtClean="0">
+                <a:latin typeface="Arial" panose="020B0604020202020204" pitchFamily="34" charset="0"/>
+                <a:cs typeface="Arial" panose="020B0604020202020204" pitchFamily="34" charset="0"/>
+              </a:rPr>
+              <a:t> </a:t>
+            </a:r>
+            <a:r>
+              <a:rPr lang="it-IT" sz="2400" b="1" dirty="0" err="1" smtClean="0">
+                <a:latin typeface="Arial" panose="020B0604020202020204" pitchFamily="34" charset="0"/>
+                <a:cs typeface="Arial" panose="020B0604020202020204" pitchFamily="34" charset="0"/>
+              </a:rPr>
+              <a:t>smalling</a:t>
+            </a:r>
+            <a:r>
+              <a:rPr lang="it-IT" sz="2400" b="1" dirty="0" smtClean="0">
+                <a:latin typeface="Arial" panose="020B0604020202020204" pitchFamily="34" charset="0"/>
+                <a:cs typeface="Arial" panose="020B0604020202020204" pitchFamily="34" charset="0"/>
+              </a:rPr>
+              <a:t> </a:t>
+            </a:r>
+            <a:r>
+              <a:rPr lang="it-IT" sz="2400" b="1" dirty="0" err="1" smtClean="0">
+                <a:latin typeface="Arial" panose="020B0604020202020204" pitchFamily="34" charset="0"/>
+                <a:cs typeface="Arial" panose="020B0604020202020204" pitchFamily="34" charset="0"/>
+              </a:rPr>
+              <a:t>improvements</a:t>
+            </a:r>
+            <a:r>
+              <a:rPr lang="it-IT" sz="2400" b="1" dirty="0" smtClean="0">
+                <a:latin typeface="Arial" panose="020B0604020202020204" pitchFamily="34" charset="0"/>
+                <a:cs typeface="Arial" panose="020B0604020202020204" pitchFamily="34" charset="0"/>
+              </a:rPr>
+              <a:t> </a:t>
+            </a:r>
+            <a:r>
+              <a:rPr lang="it-IT" sz="2400" b="1" dirty="0" err="1" smtClean="0">
+                <a:latin typeface="Arial" panose="020B0604020202020204" pitchFamily="34" charset="0"/>
+                <a:cs typeface="Arial" panose="020B0604020202020204" pitchFamily="34" charset="0"/>
+              </a:rPr>
+              <a:t>matter</a:t>
+            </a:r>
+            <a:r>
+              <a:rPr lang="it-IT" sz="2400" b="1" dirty="0" smtClean="0">
+                <a:latin typeface="Arial" panose="020B0604020202020204" pitchFamily="34" charset="0"/>
+                <a:cs typeface="Arial" panose="020B0604020202020204" pitchFamily="34" charset="0"/>
+              </a:rPr>
+              <a:t>.</a:t>
+            </a:r>
+            <a:endParaRPr lang="it-IT" sz="2400" b="1" dirty="0">
+              <a:latin typeface="Arial" panose="020B0604020202020204" pitchFamily="34" charset="0"/>
+              <a:cs typeface="Arial" panose="020B0604020202020204" pitchFamily="34" charset="0"/>
+            </a:endParaRPr>
+          </a:p>
+        </p:txBody>
+      </p:sp>
     </p:spTree>
     <p:extLst>
       <p:ext uri="{BB962C8B-B14F-4D97-AF65-F5344CB8AC3E}">
@@ -35549,7 +35703,7 @@
           <p:cNvPr id="9" name="Rectangle 2">
             <a:extLst>
               <a:ext uri="{FF2B5EF4-FFF2-40B4-BE49-F238E27FC236}">
-                <a16:creationId xmlns="" xmlns:a16="http://schemas.microsoft.com/office/drawing/2014/main" id="{DD59B0AB-A381-BCE8-B215-B9731A66621B}"/>
+                <a16:creationId xmlns:a16="http://schemas.microsoft.com/office/drawing/2014/main" xmlns="" id="{DD59B0AB-A381-BCE8-B215-B9731A66621B}"/>
               </a:ext>
             </a:extLst>
           </p:cNvPr>
@@ -35634,7 +35788,7 @@
           <p:cNvPr id="7" name="Segnaposto contenuto 5" descr="Immagine che contiene testo, schermata, Rettangolo, diagramma&#10;&#10;Il contenuto generato dall'IA potrebbe non essere corretto.">
             <a:extLst>
               <a:ext uri="{FF2B5EF4-FFF2-40B4-BE49-F238E27FC236}">
-                <a16:creationId xmlns="" xmlns:a16="http://schemas.microsoft.com/office/drawing/2014/main" id="{7B31A19D-B5D4-7C50-1558-11A89289A600}"/>
+                <a16:creationId xmlns:a16="http://schemas.microsoft.com/office/drawing/2014/main" xmlns="" id="{7B31A19D-B5D4-7C50-1558-11A89289A600}"/>
               </a:ext>
             </a:extLst>
           </p:cNvPr>
@@ -35677,7 +35831,7 @@
           <p:cNvPr id="2" name="Rectangle 1">
             <a:extLst>
               <a:ext uri="{FF2B5EF4-FFF2-40B4-BE49-F238E27FC236}">
-                <a16:creationId xmlns="" xmlns:a16="http://schemas.microsoft.com/office/drawing/2014/main" id="{5F7B3721-DF34-9FCB-7520-472F46D73F69}"/>
+                <a16:creationId xmlns:a16="http://schemas.microsoft.com/office/drawing/2014/main" xmlns="" id="{5F7B3721-DF34-9FCB-7520-472F46D73F69}"/>
               </a:ext>
             </a:extLst>
           </p:cNvPr>
@@ -35688,8 +35842,8 @@
         </p:nvSpPr>
         <p:spPr bwMode="auto">
           <a:xfrm rot="10800000" flipV="1">
-            <a:off x="7252229" y="3057421"/>
-            <a:ext cx="4374994" cy="1477328"/>
+            <a:off x="6900333" y="2641923"/>
+            <a:ext cx="4726890" cy="2308324"/>
           </a:xfrm>
           <a:prstGeom prst="rect">
             <a:avLst/>
@@ -35752,7 +35906,7 @@
               <a:tabLst/>
             </a:pPr>
             <a:r>
-              <a:rPr kumimoji="0" lang="it-IT" altLang="it-IT" sz="1800" b="1" i="0" u="none" strike="noStrike" cap="none" normalizeH="0" baseline="0" dirty="0">
+              <a:rPr kumimoji="0" lang="it-IT" altLang="it-IT" sz="2400" b="1" i="0" u="none" strike="noStrike" cap="none" normalizeH="0" baseline="0" dirty="0">
                 <a:ln>
                   <a:noFill/>
                 </a:ln>
@@ -35765,7 +35919,7 @@
               <a:t>SAVA </a:t>
             </a:r>
             <a:r>
-              <a:rPr kumimoji="0" lang="it-IT" altLang="it-IT" sz="1800" b="1" i="0" u="none" strike="noStrike" cap="none" normalizeH="0" baseline="0" dirty="0" err="1">
+              <a:rPr kumimoji="0" lang="it-IT" altLang="it-IT" sz="2400" b="1" i="0" u="none" strike="noStrike" cap="none" normalizeH="0" baseline="0" dirty="0" err="1">
                 <a:ln>
                   <a:noFill/>
                 </a:ln>
@@ -35778,7 +35932,7 @@
               <a:t>achieves</a:t>
             </a:r>
             <a:r>
-              <a:rPr kumimoji="0" lang="it-IT" altLang="it-IT" sz="1800" b="1" i="0" u="none" strike="noStrike" cap="none" normalizeH="0" baseline="0" dirty="0">
+              <a:rPr kumimoji="0" lang="it-IT" altLang="it-IT" sz="2400" b="1" i="0" u="none" strike="noStrike" cap="none" normalizeH="0" baseline="0" dirty="0">
                 <a:ln>
                   <a:noFill/>
                 </a:ln>
@@ -35791,7 +35945,7 @@
               <a:t> </a:t>
             </a:r>
             <a:r>
-              <a:rPr kumimoji="0" lang="it-IT" altLang="it-IT" sz="1800" b="1" i="0" u="none" strike="noStrike" cap="none" normalizeH="0" baseline="0" dirty="0" err="1">
+              <a:rPr kumimoji="0" lang="it-IT" altLang="it-IT" sz="2400" b="1" i="0" u="none" strike="noStrike" cap="none" normalizeH="0" baseline="0" dirty="0" err="1">
                 <a:ln>
                   <a:noFill/>
                 </a:ln>
@@ -35804,7 +35958,7 @@
               <a:t>fastest</a:t>
             </a:r>
             <a:r>
-              <a:rPr kumimoji="0" lang="it-IT" altLang="it-IT" sz="1800" b="1" i="0" u="none" strike="noStrike" cap="none" normalizeH="0" baseline="0" dirty="0">
+              <a:rPr kumimoji="0" lang="it-IT" altLang="it-IT" sz="2400" b="1" i="0" u="none" strike="noStrike" cap="none" normalizeH="0" baseline="0" dirty="0">
                 <a:ln>
                   <a:noFill/>
                 </a:ln>
@@ -35817,7 +35971,7 @@
               <a:t> </a:t>
             </a:r>
             <a:r>
-              <a:rPr kumimoji="0" lang="it-IT" altLang="it-IT" sz="1800" b="1" i="0" u="none" strike="noStrike" cap="none" normalizeH="0" baseline="0" dirty="0" err="1">
+              <a:rPr kumimoji="0" lang="it-IT" altLang="it-IT" sz="2400" b="1" i="0" u="none" strike="noStrike" cap="none" normalizeH="0" baseline="0" dirty="0" err="1">
                 <a:ln>
                   <a:noFill/>
                 </a:ln>
@@ -35830,7 +35984,7 @@
               <a:t>inference</a:t>
             </a:r>
             <a:r>
-              <a:rPr kumimoji="0" lang="it-IT" altLang="it-IT" sz="1800" b="1" i="0" u="none" strike="noStrike" cap="none" normalizeH="0" baseline="0" dirty="0">
+              <a:rPr kumimoji="0" lang="it-IT" altLang="it-IT" sz="2400" b="1" i="0" u="none" strike="noStrike" cap="none" normalizeH="0" baseline="0" dirty="0">
                 <a:ln>
                   <a:noFill/>
                 </a:ln>
@@ -35843,7 +35997,7 @@
               <a:t> (~76% </a:t>
             </a:r>
             <a:r>
-              <a:rPr kumimoji="0" lang="it-IT" altLang="it-IT" sz="1800" b="1" i="0" u="none" strike="noStrike" cap="none" normalizeH="0" baseline="0" dirty="0" err="1">
+              <a:rPr kumimoji="0" lang="it-IT" altLang="it-IT" sz="2400" b="1" i="0" u="none" strike="noStrike" cap="none" normalizeH="0" baseline="0" dirty="0" err="1">
                 <a:ln>
                   <a:noFill/>
                 </a:ln>
@@ -35856,7 +36010,7 @@
               <a:t>faster</a:t>
             </a:r>
             <a:r>
-              <a:rPr kumimoji="0" lang="it-IT" altLang="it-IT" sz="1800" b="1" i="0" u="none" strike="noStrike" cap="none" normalizeH="0" baseline="0" dirty="0">
+              <a:rPr kumimoji="0" lang="it-IT" altLang="it-IT" sz="2400" b="1" i="0" u="none" strike="noStrike" cap="none" normalizeH="0" baseline="0" dirty="0">
                 <a:ln>
                   <a:noFill/>
                 </a:ln>
@@ -35869,7 +36023,7 @@
               <a:t> </a:t>
             </a:r>
             <a:r>
-              <a:rPr kumimoji="0" lang="it-IT" altLang="it-IT" sz="1800" b="1" i="0" u="none" strike="noStrike" cap="none" normalizeH="0" baseline="0" dirty="0" err="1">
+              <a:rPr kumimoji="0" lang="it-IT" altLang="it-IT" sz="2400" b="1" i="0" u="none" strike="noStrike" cap="none" normalizeH="0" baseline="0" dirty="0" err="1">
                 <a:ln>
                   <a:noFill/>
                 </a:ln>
@@ -35882,7 +36036,7 @@
               <a:t>than</a:t>
             </a:r>
             <a:r>
-              <a:rPr kumimoji="0" lang="it-IT" altLang="it-IT" sz="1800" b="1" i="0" u="none" strike="noStrike" cap="none" normalizeH="0" baseline="0" dirty="0">
+              <a:rPr kumimoji="0" lang="it-IT" altLang="it-IT" sz="2400" b="1" i="0" u="none" strike="noStrike" cap="none" normalizeH="0" baseline="0" dirty="0">
                 <a:ln>
                   <a:noFill/>
                 </a:ln>
@@ -35895,7 +36049,7 @@
               <a:t> Base</a:t>
             </a:r>
             <a:r>
-              <a:rPr kumimoji="0" lang="it-IT" altLang="it-IT" sz="1800" b="1" i="0" u="none" strike="noStrike" cap="none" normalizeH="0" baseline="0" dirty="0" smtClean="0">
+              <a:rPr kumimoji="0" lang="it-IT" altLang="it-IT" sz="2400" b="1" i="0" u="none" strike="noStrike" cap="none" normalizeH="0" baseline="0" dirty="0" smtClean="0">
                 <a:ln>
                   <a:noFill/>
                 </a:ln>
@@ -35923,7 +36077,7 @@
               <a:buSzTx/>
               <a:tabLst/>
             </a:pPr>
-            <a:endParaRPr kumimoji="0" lang="it-IT" altLang="it-IT" sz="1800" b="1" i="0" u="none" strike="noStrike" cap="none" normalizeH="0" baseline="0" dirty="0">
+            <a:endParaRPr kumimoji="0" lang="it-IT" altLang="it-IT" sz="2400" b="1" i="0" u="none" strike="noStrike" cap="none" normalizeH="0" baseline="0" dirty="0">
               <a:ln>
                 <a:noFill/>
               </a:ln>
@@ -35950,7 +36104,7 @@
               <a:tabLst/>
             </a:pPr>
             <a:r>
-              <a:rPr kumimoji="0" lang="it-IT" altLang="it-IT" sz="1800" b="1" i="0" u="none" strike="noStrike" cap="none" normalizeH="0" baseline="0" dirty="0" err="1">
+              <a:rPr kumimoji="0" lang="it-IT" altLang="it-IT" sz="2400" b="1" i="0" u="none" strike="noStrike" cap="none" normalizeH="0" baseline="0" dirty="0" err="1">
                 <a:ln>
                   <a:noFill/>
                 </a:ln>
@@ -35963,7 +36117,7 @@
               <a:t>Reduced</a:t>
             </a:r>
             <a:r>
-              <a:rPr kumimoji="0" lang="it-IT" altLang="it-IT" sz="1800" b="1" i="0" u="none" strike="noStrike" cap="none" normalizeH="0" baseline="0" dirty="0">
+              <a:rPr kumimoji="0" lang="it-IT" altLang="it-IT" sz="2400" b="1" i="0" u="none" strike="noStrike" cap="none" normalizeH="0" baseline="0" dirty="0">
                 <a:ln>
                   <a:noFill/>
                 </a:ln>
@@ -35976,7 +36130,7 @@
               <a:t> token </a:t>
             </a:r>
             <a:r>
-              <a:rPr kumimoji="0" lang="it-IT" altLang="it-IT" sz="1800" b="1" i="0" u="none" strike="noStrike" cap="none" normalizeH="0" baseline="0" dirty="0" err="1">
+              <a:rPr kumimoji="0" lang="it-IT" altLang="it-IT" sz="2400" b="1" i="0" u="none" strike="noStrike" cap="none" normalizeH="0" baseline="0" dirty="0" err="1">
                 <a:ln>
                   <a:noFill/>
                 </a:ln>
@@ -35989,7 +36143,7 @@
               <a:t>fertility</a:t>
             </a:r>
             <a:r>
-              <a:rPr kumimoji="0" lang="it-IT" altLang="it-IT" sz="1800" b="1" i="0" u="none" strike="noStrike" cap="none" normalizeH="0" baseline="0" dirty="0">
+              <a:rPr kumimoji="0" lang="it-IT" altLang="it-IT" sz="2400" b="1" i="0" u="none" strike="noStrike" cap="none" normalizeH="0" baseline="0" dirty="0">
                 <a:ln>
                   <a:noFill/>
                 </a:ln>
@@ -36002,7 +36156,7 @@
               <a:t> </a:t>
             </a:r>
             <a:r>
-              <a:rPr kumimoji="0" lang="it-IT" altLang="it-IT" sz="1800" b="1" i="0" u="none" strike="noStrike" cap="none" normalizeH="0" baseline="0" dirty="0" err="1">
+              <a:rPr kumimoji="0" lang="it-IT" altLang="it-IT" sz="2400" b="1" i="0" u="none" strike="noStrike" cap="none" normalizeH="0" baseline="0" dirty="0" err="1">
                 <a:ln>
                   <a:noFill/>
                 </a:ln>
@@ -36015,7 +36169,7 @@
               <a:t>directly</a:t>
             </a:r>
             <a:r>
-              <a:rPr kumimoji="0" lang="it-IT" altLang="it-IT" sz="1800" b="1" i="0" u="none" strike="noStrike" cap="none" normalizeH="0" baseline="0" dirty="0">
+              <a:rPr kumimoji="0" lang="it-IT" altLang="it-IT" sz="2400" b="1" i="0" u="none" strike="noStrike" cap="none" normalizeH="0" baseline="0" dirty="0">
                 <a:ln>
                   <a:noFill/>
                 </a:ln>
@@ -36028,7 +36182,7 @@
               <a:t> </a:t>
             </a:r>
             <a:r>
-              <a:rPr kumimoji="0" lang="it-IT" altLang="it-IT" sz="1800" b="1" i="0" u="none" strike="noStrike" cap="none" normalizeH="0" baseline="0" dirty="0" err="1">
+              <a:rPr kumimoji="0" lang="it-IT" altLang="it-IT" sz="2400" b="1" i="0" u="none" strike="noStrike" cap="none" normalizeH="0" baseline="0" dirty="0" err="1">
                 <a:ln>
                   <a:noFill/>
                 </a:ln>
@@ -36041,7 +36195,7 @@
               <a:t>improves</a:t>
             </a:r>
             <a:r>
-              <a:rPr kumimoji="0" lang="it-IT" altLang="it-IT" sz="1800" b="1" i="0" u="none" strike="noStrike" cap="none" normalizeH="0" baseline="0" dirty="0">
+              <a:rPr kumimoji="0" lang="it-IT" altLang="it-IT" sz="2400" b="1" i="0" u="none" strike="noStrike" cap="none" normalizeH="0" baseline="0" dirty="0">
                 <a:ln>
                   <a:noFill/>
                 </a:ln>
@@ -36087,7 +36241,7 @@
         <p:cNvPr id="1" name="">
           <a:extLst>
             <a:ext uri="{FF2B5EF4-FFF2-40B4-BE49-F238E27FC236}">
-              <a16:creationId xmlns="" xmlns:a16="http://schemas.microsoft.com/office/drawing/2014/main" id="{A8CA167E-9228-B589-AF72-13AAAC9F89A5}"/>
+              <a16:creationId xmlns:a16="http://schemas.microsoft.com/office/drawing/2014/main" xmlns="" id="{A8CA167E-9228-B589-AF72-13AAAC9F89A5}"/>
             </a:ext>
           </a:extLst>
         </p:cNvPr>
@@ -36107,7 +36261,7 @@
           <p:cNvPr id="2" name="Titolo 1">
             <a:extLst>
               <a:ext uri="{FF2B5EF4-FFF2-40B4-BE49-F238E27FC236}">
-                <a16:creationId xmlns="" xmlns:a16="http://schemas.microsoft.com/office/drawing/2014/main" id="{42526AFA-50D0-CC6F-2FDA-4C23F2ACA297}"/>
+                <a16:creationId xmlns:a16="http://schemas.microsoft.com/office/drawing/2014/main" xmlns="" id="{42526AFA-50D0-CC6F-2FDA-4C23F2ACA297}"/>
               </a:ext>
             </a:extLst>
           </p:cNvPr>
@@ -36154,7 +36308,7 @@
           <p:cNvPr id="4" name="Tabella 3">
             <a:extLst>
               <a:ext uri="{FF2B5EF4-FFF2-40B4-BE49-F238E27FC236}">
-                <a16:creationId xmlns="" xmlns:a16="http://schemas.microsoft.com/office/drawing/2014/main" id="{B7945701-A6D7-D1F1-E9F7-E5633E7922E7}"/>
+                <a16:creationId xmlns:a16="http://schemas.microsoft.com/office/drawing/2014/main" xmlns="" id="{B7945701-A6D7-D1F1-E9F7-E5633E7922E7}"/>
               </a:ext>
             </a:extLst>
           </p:cNvPr>
@@ -36183,49 +36337,49 @@
                 <a:gridCol w="1459360">
                   <a:extLst>
                     <a:ext uri="{9D8B030D-6E8A-4147-A177-3AD203B41FA5}">
-                      <a16:colId xmlns="" xmlns:a16="http://schemas.microsoft.com/office/drawing/2014/main" val="1109052682"/>
+                      <a16:colId xmlns:a16="http://schemas.microsoft.com/office/drawing/2014/main" xmlns="" val="1109052682"/>
                     </a:ext>
                   </a:extLst>
                 </a:gridCol>
                 <a:gridCol w="1009461">
                   <a:extLst>
                     <a:ext uri="{9D8B030D-6E8A-4147-A177-3AD203B41FA5}">
-                      <a16:colId xmlns="" xmlns:a16="http://schemas.microsoft.com/office/drawing/2014/main" val="3693781012"/>
+                      <a16:colId xmlns:a16="http://schemas.microsoft.com/office/drawing/2014/main" xmlns="" val="3693781012"/>
                     </a:ext>
                   </a:extLst>
                 </a:gridCol>
                 <a:gridCol w="1290648">
                   <a:extLst>
                     <a:ext uri="{9D8B030D-6E8A-4147-A177-3AD203B41FA5}">
-                      <a16:colId xmlns="" xmlns:a16="http://schemas.microsoft.com/office/drawing/2014/main" val="3302524691"/>
+                      <a16:colId xmlns:a16="http://schemas.microsoft.com/office/drawing/2014/main" xmlns="" val="3302524691"/>
                     </a:ext>
                   </a:extLst>
                 </a:gridCol>
                 <a:gridCol w="1290648">
                   <a:extLst>
                     <a:ext uri="{9D8B030D-6E8A-4147-A177-3AD203B41FA5}">
-                      <a16:colId xmlns="" xmlns:a16="http://schemas.microsoft.com/office/drawing/2014/main" val="135112628"/>
+                      <a16:colId xmlns:a16="http://schemas.microsoft.com/office/drawing/2014/main" xmlns="" val="135112628"/>
                     </a:ext>
                   </a:extLst>
                 </a:gridCol>
                 <a:gridCol w="1290648">
                   <a:extLst>
                     <a:ext uri="{9D8B030D-6E8A-4147-A177-3AD203B41FA5}">
-                      <a16:colId xmlns="" xmlns:a16="http://schemas.microsoft.com/office/drawing/2014/main" val="1602580058"/>
+                      <a16:colId xmlns:a16="http://schemas.microsoft.com/office/drawing/2014/main" xmlns="" val="1602580058"/>
                     </a:ext>
                   </a:extLst>
                 </a:gridCol>
                 <a:gridCol w="2074105">
                   <a:extLst>
                     <a:ext uri="{9D8B030D-6E8A-4147-A177-3AD203B41FA5}">
-                      <a16:colId xmlns="" xmlns:a16="http://schemas.microsoft.com/office/drawing/2014/main" val="1315196767"/>
+                      <a16:colId xmlns:a16="http://schemas.microsoft.com/office/drawing/2014/main" xmlns="" val="1315196767"/>
                     </a:ext>
                   </a:extLst>
                 </a:gridCol>
                 <a:gridCol w="2100466">
                   <a:extLst>
                     <a:ext uri="{9D8B030D-6E8A-4147-A177-3AD203B41FA5}">
-                      <a16:colId xmlns="" xmlns:a16="http://schemas.microsoft.com/office/drawing/2014/main" val="1441891564"/>
+                      <a16:colId xmlns:a16="http://schemas.microsoft.com/office/drawing/2014/main" xmlns="" val="1441891564"/>
                     </a:ext>
                   </a:extLst>
                 </a:gridCol>
@@ -36324,7 +36478,7 @@
                 </a:tc>
                 <a:extLst>
                   <a:ext uri="{0D108BD9-81ED-4DB2-BD59-A6C34878D82A}">
-                    <a16:rowId xmlns="" xmlns:a16="http://schemas.microsoft.com/office/drawing/2014/main" val="4166063576"/>
+                    <a16:rowId xmlns:a16="http://schemas.microsoft.com/office/drawing/2014/main" xmlns="" val="4166063576"/>
                   </a:ext>
                 </a:extLst>
               </a:tr>
@@ -36422,7 +36576,7 @@
                 </a:tc>
                 <a:extLst>
                   <a:ext uri="{0D108BD9-81ED-4DB2-BD59-A6C34878D82A}">
-                    <a16:rowId xmlns="" xmlns:a16="http://schemas.microsoft.com/office/drawing/2014/main" val="1873798066"/>
+                    <a16:rowId xmlns:a16="http://schemas.microsoft.com/office/drawing/2014/main" xmlns="" val="1873798066"/>
                   </a:ext>
                 </a:extLst>
               </a:tr>
@@ -36520,7 +36674,7 @@
                 </a:tc>
                 <a:extLst>
                   <a:ext uri="{0D108BD9-81ED-4DB2-BD59-A6C34878D82A}">
-                    <a16:rowId xmlns="" xmlns:a16="http://schemas.microsoft.com/office/drawing/2014/main" val="3475611306"/>
+                    <a16:rowId xmlns:a16="http://schemas.microsoft.com/office/drawing/2014/main" xmlns="" val="3475611306"/>
                   </a:ext>
                 </a:extLst>
               </a:tr>
@@ -36618,7 +36772,7 @@
                 </a:tc>
                 <a:extLst>
                   <a:ext uri="{0D108BD9-81ED-4DB2-BD59-A6C34878D82A}">
-                    <a16:rowId xmlns="" xmlns:a16="http://schemas.microsoft.com/office/drawing/2014/main" val="1548144465"/>
+                    <a16:rowId xmlns:a16="http://schemas.microsoft.com/office/drawing/2014/main" xmlns="" val="1548144465"/>
                   </a:ext>
                 </a:extLst>
               </a:tr>
@@ -36716,7 +36870,7 @@
                 </a:tc>
                 <a:extLst>
                   <a:ext uri="{0D108BD9-81ED-4DB2-BD59-A6C34878D82A}">
-                    <a16:rowId xmlns="" xmlns:a16="http://schemas.microsoft.com/office/drawing/2014/main" val="1378074065"/>
+                    <a16:rowId xmlns:a16="http://schemas.microsoft.com/office/drawing/2014/main" xmlns="" val="1378074065"/>
                   </a:ext>
                 </a:extLst>
               </a:tr>
@@ -36755,7 +36909,7 @@
         <p:cNvPr id="1" name="">
           <a:extLst>
             <a:ext uri="{FF2B5EF4-FFF2-40B4-BE49-F238E27FC236}">
-              <a16:creationId xmlns="" xmlns:a16="http://schemas.microsoft.com/office/drawing/2014/main" id="{C337BBE5-9A30-88A8-21E3-800584DD35A7}"/>
+              <a16:creationId xmlns:a16="http://schemas.microsoft.com/office/drawing/2014/main" xmlns="" id="{C337BBE5-9A30-88A8-21E3-800584DD35A7}"/>
             </a:ext>
           </a:extLst>
         </p:cNvPr>
@@ -36775,7 +36929,7 @@
           <p:cNvPr id="2" name="Titolo 1">
             <a:extLst>
               <a:ext uri="{FF2B5EF4-FFF2-40B4-BE49-F238E27FC236}">
-                <a16:creationId xmlns="" xmlns:a16="http://schemas.microsoft.com/office/drawing/2014/main" id="{0AA42D7A-36D3-0DDF-DA94-91025E76FEDD}"/>
+                <a16:creationId xmlns:a16="http://schemas.microsoft.com/office/drawing/2014/main" xmlns="" id="{0AA42D7A-36D3-0DDF-DA94-91025E76FEDD}"/>
               </a:ext>
             </a:extLst>
           </p:cNvPr>
@@ -36823,7 +36977,7 @@
           <p:cNvPr id="7" name="Segnaposto testo 2">
             <a:extLst>
               <a:ext uri="{FF2B5EF4-FFF2-40B4-BE49-F238E27FC236}">
-                <a16:creationId xmlns="" xmlns:a16="http://schemas.microsoft.com/office/drawing/2014/main" id="{FD3A6AFC-CE77-F3EE-109E-F84A99DB340E}"/>
+                <a16:creationId xmlns:a16="http://schemas.microsoft.com/office/drawing/2014/main" xmlns="" id="{FD3A6AFC-CE77-F3EE-109E-F84A99DB340E}"/>
               </a:ext>
             </a:extLst>
           </p:cNvPr>
@@ -36834,13 +36988,13 @@
             <p:ph sz="quarter" idx="13"/>
             <p:extLst>
               <p:ext uri="{D42A27DB-BD31-4B8C-83A1-F6EECF244321}">
-                <p14:modId xmlns:p14="http://schemas.microsoft.com/office/powerpoint/2010/main" val="603155473"/>
+                <p14:modId xmlns:p14="http://schemas.microsoft.com/office/powerpoint/2010/main" val="2698730776"/>
               </p:ext>
             </p:extLst>
           </p:nvPr>
         </p:nvGraphicFramePr>
         <p:xfrm>
-          <a:off x="4494744" y="2311680"/>
+          <a:off x="4139144" y="2269347"/>
           <a:ext cx="4897171" cy="3972579"/>
         </p:xfrm>
         <a:graphic>
@@ -36854,10 +37008,10 @@
           <p:cNvPr id="9" name="Group 38">
             <a:extLst>
               <a:ext uri="{FF2B5EF4-FFF2-40B4-BE49-F238E27FC236}">
-                <a16:creationId xmlns="" xmlns:a16="http://schemas.microsoft.com/office/drawing/2014/main" id="{1995A300-679A-1AD2-A4A3-4DA0C02035AB}"/>
+                <a16:creationId xmlns:a16="http://schemas.microsoft.com/office/drawing/2014/main" xmlns="" id="{1995A300-679A-1AD2-A4A3-4DA0C02035AB}"/>
               </a:ext>
               <a:ext uri="{C183D7F6-B498-43B3-948B-1728B52AA6E4}">
-                <adec:decorative xmlns="" xmlns:adec="http://schemas.microsoft.com/office/drawing/2017/decorative" val="1"/>
+                <adec:decorative xmlns:adec="http://schemas.microsoft.com/office/drawing/2017/decorative" xmlns="" val="1"/>
               </a:ext>
             </a:extLst>
           </p:cNvPr>
@@ -36866,7 +37020,7 @@
         </p:nvGrpSpPr>
         <p:grpSpPr>
           <a:xfrm>
-            <a:off x="9391915" y="2663027"/>
+            <a:off x="9036315" y="2620694"/>
             <a:ext cx="495299" cy="492126"/>
             <a:chOff x="1208088" y="2041525"/>
             <a:chExt cx="495299" cy="492126"/>
@@ -36877,7 +37031,7 @@
             <p:cNvPr id="10" name="Freeform 24">
               <a:extLst>
                 <a:ext uri="{FF2B5EF4-FFF2-40B4-BE49-F238E27FC236}">
-                  <a16:creationId xmlns="" xmlns:a16="http://schemas.microsoft.com/office/drawing/2014/main" id="{667C5F11-F519-EF69-1AF6-A83C914A0034}"/>
+                  <a16:creationId xmlns:a16="http://schemas.microsoft.com/office/drawing/2014/main" xmlns="" id="{667C5F11-F519-EF69-1AF6-A83C914A0034}"/>
                 </a:ext>
               </a:extLst>
             </p:cNvPr>
@@ -37076,7 +37230,7 @@
             <p:cNvPr id="11" name="Freeform 25">
               <a:extLst>
                 <a:ext uri="{FF2B5EF4-FFF2-40B4-BE49-F238E27FC236}">
-                  <a16:creationId xmlns="" xmlns:a16="http://schemas.microsoft.com/office/drawing/2014/main" id="{D5AFE3FA-B4D0-05C3-B378-541B57EE7512}"/>
+                  <a16:creationId xmlns:a16="http://schemas.microsoft.com/office/drawing/2014/main" xmlns="" id="{D5AFE3FA-B4D0-05C3-B378-541B57EE7512}"/>
                 </a:ext>
               </a:extLst>
             </p:cNvPr>
@@ -37275,7 +37429,7 @@
             <p:cNvPr id="12" name="Freeform 26">
               <a:extLst>
                 <a:ext uri="{FF2B5EF4-FFF2-40B4-BE49-F238E27FC236}">
-                  <a16:creationId xmlns="" xmlns:a16="http://schemas.microsoft.com/office/drawing/2014/main" id="{8B5CC686-0265-D93B-D53F-3CD6A927C68F}"/>
+                  <a16:creationId xmlns:a16="http://schemas.microsoft.com/office/drawing/2014/main" xmlns="" id="{8B5CC686-0265-D93B-D53F-3CD6A927C68F}"/>
                 </a:ext>
               </a:extLst>
             </p:cNvPr>
@@ -37474,7 +37628,7 @@
             <p:cNvPr id="13" name="Freeform 27">
               <a:extLst>
                 <a:ext uri="{FF2B5EF4-FFF2-40B4-BE49-F238E27FC236}">
-                  <a16:creationId xmlns="" xmlns:a16="http://schemas.microsoft.com/office/drawing/2014/main" id="{6AA7433B-3105-3C33-2990-EB81BFE6125C}"/>
+                  <a16:creationId xmlns:a16="http://schemas.microsoft.com/office/drawing/2014/main" xmlns="" id="{6AA7433B-3105-3C33-2990-EB81BFE6125C}"/>
                 </a:ext>
               </a:extLst>
             </p:cNvPr>
@@ -37673,7 +37827,7 @@
             <p:cNvPr id="14" name="Freeform 28">
               <a:extLst>
                 <a:ext uri="{FF2B5EF4-FFF2-40B4-BE49-F238E27FC236}">
-                  <a16:creationId xmlns="" xmlns:a16="http://schemas.microsoft.com/office/drawing/2014/main" id="{1E57DB71-E5F6-71A2-679F-3D2F4CBC22A3}"/>
+                  <a16:creationId xmlns:a16="http://schemas.microsoft.com/office/drawing/2014/main" xmlns="" id="{1E57DB71-E5F6-71A2-679F-3D2F4CBC22A3}"/>
                 </a:ext>
               </a:extLst>
             </p:cNvPr>
@@ -37933,10 +38087,10 @@
           <p:cNvPr id="15" name="Group 38">
             <a:extLst>
               <a:ext uri="{FF2B5EF4-FFF2-40B4-BE49-F238E27FC236}">
-                <a16:creationId xmlns="" xmlns:a16="http://schemas.microsoft.com/office/drawing/2014/main" id="{1995A300-679A-1AD2-A4A3-4DA0C02035AB}"/>
+                <a16:creationId xmlns:a16="http://schemas.microsoft.com/office/drawing/2014/main" xmlns="" id="{1995A300-679A-1AD2-A4A3-4DA0C02035AB}"/>
               </a:ext>
               <a:ext uri="{C183D7F6-B498-43B3-948B-1728B52AA6E4}">
-                <adec:decorative xmlns="" xmlns:adec="http://schemas.microsoft.com/office/drawing/2017/decorative" val="1"/>
+                <adec:decorative xmlns:adec="http://schemas.microsoft.com/office/drawing/2017/decorative" xmlns="" val="1"/>
               </a:ext>
             </a:extLst>
           </p:cNvPr>
@@ -37945,7 +38099,7 @@
         </p:nvGrpSpPr>
         <p:grpSpPr>
           <a:xfrm>
-            <a:off x="4300408" y="4906647"/>
+            <a:off x="3944808" y="4864314"/>
             <a:ext cx="495299" cy="492126"/>
             <a:chOff x="1208088" y="2041525"/>
             <a:chExt cx="495299" cy="492126"/>
@@ -37956,7 +38110,7 @@
             <p:cNvPr id="16" name="Freeform 24">
               <a:extLst>
                 <a:ext uri="{FF2B5EF4-FFF2-40B4-BE49-F238E27FC236}">
-                  <a16:creationId xmlns="" xmlns:a16="http://schemas.microsoft.com/office/drawing/2014/main" id="{667C5F11-F519-EF69-1AF6-A83C914A0034}"/>
+                  <a16:creationId xmlns:a16="http://schemas.microsoft.com/office/drawing/2014/main" xmlns="" id="{667C5F11-F519-EF69-1AF6-A83C914A0034}"/>
                 </a:ext>
               </a:extLst>
             </p:cNvPr>
@@ -38155,7 +38309,7 @@
             <p:cNvPr id="17" name="Freeform 25">
               <a:extLst>
                 <a:ext uri="{FF2B5EF4-FFF2-40B4-BE49-F238E27FC236}">
-                  <a16:creationId xmlns="" xmlns:a16="http://schemas.microsoft.com/office/drawing/2014/main" id="{D5AFE3FA-B4D0-05C3-B378-541B57EE7512}"/>
+                  <a16:creationId xmlns:a16="http://schemas.microsoft.com/office/drawing/2014/main" xmlns="" id="{D5AFE3FA-B4D0-05C3-B378-541B57EE7512}"/>
                 </a:ext>
               </a:extLst>
             </p:cNvPr>
@@ -38354,7 +38508,7 @@
             <p:cNvPr id="18" name="Freeform 26">
               <a:extLst>
                 <a:ext uri="{FF2B5EF4-FFF2-40B4-BE49-F238E27FC236}">
-                  <a16:creationId xmlns="" xmlns:a16="http://schemas.microsoft.com/office/drawing/2014/main" id="{8B5CC686-0265-D93B-D53F-3CD6A927C68F}"/>
+                  <a16:creationId xmlns:a16="http://schemas.microsoft.com/office/drawing/2014/main" xmlns="" id="{8B5CC686-0265-D93B-D53F-3CD6A927C68F}"/>
                 </a:ext>
               </a:extLst>
             </p:cNvPr>
@@ -38553,7 +38707,7 @@
             <p:cNvPr id="19" name="Freeform 27">
               <a:extLst>
                 <a:ext uri="{FF2B5EF4-FFF2-40B4-BE49-F238E27FC236}">
-                  <a16:creationId xmlns="" xmlns:a16="http://schemas.microsoft.com/office/drawing/2014/main" id="{6AA7433B-3105-3C33-2990-EB81BFE6125C}"/>
+                  <a16:creationId xmlns:a16="http://schemas.microsoft.com/office/drawing/2014/main" xmlns="" id="{6AA7433B-3105-3C33-2990-EB81BFE6125C}"/>
                 </a:ext>
               </a:extLst>
             </p:cNvPr>
@@ -38752,7 +38906,7 @@
             <p:cNvPr id="20" name="Freeform 28">
               <a:extLst>
                 <a:ext uri="{FF2B5EF4-FFF2-40B4-BE49-F238E27FC236}">
-                  <a16:creationId xmlns="" xmlns:a16="http://schemas.microsoft.com/office/drawing/2014/main" id="{1E57DB71-E5F6-71A2-679F-3D2F4CBC22A3}"/>
+                  <a16:creationId xmlns:a16="http://schemas.microsoft.com/office/drawing/2014/main" xmlns="" id="{1E57DB71-E5F6-71A2-679F-3D2F4CBC22A3}"/>
                 </a:ext>
               </a:extLst>
             </p:cNvPr>
@@ -39012,10 +39166,10 @@
           <p:cNvPr id="26" name="Group 91">
             <a:extLst>
               <a:ext uri="{FF2B5EF4-FFF2-40B4-BE49-F238E27FC236}">
-                <a16:creationId xmlns="" xmlns:a16="http://schemas.microsoft.com/office/drawing/2014/main" id="{9F9A1A34-50CC-95FE-085C-846097769DC7}"/>
+                <a16:creationId xmlns:a16="http://schemas.microsoft.com/office/drawing/2014/main" xmlns="" id="{9F9A1A34-50CC-95FE-085C-846097769DC7}"/>
               </a:ext>
               <a:ext uri="{C183D7F6-B498-43B3-948B-1728B52AA6E4}">
-                <adec:decorative xmlns="" xmlns:adec="http://schemas.microsoft.com/office/drawing/2017/decorative" val="1"/>
+                <adec:decorative xmlns:adec="http://schemas.microsoft.com/office/drawing/2017/decorative" xmlns="" val="1"/>
               </a:ext>
             </a:extLst>
           </p:cNvPr>
@@ -39024,7 +39178,7 @@
         </p:nvGrpSpPr>
         <p:grpSpPr>
           <a:xfrm>
-            <a:off x="4227889" y="2663027"/>
+            <a:off x="3872289" y="2620694"/>
             <a:ext cx="490538" cy="473075"/>
             <a:chOff x="10579100" y="4673600"/>
             <a:chExt cx="490538" cy="473075"/>
@@ -39035,7 +39189,7 @@
             <p:cNvPr id="27" name="Freeform 53">
               <a:extLst>
                 <a:ext uri="{FF2B5EF4-FFF2-40B4-BE49-F238E27FC236}">
-                  <a16:creationId xmlns="" xmlns:a16="http://schemas.microsoft.com/office/drawing/2014/main" id="{D56D8DA8-6309-9D3A-8F96-0A08F6E53890}"/>
+                  <a16:creationId xmlns:a16="http://schemas.microsoft.com/office/drawing/2014/main" xmlns="" id="{D56D8DA8-6309-9D3A-8F96-0A08F6E53890}"/>
                 </a:ext>
               </a:extLst>
             </p:cNvPr>
@@ -39651,7 +39805,7 @@
             <p:cNvPr id="28" name="Freeform 54">
               <a:extLst>
                 <a:ext uri="{FF2B5EF4-FFF2-40B4-BE49-F238E27FC236}">
-                  <a16:creationId xmlns="" xmlns:a16="http://schemas.microsoft.com/office/drawing/2014/main" id="{A923B724-61F1-CE9C-03E0-BDBD381EFC52}"/>
+                  <a16:creationId xmlns:a16="http://schemas.microsoft.com/office/drawing/2014/main" xmlns="" id="{A923B724-61F1-CE9C-03E0-BDBD381EFC52}"/>
                 </a:ext>
               </a:extLst>
             </p:cNvPr>
@@ -39851,10 +40005,10 @@
           <p:cNvPr id="29" name="Group 88">
             <a:extLst>
               <a:ext uri="{FF2B5EF4-FFF2-40B4-BE49-F238E27FC236}">
-                <a16:creationId xmlns="" xmlns:a16="http://schemas.microsoft.com/office/drawing/2014/main" id="{72A835ED-998E-75B2-A497-DBC802964772}"/>
+                <a16:creationId xmlns:a16="http://schemas.microsoft.com/office/drawing/2014/main" xmlns="" id="{72A835ED-998E-75B2-A497-DBC802964772}"/>
               </a:ext>
               <a:ext uri="{C183D7F6-B498-43B3-948B-1728B52AA6E4}">
-                <adec:decorative xmlns="" xmlns:adec="http://schemas.microsoft.com/office/drawing/2017/decorative" val="1"/>
+                <adec:decorative xmlns:adec="http://schemas.microsoft.com/office/drawing/2017/decorative" xmlns="" val="1"/>
               </a:ext>
             </a:extLst>
           </p:cNvPr>
@@ -39863,7 +40017,7 @@
         </p:nvGrpSpPr>
         <p:grpSpPr>
           <a:xfrm>
-            <a:off x="9386963" y="5046667"/>
+            <a:off x="9031363" y="5004334"/>
             <a:ext cx="492126" cy="473075"/>
             <a:chOff x="9658350" y="4806950"/>
             <a:chExt cx="492126" cy="473075"/>
@@ -39874,7 +40028,7 @@
             <p:cNvPr id="30" name="Freeform 48">
               <a:extLst>
                 <a:ext uri="{FF2B5EF4-FFF2-40B4-BE49-F238E27FC236}">
-                  <a16:creationId xmlns="" xmlns:a16="http://schemas.microsoft.com/office/drawing/2014/main" id="{807B1732-2D35-B6F0-75AD-03D701AD9973}"/>
+                  <a16:creationId xmlns:a16="http://schemas.microsoft.com/office/drawing/2014/main" xmlns="" id="{807B1732-2D35-B6F0-75AD-03D701AD9973}"/>
                 </a:ext>
               </a:extLst>
             </p:cNvPr>
@@ -40518,7 +40672,7 @@
             <p:cNvPr id="31" name="Freeform 49">
               <a:extLst>
                 <a:ext uri="{FF2B5EF4-FFF2-40B4-BE49-F238E27FC236}">
-                  <a16:creationId xmlns="" xmlns:a16="http://schemas.microsoft.com/office/drawing/2014/main" id="{E7483F19-E258-E978-6A51-757E5B28BEEC}"/>
+                  <a16:creationId xmlns:a16="http://schemas.microsoft.com/office/drawing/2014/main" xmlns="" id="{E7483F19-E258-E978-6A51-757E5B28BEEC}"/>
                 </a:ext>
               </a:extLst>
             </p:cNvPr>
@@ -40715,144 +40869,6 @@
       </p:grpSp>
       <p:sp>
         <p:nvSpPr>
-          <p:cNvPr id="37" name="CasellaDiTesto 36"/>
-          <p:cNvSpPr txBox="1"/>
-          <p:nvPr/>
-        </p:nvSpPr>
-        <p:spPr>
-          <a:xfrm>
-            <a:off x="2875758" y="5533711"/>
-            <a:ext cx="1615811" cy="646331"/>
-          </a:xfrm>
-          <a:prstGeom prst="rect">
-            <a:avLst/>
-          </a:prstGeom>
-          <a:noFill/>
-        </p:spPr>
-        <p:txBody>
-          <a:bodyPr wrap="square" rtlCol="0">
-            <a:spAutoFit/>
-          </a:bodyPr>
-          <a:lstStyle/>
-          <a:p>
-            <a:r>
-              <a:rPr lang="it-IT" b="1" dirty="0" smtClean="0">
-                <a:solidFill>
-                  <a:schemeClr val="accent6"/>
-                </a:solidFill>
-              </a:rPr>
-              <a:t>Training </a:t>
-            </a:r>
-            <a:r>
-              <a:rPr lang="it-IT" b="1" dirty="0" err="1" smtClean="0">
-                <a:solidFill>
-                  <a:schemeClr val="accent6"/>
-                </a:solidFill>
-              </a:rPr>
-              <a:t>Loss</a:t>
-            </a:r>
-            <a:r>
-              <a:rPr lang="it-IT" b="1" dirty="0" smtClean="0">
-                <a:solidFill>
-                  <a:schemeClr val="accent6"/>
-                </a:solidFill>
-              </a:rPr>
-              <a:t>:</a:t>
-            </a:r>
-          </a:p>
-          <a:p>
-            <a:r>
-              <a:rPr lang="it-IT" b="1" dirty="0" smtClean="0">
-                <a:solidFill>
-                  <a:schemeClr val="accent6"/>
-                </a:solidFill>
-              </a:rPr>
-              <a:t>10.16 </a:t>
-            </a:r>
-            <a:r>
-              <a:rPr lang="it-IT" b="1" dirty="0" smtClean="0">
-                <a:solidFill>
-                  <a:schemeClr val="accent6"/>
-                </a:solidFill>
-                <a:sym typeface="Wingdings" panose="05000000000000000000" pitchFamily="2" charset="2"/>
-              </a:rPr>
-              <a:t> 8.46</a:t>
-            </a:r>
-            <a:endParaRPr lang="it-IT" b="1" dirty="0">
-              <a:solidFill>
-                <a:schemeClr val="accent6"/>
-              </a:solidFill>
-            </a:endParaRPr>
-          </a:p>
-        </p:txBody>
-      </p:sp>
-      <p:sp>
-        <p:nvSpPr>
-          <p:cNvPr id="38" name="CasellaDiTesto 37"/>
-          <p:cNvSpPr txBox="1"/>
-          <p:nvPr/>
-        </p:nvSpPr>
-        <p:spPr>
-          <a:xfrm>
-            <a:off x="9887214" y="3213891"/>
-            <a:ext cx="1347537" cy="646331"/>
-          </a:xfrm>
-          <a:prstGeom prst="rect">
-            <a:avLst/>
-          </a:prstGeom>
-          <a:noFill/>
-        </p:spPr>
-        <p:txBody>
-          <a:bodyPr wrap="square" rtlCol="0">
-            <a:spAutoFit/>
-          </a:bodyPr>
-          <a:lstStyle/>
-          <a:p>
-            <a:r>
-              <a:rPr lang="it-IT" b="1" dirty="0" err="1" smtClean="0">
-                <a:solidFill>
-                  <a:schemeClr val="accent6"/>
-                </a:solidFill>
-              </a:rPr>
-              <a:t>Fertility</a:t>
-            </a:r>
-            <a:r>
-              <a:rPr lang="it-IT" b="1" dirty="0" smtClean="0">
-                <a:solidFill>
-                  <a:schemeClr val="accent6"/>
-                </a:solidFill>
-              </a:rPr>
-              <a:t>:</a:t>
-            </a:r>
-          </a:p>
-          <a:p>
-            <a:r>
-              <a:rPr lang="it-IT" b="1" dirty="0" smtClean="0">
-                <a:solidFill>
-                  <a:schemeClr val="accent6"/>
-                </a:solidFill>
-              </a:rPr>
-              <a:t>2.03 </a:t>
-            </a:r>
-            <a:r>
-              <a:rPr lang="it-IT" b="1" dirty="0" smtClean="0">
-                <a:solidFill>
-                  <a:schemeClr val="accent6"/>
-                </a:solidFill>
-                <a:sym typeface="Wingdings" panose="05000000000000000000" pitchFamily="2" charset="2"/>
-              </a:rPr>
-              <a:t> 1.78</a:t>
-            </a:r>
-            <a:endParaRPr lang="it-IT" b="1" dirty="0">
-              <a:solidFill>
-                <a:schemeClr val="accent6"/>
-              </a:solidFill>
-            </a:endParaRPr>
-          </a:p>
-        </p:txBody>
-      </p:sp>
-      <p:sp>
-        <p:nvSpPr>
           <p:cNvPr id="39" name="Rettangolo 38"/>
           <p:cNvSpPr/>
           <p:nvPr/>
@@ -40949,7 +40965,7 @@
           <p:cNvPr id="2" name="Title 1">
             <a:extLst>
               <a:ext uri="{FF2B5EF4-FFF2-40B4-BE49-F238E27FC236}">
-                <a16:creationId xmlns="" xmlns:a16="http://schemas.microsoft.com/office/drawing/2014/main" id="{74503065-65B3-93C3-7F75-28A46438F610}"/>
+                <a16:creationId xmlns:a16="http://schemas.microsoft.com/office/drawing/2014/main" xmlns="" id="{74503065-65B3-93C3-7F75-28A46438F610}"/>
               </a:ext>
             </a:extLst>
           </p:cNvPr>
@@ -40987,7 +41003,7 @@
           <p:cNvPr id="3" name="Subtitle 2">
             <a:extLst>
               <a:ext uri="{FF2B5EF4-FFF2-40B4-BE49-F238E27FC236}">
-                <a16:creationId xmlns="" xmlns:a16="http://schemas.microsoft.com/office/drawing/2014/main" id="{B7B51E4D-523A-00AD-E0EB-C428CC0BB905}"/>
+                <a16:creationId xmlns:a16="http://schemas.microsoft.com/office/drawing/2014/main" xmlns="" id="{B7B51E4D-523A-00AD-E0EB-C428CC0BB905}"/>
               </a:ext>
             </a:extLst>
           </p:cNvPr>
@@ -41093,7 +41109,7 @@
         <p:cNvPr id="1" name="">
           <a:extLst>
             <a:ext uri="{FF2B5EF4-FFF2-40B4-BE49-F238E27FC236}">
-              <a16:creationId xmlns="" xmlns:a16="http://schemas.microsoft.com/office/drawing/2014/main" id="{C21633A5-8BE3-D44D-57F3-2EF161376844}"/>
+              <a16:creationId xmlns:a16="http://schemas.microsoft.com/office/drawing/2014/main" xmlns="" id="{C21633A5-8BE3-D44D-57F3-2EF161376844}"/>
             </a:ext>
           </a:extLst>
         </p:cNvPr>
@@ -41113,7 +41129,7 @@
           <p:cNvPr id="9" name="Titolo 8">
             <a:extLst>
               <a:ext uri="{FF2B5EF4-FFF2-40B4-BE49-F238E27FC236}">
-                <a16:creationId xmlns="" xmlns:a16="http://schemas.microsoft.com/office/drawing/2014/main" id="{5AB6D40A-2A0A-AF3D-8CF7-3ECD37765637}"/>
+                <a16:creationId xmlns:a16="http://schemas.microsoft.com/office/drawing/2014/main" xmlns="" id="{5AB6D40A-2A0A-AF3D-8CF7-3ECD37765637}"/>
               </a:ext>
             </a:extLst>
           </p:cNvPr>
@@ -41196,7 +41212,7 @@
           <p:cNvPr id="11" name="Segnaposto testo 2">
             <a:extLst>
               <a:ext uri="{FF2B5EF4-FFF2-40B4-BE49-F238E27FC236}">
-                <a16:creationId xmlns="" xmlns:a16="http://schemas.microsoft.com/office/drawing/2014/main" id="{E915D9E2-280C-5174-384E-1DC1596BE4B2}"/>
+                <a16:creationId xmlns:a16="http://schemas.microsoft.com/office/drawing/2014/main" xmlns="" id="{E915D9E2-280C-5174-384E-1DC1596BE4B2}"/>
               </a:ext>
             </a:extLst>
           </p:cNvPr>
@@ -41204,7 +41220,7 @@
           <p:nvPr>
             <p:extLst>
               <p:ext uri="{D42A27DB-BD31-4B8C-83A1-F6EECF244321}">
-                <p14:modId xmlns:p14="http://schemas.microsoft.com/office/powerpoint/2010/main" val="4103921110"/>
+                <p14:modId xmlns:p14="http://schemas.microsoft.com/office/powerpoint/2010/main" val="1492375071"/>
               </p:ext>
             </p:extLst>
           </p:nvPr>
@@ -41317,7 +41333,7 @@
           <p:cNvPr id="2" name="Titolo 1">
             <a:extLst>
               <a:ext uri="{FF2B5EF4-FFF2-40B4-BE49-F238E27FC236}">
-                <a16:creationId xmlns="" xmlns:a16="http://schemas.microsoft.com/office/drawing/2014/main" id="{B530BF65-C84B-45C3-72CA-AFDA68851174}"/>
+                <a16:creationId xmlns:a16="http://schemas.microsoft.com/office/drawing/2014/main" xmlns="" id="{B530BF65-C84B-45C3-72CA-AFDA68851174}"/>
               </a:ext>
             </a:extLst>
           </p:cNvPr>
@@ -41365,7 +41381,7 @@
           <p:cNvPr id="5" name="Segnaposto testo 2">
             <a:extLst>
               <a:ext uri="{FF2B5EF4-FFF2-40B4-BE49-F238E27FC236}">
-                <a16:creationId xmlns="" xmlns:a16="http://schemas.microsoft.com/office/drawing/2014/main" id="{9724AE8C-047A-745C-3F63-2966FEFCD3FA}"/>
+                <a16:creationId xmlns:a16="http://schemas.microsoft.com/office/drawing/2014/main" xmlns="" id="{9724AE8C-047A-745C-3F63-2966FEFCD3FA}"/>
               </a:ext>
             </a:extLst>
           </p:cNvPr>
@@ -41523,7 +41539,7 @@
         <p:cNvPr id="1" name="">
           <a:extLst>
             <a:ext uri="{FF2B5EF4-FFF2-40B4-BE49-F238E27FC236}">
-              <a16:creationId xmlns="" xmlns:a16="http://schemas.microsoft.com/office/drawing/2014/main" id="{B7DB115A-83B4-A42A-70DB-D5EC10F0288C}"/>
+              <a16:creationId xmlns:a16="http://schemas.microsoft.com/office/drawing/2014/main" xmlns="" id="{B7DB115A-83B4-A42A-70DB-D5EC10F0288C}"/>
             </a:ext>
           </a:extLst>
         </p:cNvPr>
@@ -41543,7 +41559,7 @@
           <p:cNvPr id="2" name="Titolo 1">
             <a:extLst>
               <a:ext uri="{FF2B5EF4-FFF2-40B4-BE49-F238E27FC236}">
-                <a16:creationId xmlns="" xmlns:a16="http://schemas.microsoft.com/office/drawing/2014/main" id="{3D0E708F-5883-BBF7-5F70-342A7B862AD0}"/>
+                <a16:creationId xmlns:a16="http://schemas.microsoft.com/office/drawing/2014/main" xmlns="" id="{3D0E708F-5883-BBF7-5F70-342A7B862AD0}"/>
               </a:ext>
             </a:extLst>
           </p:cNvPr>
@@ -41595,7 +41611,7 @@
           <p:cNvPr id="5" name="Segnaposto testo 2">
             <a:extLst>
               <a:ext uri="{FF2B5EF4-FFF2-40B4-BE49-F238E27FC236}">
-                <a16:creationId xmlns="" xmlns:a16="http://schemas.microsoft.com/office/drawing/2014/main" id="{1013EB8E-82EC-1B65-DDB5-E5763CF88592}"/>
+                <a16:creationId xmlns:a16="http://schemas.microsoft.com/office/drawing/2014/main" xmlns="" id="{1013EB8E-82EC-1B65-DDB5-E5763CF88592}"/>
               </a:ext>
             </a:extLst>
           </p:cNvPr>
@@ -41671,7 +41687,7 @@
           <p:cNvPr id="27" name="Group 26" descr="Top 25 Public University">
             <a:extLst>
               <a:ext uri="{FF2B5EF4-FFF2-40B4-BE49-F238E27FC236}">
-                <a16:creationId xmlns="" xmlns:a16="http://schemas.microsoft.com/office/drawing/2014/main" id="{E28E8597-5594-101A-09AA-A414934109D9}"/>
+                <a16:creationId xmlns:a16="http://schemas.microsoft.com/office/drawing/2014/main" xmlns="" id="{E28E8597-5594-101A-09AA-A414934109D9}"/>
               </a:ext>
             </a:extLst>
           </p:cNvPr>
@@ -41691,7 +41707,7 @@
             <p:cNvPr id="32" name="Rectangle 31">
               <a:extLst>
                 <a:ext uri="{FF2B5EF4-FFF2-40B4-BE49-F238E27FC236}">
-                  <a16:creationId xmlns="" xmlns:a16="http://schemas.microsoft.com/office/drawing/2014/main" id="{8FAAAA44-32CF-D2C2-2B8F-0AC46FBC8208}"/>
+                  <a16:creationId xmlns:a16="http://schemas.microsoft.com/office/drawing/2014/main" xmlns="" id="{8FAAAA44-32CF-D2C2-2B8F-0AC46FBC8208}"/>
                 </a:ext>
               </a:extLst>
             </p:cNvPr>
@@ -41758,7 +41774,7 @@
             <p:cNvPr id="34" name="Rectangle 33">
               <a:extLst>
                 <a:ext uri="{FF2B5EF4-FFF2-40B4-BE49-F238E27FC236}">
-                  <a16:creationId xmlns="" xmlns:a16="http://schemas.microsoft.com/office/drawing/2014/main" id="{F79DBED3-2A3B-C022-F777-D8378BA32042}"/>
+                  <a16:creationId xmlns:a16="http://schemas.microsoft.com/office/drawing/2014/main" xmlns="" id="{F79DBED3-2A3B-C022-F777-D8378BA32042}"/>
                 </a:ext>
               </a:extLst>
             </p:cNvPr>
@@ -41824,7 +41840,7 @@
           <p:cNvPr id="39" name="Rectangle 38">
             <a:extLst>
               <a:ext uri="{FF2B5EF4-FFF2-40B4-BE49-F238E27FC236}">
-                <a16:creationId xmlns="" xmlns:a16="http://schemas.microsoft.com/office/drawing/2014/main" id="{F3B3734A-2B59-D6B0-8EC3-E8728D2F6BA6}"/>
+                <a16:creationId xmlns:a16="http://schemas.microsoft.com/office/drawing/2014/main" xmlns="" id="{F3B3734A-2B59-D6B0-8EC3-E8728D2F6BA6}"/>
               </a:ext>
             </a:extLst>
           </p:cNvPr>
@@ -41925,7 +41941,7 @@
           <p:cNvPr id="43" name="Rectangle 42">
             <a:extLst>
               <a:ext uri="{FF2B5EF4-FFF2-40B4-BE49-F238E27FC236}">
-                <a16:creationId xmlns="" xmlns:a16="http://schemas.microsoft.com/office/drawing/2014/main" id="{4ED93EB9-604F-A29F-D69F-EC9A8CC0225C}"/>
+                <a16:creationId xmlns:a16="http://schemas.microsoft.com/office/drawing/2014/main" xmlns="" id="{4ED93EB9-604F-A29F-D69F-EC9A8CC0225C}"/>
               </a:ext>
             </a:extLst>
           </p:cNvPr>
@@ -42001,7 +42017,7 @@
           <p:cNvPr id="49" name="Rectangle 48">
             <a:extLst>
               <a:ext uri="{FF2B5EF4-FFF2-40B4-BE49-F238E27FC236}">
-                <a16:creationId xmlns="" xmlns:a16="http://schemas.microsoft.com/office/drawing/2014/main" id="{E7848D19-A67D-6FB9-FC77-F1B677FB2803}"/>
+                <a16:creationId xmlns:a16="http://schemas.microsoft.com/office/drawing/2014/main" xmlns="" id="{E7848D19-A67D-6FB9-FC77-F1B677FB2803}"/>
               </a:ext>
             </a:extLst>
           </p:cNvPr>
@@ -42237,7 +42253,7 @@
           <p:cNvPr id="50" name="Rectangle 49" descr="#11 for Social Mobility">
             <a:extLst>
               <a:ext uri="{FF2B5EF4-FFF2-40B4-BE49-F238E27FC236}">
-                <a16:creationId xmlns="" xmlns:a16="http://schemas.microsoft.com/office/drawing/2014/main" id="{C53A6462-2808-068C-BF84-3C92188DEF28}"/>
+                <a16:creationId xmlns:a16="http://schemas.microsoft.com/office/drawing/2014/main" xmlns="" id="{C53A6462-2808-068C-BF84-3C92188DEF28}"/>
               </a:ext>
             </a:extLst>
           </p:cNvPr>
@@ -42298,10 +42314,10 @@
           <p:cNvPr id="54" name="Straight Connector 53">
             <a:extLst>
               <a:ext uri="{FF2B5EF4-FFF2-40B4-BE49-F238E27FC236}">
-                <a16:creationId xmlns="" xmlns:a16="http://schemas.microsoft.com/office/drawing/2014/main" id="{6CD42DCF-1C14-7AE1-E826-207C71E04B48}"/>
+                <a16:creationId xmlns:a16="http://schemas.microsoft.com/office/drawing/2014/main" xmlns="" id="{6CD42DCF-1C14-7AE1-E826-207C71E04B48}"/>
               </a:ext>
               <a:ext uri="{C183D7F6-B498-43B3-948B-1728B52AA6E4}">
-                <adec:decorative xmlns="" xmlns:adec="http://schemas.microsoft.com/office/drawing/2017/decorative" val="1"/>
+                <adec:decorative xmlns:adec="http://schemas.microsoft.com/office/drawing/2017/decorative" xmlns="" val="1"/>
               </a:ext>
             </a:extLst>
           </p:cNvPr>
@@ -42345,10 +42361,10 @@
           <p:cNvPr id="55" name="Straight Connector 54">
             <a:extLst>
               <a:ext uri="{FF2B5EF4-FFF2-40B4-BE49-F238E27FC236}">
-                <a16:creationId xmlns="" xmlns:a16="http://schemas.microsoft.com/office/drawing/2014/main" id="{0BDA07B2-29F2-635D-9D8F-E160AB188E89}"/>
+                <a16:creationId xmlns:a16="http://schemas.microsoft.com/office/drawing/2014/main" xmlns="" id="{0BDA07B2-29F2-635D-9D8F-E160AB188E89}"/>
               </a:ext>
               <a:ext uri="{C183D7F6-B498-43B3-948B-1728B52AA6E4}">
-                <adec:decorative xmlns="" xmlns:adec="http://schemas.microsoft.com/office/drawing/2017/decorative" val="1"/>
+                <adec:decorative xmlns:adec="http://schemas.microsoft.com/office/drawing/2017/decorative" xmlns="" val="1"/>
               </a:ext>
             </a:extLst>
           </p:cNvPr>
@@ -42392,10 +42408,10 @@
           <p:cNvPr id="56" name="Straight Connector 55">
             <a:extLst>
               <a:ext uri="{FF2B5EF4-FFF2-40B4-BE49-F238E27FC236}">
-                <a16:creationId xmlns="" xmlns:a16="http://schemas.microsoft.com/office/drawing/2014/main" id="{4AFF86EA-D65F-90EF-341F-8167B007DC6B}"/>
+                <a16:creationId xmlns:a16="http://schemas.microsoft.com/office/drawing/2014/main" xmlns="" id="{4AFF86EA-D65F-90EF-341F-8167B007DC6B}"/>
               </a:ext>
               <a:ext uri="{C183D7F6-B498-43B3-948B-1728B52AA6E4}">
-                <adec:decorative xmlns="" xmlns:adec="http://schemas.microsoft.com/office/drawing/2017/decorative" val="1"/>
+                <adec:decorative xmlns:adec="http://schemas.microsoft.com/office/drawing/2017/decorative" xmlns="" val="1"/>
               </a:ext>
             </a:extLst>
           </p:cNvPr>
@@ -42439,10 +42455,10 @@
           <p:cNvPr id="58" name="Straight Connector 57">
             <a:extLst>
               <a:ext uri="{FF2B5EF4-FFF2-40B4-BE49-F238E27FC236}">
-                <a16:creationId xmlns="" xmlns:a16="http://schemas.microsoft.com/office/drawing/2014/main" id="{9F2C4F61-0487-F59F-CF7A-DA3F7DE2D1BD}"/>
+                <a16:creationId xmlns:a16="http://schemas.microsoft.com/office/drawing/2014/main" xmlns="" id="{9F2C4F61-0487-F59F-CF7A-DA3F7DE2D1BD}"/>
               </a:ext>
               <a:ext uri="{C183D7F6-B498-43B3-948B-1728B52AA6E4}">
-                <adec:decorative xmlns="" xmlns:adec="http://schemas.microsoft.com/office/drawing/2017/decorative" val="1"/>
+                <adec:decorative xmlns:adec="http://schemas.microsoft.com/office/drawing/2017/decorative" xmlns="" val="1"/>
               </a:ext>
             </a:extLst>
           </p:cNvPr>
@@ -42486,10 +42502,10 @@
           <p:cNvPr id="59" name="Straight Connector 58">
             <a:extLst>
               <a:ext uri="{FF2B5EF4-FFF2-40B4-BE49-F238E27FC236}">
-                <a16:creationId xmlns="" xmlns:a16="http://schemas.microsoft.com/office/drawing/2014/main" id="{8E25FA7B-CE5A-1C53-6040-CBF9F480DD86}"/>
+                <a16:creationId xmlns:a16="http://schemas.microsoft.com/office/drawing/2014/main" xmlns="" id="{8E25FA7B-CE5A-1C53-6040-CBF9F480DD86}"/>
               </a:ext>
               <a:ext uri="{C183D7F6-B498-43B3-948B-1728B52AA6E4}">
-                <adec:decorative xmlns="" xmlns:adec="http://schemas.microsoft.com/office/drawing/2017/decorative" val="1"/>
+                <adec:decorative xmlns:adec="http://schemas.microsoft.com/office/drawing/2017/decorative" xmlns="" val="1"/>
               </a:ext>
             </a:extLst>
           </p:cNvPr>
@@ -42533,7 +42549,7 @@
           <p:cNvPr id="62" name="Title 26">
             <a:extLst>
               <a:ext uri="{FF2B5EF4-FFF2-40B4-BE49-F238E27FC236}">
-                <a16:creationId xmlns="" xmlns:a16="http://schemas.microsoft.com/office/drawing/2014/main" id="{E068B92F-3FEA-7EFB-E5BD-7E8B5C465F19}"/>
+                <a16:creationId xmlns:a16="http://schemas.microsoft.com/office/drawing/2014/main" xmlns="" id="{E068B92F-3FEA-7EFB-E5BD-7E8B5C465F19}"/>
               </a:ext>
             </a:extLst>
           </p:cNvPr>
@@ -42581,7 +42597,7 @@
           <p:cNvPr id="63" name="Rectangle 62">
             <a:extLst>
               <a:ext uri="{FF2B5EF4-FFF2-40B4-BE49-F238E27FC236}">
-                <a16:creationId xmlns="" xmlns:a16="http://schemas.microsoft.com/office/drawing/2014/main" id="{062689AC-444E-76D3-0264-A2B185977F85}"/>
+                <a16:creationId xmlns:a16="http://schemas.microsoft.com/office/drawing/2014/main" xmlns="" id="{062689AC-444E-76D3-0264-A2B185977F85}"/>
               </a:ext>
             </a:extLst>
           </p:cNvPr>
@@ -42693,7 +42709,7 @@
         <p:cNvPr id="1" name="">
           <a:extLst>
             <a:ext uri="{FF2B5EF4-FFF2-40B4-BE49-F238E27FC236}">
-              <a16:creationId xmlns="" xmlns:a16="http://schemas.microsoft.com/office/drawing/2014/main" id="{C337BBE5-9A30-88A8-21E3-800584DD35A7}"/>
+              <a16:creationId xmlns:a16="http://schemas.microsoft.com/office/drawing/2014/main" xmlns="" id="{C337BBE5-9A30-88A8-21E3-800584DD35A7}"/>
             </a:ext>
           </a:extLst>
         </p:cNvPr>
@@ -42713,7 +42729,7 @@
           <p:cNvPr id="2" name="Titolo 1">
             <a:extLst>
               <a:ext uri="{FF2B5EF4-FFF2-40B4-BE49-F238E27FC236}">
-                <a16:creationId xmlns="" xmlns:a16="http://schemas.microsoft.com/office/drawing/2014/main" id="{0AA42D7A-36D3-0DDF-DA94-91025E76FEDD}"/>
+                <a16:creationId xmlns:a16="http://schemas.microsoft.com/office/drawing/2014/main" xmlns="" id="{0AA42D7A-36D3-0DDF-DA94-91025E76FEDD}"/>
               </a:ext>
             </a:extLst>
           </p:cNvPr>
@@ -42761,7 +42777,7 @@
           <p:cNvPr id="5" name="Segnaposto testo 2">
             <a:extLst>
               <a:ext uri="{FF2B5EF4-FFF2-40B4-BE49-F238E27FC236}">
-                <a16:creationId xmlns="" xmlns:a16="http://schemas.microsoft.com/office/drawing/2014/main" id="{CA8DEB16-E7BD-540E-73C3-90232B954EC8}"/>
+                <a16:creationId xmlns:a16="http://schemas.microsoft.com/office/drawing/2014/main" xmlns="" id="{CA8DEB16-E7BD-540E-73C3-90232B954EC8}"/>
               </a:ext>
             </a:extLst>
           </p:cNvPr>
@@ -42871,7 +42887,7 @@
         <p:cNvPr id="1" name="">
           <a:extLst>
             <a:ext uri="{FF2B5EF4-FFF2-40B4-BE49-F238E27FC236}">
-              <a16:creationId xmlns="" xmlns:a16="http://schemas.microsoft.com/office/drawing/2014/main" id="{0BBAFA00-9915-24CF-89B3-1215E33951DB}"/>
+              <a16:creationId xmlns:a16="http://schemas.microsoft.com/office/drawing/2014/main" xmlns="" id="{0BBAFA00-9915-24CF-89B3-1215E33951DB}"/>
             </a:ext>
           </a:extLst>
         </p:cNvPr>
@@ -42891,7 +42907,7 @@
           <p:cNvPr id="2" name="Titolo 1">
             <a:extLst>
               <a:ext uri="{FF2B5EF4-FFF2-40B4-BE49-F238E27FC236}">
-                <a16:creationId xmlns="" xmlns:a16="http://schemas.microsoft.com/office/drawing/2014/main" id="{0F1A8918-4E74-379F-A586-695B40FE14AE}"/>
+                <a16:creationId xmlns:a16="http://schemas.microsoft.com/office/drawing/2014/main" xmlns="" id="{0F1A8918-4E74-379F-A586-695B40FE14AE}"/>
               </a:ext>
             </a:extLst>
           </p:cNvPr>
@@ -42929,7 +42945,7 @@
           <p:cNvPr id="3" name="Segnaposto testo 2">
             <a:extLst>
               <a:ext uri="{FF2B5EF4-FFF2-40B4-BE49-F238E27FC236}">
-                <a16:creationId xmlns="" xmlns:a16="http://schemas.microsoft.com/office/drawing/2014/main" id="{BAD7AF0A-7875-DEDB-7A7D-AA487CBAAC5B}"/>
+                <a16:creationId xmlns:a16="http://schemas.microsoft.com/office/drawing/2014/main" xmlns="" id="{BAD7AF0A-7875-DEDB-7A7D-AA487CBAAC5B}"/>
               </a:ext>
             </a:extLst>
           </p:cNvPr>
@@ -42974,7 +42990,7 @@
           <p:cNvPr id="8" name="CasellaDiTesto 7">
             <a:extLst>
               <a:ext uri="{FF2B5EF4-FFF2-40B4-BE49-F238E27FC236}">
-                <a16:creationId xmlns="" xmlns:a16="http://schemas.microsoft.com/office/drawing/2014/main" id="{AA34D787-AF14-0A20-AC2E-2CE39E86D6AB}"/>
+                <a16:creationId xmlns:a16="http://schemas.microsoft.com/office/drawing/2014/main" xmlns="" id="{AA34D787-AF14-0A20-AC2E-2CE39E86D6AB}"/>
               </a:ext>
             </a:extLst>
           </p:cNvPr>
@@ -43154,7 +43170,7 @@
           <p:cNvPr id="6" name="Tabella 5">
             <a:extLst>
               <a:ext uri="{FF2B5EF4-FFF2-40B4-BE49-F238E27FC236}">
-                <a16:creationId xmlns="" xmlns:a16="http://schemas.microsoft.com/office/drawing/2014/main" id="{99174A91-63CC-210B-CAB9-F3D18A82A2BD}"/>
+                <a16:creationId xmlns:a16="http://schemas.microsoft.com/office/drawing/2014/main" xmlns="" id="{99174A91-63CC-210B-CAB9-F3D18A82A2BD}"/>
               </a:ext>
             </a:extLst>
           </p:cNvPr>
@@ -43183,21 +43199,21 @@
                 <a:gridCol w="3460750">
                   <a:extLst>
                     <a:ext uri="{9D8B030D-6E8A-4147-A177-3AD203B41FA5}">
-                      <a16:colId xmlns="" xmlns:a16="http://schemas.microsoft.com/office/drawing/2014/main" val="3612787889"/>
+                      <a16:colId xmlns:a16="http://schemas.microsoft.com/office/drawing/2014/main" xmlns="" val="3612787889"/>
                     </a:ext>
                   </a:extLst>
                 </a:gridCol>
                 <a:gridCol w="3460750">
                   <a:extLst>
                     <a:ext uri="{9D8B030D-6E8A-4147-A177-3AD203B41FA5}">
-                      <a16:colId xmlns="" xmlns:a16="http://schemas.microsoft.com/office/drawing/2014/main" val="3482843111"/>
+                      <a16:colId xmlns:a16="http://schemas.microsoft.com/office/drawing/2014/main" xmlns="" val="3482843111"/>
                     </a:ext>
                   </a:extLst>
                 </a:gridCol>
                 <a:gridCol w="3460750">
                   <a:extLst>
                     <a:ext uri="{9D8B030D-6E8A-4147-A177-3AD203B41FA5}">
-                      <a16:colId xmlns="" xmlns:a16="http://schemas.microsoft.com/office/drawing/2014/main" val="2018425029"/>
+                      <a16:colId xmlns:a16="http://schemas.microsoft.com/office/drawing/2014/main" xmlns="" val="2018425029"/>
                     </a:ext>
                   </a:extLst>
                 </a:gridCol>
@@ -43260,7 +43276,7 @@
                 </a:tc>
                 <a:extLst>
                   <a:ext uri="{0D108BD9-81ED-4DB2-BD59-A6C34878D82A}">
-                    <a16:rowId xmlns="" xmlns:a16="http://schemas.microsoft.com/office/drawing/2014/main" val="4062801809"/>
+                    <a16:rowId xmlns:a16="http://schemas.microsoft.com/office/drawing/2014/main" xmlns="" val="4062801809"/>
                   </a:ext>
                 </a:extLst>
               </a:tr>
@@ -43356,7 +43372,7 @@
                 </a:tc>
                 <a:extLst>
                   <a:ext uri="{0D108BD9-81ED-4DB2-BD59-A6C34878D82A}">
-                    <a16:rowId xmlns="" xmlns:a16="http://schemas.microsoft.com/office/drawing/2014/main" val="3641408685"/>
+                    <a16:rowId xmlns:a16="http://schemas.microsoft.com/office/drawing/2014/main" xmlns="" val="3641408685"/>
                   </a:ext>
                 </a:extLst>
               </a:tr>
@@ -43414,7 +43430,7 @@
                 </a:tc>
                 <a:extLst>
                   <a:ext uri="{0D108BD9-81ED-4DB2-BD59-A6C34878D82A}">
-                    <a16:rowId xmlns="" xmlns:a16="http://schemas.microsoft.com/office/drawing/2014/main" val="395945869"/>
+                    <a16:rowId xmlns:a16="http://schemas.microsoft.com/office/drawing/2014/main" xmlns="" val="395945869"/>
                   </a:ext>
                 </a:extLst>
               </a:tr>
@@ -43475,7 +43491,7 @@
                 </a:tc>
                 <a:extLst>
                   <a:ext uri="{0D108BD9-81ED-4DB2-BD59-A6C34878D82A}">
-                    <a16:rowId xmlns="" xmlns:a16="http://schemas.microsoft.com/office/drawing/2014/main" val="944785147"/>
+                    <a16:rowId xmlns:a16="http://schemas.microsoft.com/office/drawing/2014/main" xmlns="" val="944785147"/>
                   </a:ext>
                 </a:extLst>
               </a:tr>
@@ -43539,7 +43555,7 @@
                 </a:tc>
                 <a:extLst>
                   <a:ext uri="{0D108BD9-81ED-4DB2-BD59-A6C34878D82A}">
-                    <a16:rowId xmlns="" xmlns:a16="http://schemas.microsoft.com/office/drawing/2014/main" val="1299766358"/>
+                    <a16:rowId xmlns:a16="http://schemas.microsoft.com/office/drawing/2014/main" xmlns="" val="1299766358"/>
                   </a:ext>
                 </a:extLst>
               </a:tr>
@@ -43645,7 +43661,7 @@
           <p:cNvPr id="2" name="Titolo 1">
             <a:extLst>
               <a:ext uri="{FF2B5EF4-FFF2-40B4-BE49-F238E27FC236}">
-                <a16:creationId xmlns="" xmlns:a16="http://schemas.microsoft.com/office/drawing/2014/main" id="{F0759DC4-8B30-98A0-5BAB-C78BA4A4AD55}"/>
+                <a16:creationId xmlns:a16="http://schemas.microsoft.com/office/drawing/2014/main" xmlns="" id="{F0759DC4-8B30-98A0-5BAB-C78BA4A4AD55}"/>
               </a:ext>
             </a:extLst>
           </p:cNvPr>
@@ -43684,84 +43700,12 @@
           </a:p>
         </p:txBody>
       </p:sp>
-      <p:sp>
-        <p:nvSpPr>
-          <p:cNvPr id="5" name="CasellaDiTesto 4">
-            <a:extLst>
-              <a:ext uri="{FF2B5EF4-FFF2-40B4-BE49-F238E27FC236}">
-                <a16:creationId xmlns="" xmlns:a16="http://schemas.microsoft.com/office/drawing/2014/main" id="{9EAD8F39-4B62-D972-2AD2-999FF63424AC}"/>
-              </a:ext>
-            </a:extLst>
-          </p:cNvPr>
-          <p:cNvSpPr txBox="1"/>
-          <p:nvPr/>
-        </p:nvSpPr>
-        <p:spPr>
-          <a:xfrm>
-            <a:off x="8023412" y="2881942"/>
-            <a:ext cx="3958381" cy="2238704"/>
-          </a:xfrm>
-          <a:prstGeom prst="rect">
-            <a:avLst/>
-          </a:prstGeom>
-        </p:spPr>
-        <p:txBody>
-          <a:bodyPr vert="horz" lIns="91440" tIns="45720" rIns="91440" bIns="45720" rtlCol="0">
-            <a:normAutofit/>
-          </a:bodyPr>
-          <a:lstStyle/>
-          <a:p>
-            <a:pPr>
-              <a:spcBef>
-                <a:spcPts val="1000"/>
-              </a:spcBef>
-              <a:spcAft>
-                <a:spcPts val="1000"/>
-              </a:spcAft>
-            </a:pPr>
-            <a:r>
-              <a:rPr lang="en-US" sz="2800" b="1" i="0" kern="1200" dirty="0" smtClean="0">
-                <a:solidFill>
-                  <a:srgbClr val="002060"/>
-                </a:solidFill>
-              </a:rPr>
-              <a:t>Vocabulary </a:t>
-            </a:r>
-            <a:r>
-              <a:rPr lang="en-US" sz="2800" b="1" i="0" kern="1200" dirty="0">
-                <a:solidFill>
-                  <a:srgbClr val="002060"/>
-                </a:solidFill>
-              </a:rPr>
-              <a:t>adaptation reduces token fertility</a:t>
-            </a:r>
-          </a:p>
-          <a:p>
-            <a:pPr>
-              <a:spcBef>
-                <a:spcPts val="1000"/>
-              </a:spcBef>
-              <a:spcAft>
-                <a:spcPts val="1000"/>
-              </a:spcAft>
-            </a:pPr>
-            <a:r>
-              <a:rPr lang="en-US" sz="2800" b="1" i="0" kern="1200" dirty="0">
-                <a:solidFill>
-                  <a:srgbClr val="002060"/>
-                </a:solidFill>
-              </a:rPr>
-              <a:t>Mini-CT preserves gains</a:t>
-            </a:r>
-          </a:p>
-        </p:txBody>
-      </p:sp>
       <p:pic>
         <p:nvPicPr>
           <p:cNvPr id="4" name="Immagine 3" descr="Immagine che contiene testo, schermata, Policromia, Rettangolo&#10;&#10;Il contenuto generato dall'IA potrebbe non essere corretto.">
             <a:extLst>
               <a:ext uri="{FF2B5EF4-FFF2-40B4-BE49-F238E27FC236}">
-                <a16:creationId xmlns="" xmlns:a16="http://schemas.microsoft.com/office/drawing/2014/main" id="{6D9E3D18-F5D0-A729-A181-32739A9ADD98}"/>
+                <a16:creationId xmlns:a16="http://schemas.microsoft.com/office/drawing/2014/main" xmlns="" id="{6D9E3D18-F5D0-A729-A181-32739A9ADD98}"/>
               </a:ext>
             </a:extLst>
           </p:cNvPr>
@@ -43796,6 +43740,177 @@
           <a:noFill/>
         </p:spPr>
       </p:pic>
+      <p:sp>
+        <p:nvSpPr>
+          <p:cNvPr id="5" name="CasellaDiTesto 4">
+            <a:extLst>
+              <a:ext uri="{FF2B5EF4-FFF2-40B4-BE49-F238E27FC236}">
+                <a16:creationId xmlns:a16="http://schemas.microsoft.com/office/drawing/2014/main" xmlns="" id="{9EAD8F39-4B62-D972-2AD2-999FF63424AC}"/>
+              </a:ext>
+            </a:extLst>
+          </p:cNvPr>
+          <p:cNvSpPr txBox="1"/>
+          <p:nvPr/>
+        </p:nvSpPr>
+        <p:spPr>
+          <a:xfrm>
+            <a:off x="7763934" y="2881942"/>
+            <a:ext cx="4217860" cy="2238704"/>
+          </a:xfrm>
+          <a:prstGeom prst="rect">
+            <a:avLst/>
+          </a:prstGeom>
+        </p:spPr>
+        <p:txBody>
+          <a:bodyPr vert="horz" lIns="91440" tIns="45720" rIns="91440" bIns="45720" rtlCol="0">
+            <a:normAutofit/>
+          </a:bodyPr>
+          <a:lstStyle/>
+          <a:p>
+            <a:pPr>
+              <a:spcBef>
+                <a:spcPts val="1000"/>
+              </a:spcBef>
+              <a:spcAft>
+                <a:spcPts val="1000"/>
+              </a:spcAft>
+            </a:pPr>
+            <a:r>
+              <a:rPr lang="en-US" sz="2400" b="1" i="0" kern="1200" dirty="0" smtClean="0">
+                <a:solidFill>
+                  <a:srgbClr val="002060"/>
+                </a:solidFill>
+                <a:latin typeface="Arial" panose="020B0604020202020204" pitchFamily="34" charset="0"/>
+                <a:cs typeface="Arial" panose="020B0604020202020204" pitchFamily="34" charset="0"/>
+              </a:rPr>
+              <a:t>Vocabulary </a:t>
+            </a:r>
+            <a:r>
+              <a:rPr lang="en-US" sz="2400" b="1" i="0" kern="1200" dirty="0">
+                <a:solidFill>
+                  <a:srgbClr val="002060"/>
+                </a:solidFill>
+                <a:latin typeface="Arial" panose="020B0604020202020204" pitchFamily="34" charset="0"/>
+                <a:cs typeface="Arial" panose="020B0604020202020204" pitchFamily="34" charset="0"/>
+              </a:rPr>
+              <a:t>adaptation reduces token fertility</a:t>
+            </a:r>
+          </a:p>
+          <a:p>
+            <a:pPr>
+              <a:spcBef>
+                <a:spcPts val="1000"/>
+              </a:spcBef>
+              <a:spcAft>
+                <a:spcPts val="1000"/>
+              </a:spcAft>
+            </a:pPr>
+            <a:r>
+              <a:rPr lang="en-US" sz="2400" b="1" i="0" kern="1200" dirty="0">
+                <a:solidFill>
+                  <a:srgbClr val="002060"/>
+                </a:solidFill>
+                <a:latin typeface="Arial" panose="020B0604020202020204" pitchFamily="34" charset="0"/>
+                <a:cs typeface="Arial" panose="020B0604020202020204" pitchFamily="34" charset="0"/>
+              </a:rPr>
+              <a:t>Mini-CT preserves </a:t>
+            </a:r>
+            <a:r>
+              <a:rPr lang="en-US" sz="2400" b="1" i="0" kern="1200" dirty="0" smtClean="0">
+                <a:solidFill>
+                  <a:srgbClr val="002060"/>
+                </a:solidFill>
+                <a:latin typeface="Arial" panose="020B0604020202020204" pitchFamily="34" charset="0"/>
+                <a:cs typeface="Arial" panose="020B0604020202020204" pitchFamily="34" charset="0"/>
+              </a:rPr>
+              <a:t>gains:</a:t>
+            </a:r>
+          </a:p>
+          <a:p>
+            <a:pPr>
+              <a:spcBef>
+                <a:spcPts val="1000"/>
+              </a:spcBef>
+              <a:spcAft>
+                <a:spcPts val="1000"/>
+              </a:spcAft>
+            </a:pPr>
+            <a:r>
+              <a:rPr lang="en-US" sz="2400" b="1" dirty="0">
+                <a:solidFill>
+                  <a:srgbClr val="002060"/>
+                </a:solidFill>
+                <a:latin typeface="Arial" panose="020B0604020202020204" pitchFamily="34" charset="0"/>
+                <a:cs typeface="Arial" panose="020B0604020202020204" pitchFamily="34" charset="0"/>
+              </a:rPr>
+              <a:t> </a:t>
+            </a:r>
+            <a:r>
+              <a:rPr lang="en-US" sz="2400" b="1" dirty="0" smtClean="0">
+                <a:solidFill>
+                  <a:srgbClr val="002060"/>
+                </a:solidFill>
+                <a:latin typeface="Arial" panose="020B0604020202020204" pitchFamily="34" charset="0"/>
+                <a:cs typeface="Arial" panose="020B0604020202020204" pitchFamily="34" charset="0"/>
+              </a:rPr>
+              <a:t>     2.03 </a:t>
+            </a:r>
+            <a:r>
+              <a:rPr lang="en-US" sz="2400" b="1" dirty="0" smtClean="0">
+                <a:solidFill>
+                  <a:srgbClr val="002060"/>
+                </a:solidFill>
+                <a:latin typeface="Arial" panose="020B0604020202020204" pitchFamily="34" charset="0"/>
+                <a:cs typeface="Arial" panose="020B0604020202020204" pitchFamily="34" charset="0"/>
+                <a:sym typeface="Wingdings" panose="05000000000000000000" pitchFamily="2" charset="2"/>
+              </a:rPr>
+              <a:t> 1.78 (</a:t>
+            </a:r>
+            <a:r>
+              <a:rPr lang="it-IT" altLang="it-IT" sz="2400" b="1" dirty="0">
+                <a:latin typeface="Arial" panose="020B0604020202020204" pitchFamily="34" charset="0"/>
+                <a:cs typeface="Arial" panose="020B0604020202020204" pitchFamily="34" charset="0"/>
+              </a:rPr>
+              <a:t>~</a:t>
+            </a:r>
+            <a:r>
+              <a:rPr lang="en-US" sz="2400" b="1" dirty="0" smtClean="0">
+                <a:solidFill>
+                  <a:srgbClr val="002060"/>
+                </a:solidFill>
+                <a:latin typeface="Arial" panose="020B0604020202020204" pitchFamily="34" charset="0"/>
+                <a:cs typeface="Arial" panose="020B0604020202020204" pitchFamily="34" charset="0"/>
+                <a:sym typeface="Wingdings" panose="05000000000000000000" pitchFamily="2" charset="2"/>
+              </a:rPr>
+              <a:t>12%)</a:t>
+            </a:r>
+            <a:endParaRPr lang="en-US" sz="2400" b="1" i="0" kern="1200" dirty="0" smtClean="0">
+              <a:solidFill>
+                <a:srgbClr val="002060"/>
+              </a:solidFill>
+              <a:latin typeface="Arial" panose="020B0604020202020204" pitchFamily="34" charset="0"/>
+              <a:cs typeface="Arial" panose="020B0604020202020204" pitchFamily="34" charset="0"/>
+            </a:endParaRPr>
+          </a:p>
+          <a:p>
+            <a:pPr>
+              <a:spcBef>
+                <a:spcPts val="1000"/>
+              </a:spcBef>
+              <a:spcAft>
+                <a:spcPts val="1000"/>
+              </a:spcAft>
+            </a:pPr>
+            <a:endParaRPr lang="en-US" sz="2400" b="1" i="0" kern="1200" dirty="0">
+              <a:solidFill>
+                <a:srgbClr val="002060"/>
+              </a:solidFill>
+              <a:latin typeface="Arial" panose="020B0604020202020204" pitchFamily="34" charset="0"/>
+              <a:cs typeface="Arial" panose="020B0604020202020204" pitchFamily="34" charset="0"/>
+            </a:endParaRPr>
+          </a:p>
+        </p:txBody>
+      </p:sp>
     </p:spTree>
     <p:extLst>
       <p:ext uri="{BB962C8B-B14F-4D97-AF65-F5344CB8AC3E}">
@@ -43832,7 +43947,7 @@
         <p:cNvPr id="1" name="">
           <a:extLst>
             <a:ext uri="{FF2B5EF4-FFF2-40B4-BE49-F238E27FC236}">
-              <a16:creationId xmlns="" xmlns:a16="http://schemas.microsoft.com/office/drawing/2014/main" id="{FDD07DED-5057-29FC-FDB1-C09B86B897B5}"/>
+              <a16:creationId xmlns:a16="http://schemas.microsoft.com/office/drawing/2014/main" xmlns="" id="{FDD07DED-5057-29FC-FDB1-C09B86B897B5}"/>
             </a:ext>
           </a:extLst>
         </p:cNvPr>
@@ -43852,7 +43967,7 @@
           <p:cNvPr id="2" name="Titolo 1">
             <a:extLst>
               <a:ext uri="{FF2B5EF4-FFF2-40B4-BE49-F238E27FC236}">
-                <a16:creationId xmlns="" xmlns:a16="http://schemas.microsoft.com/office/drawing/2014/main" id="{DA8F9945-B841-72EA-64AA-9AC5D1BF8A24}"/>
+                <a16:creationId xmlns:a16="http://schemas.microsoft.com/office/drawing/2014/main" xmlns="" id="{DA8F9945-B841-72EA-64AA-9AC5D1BF8A24}"/>
               </a:ext>
             </a:extLst>
           </p:cNvPr>
@@ -43904,7 +44019,7 @@
           <p:cNvPr id="5" name="Immagine 4" descr="Immagine che contiene testo, schermata, Policromia, Rettangolo&#10;&#10;Il contenuto generato dall'IA potrebbe non essere corretto.">
             <a:extLst>
               <a:ext uri="{FF2B5EF4-FFF2-40B4-BE49-F238E27FC236}">
-                <a16:creationId xmlns="" xmlns:a16="http://schemas.microsoft.com/office/drawing/2014/main" id="{0491AEDA-D580-29E6-74F7-699C6F4C3E1E}"/>
+                <a16:creationId xmlns:a16="http://schemas.microsoft.com/office/drawing/2014/main" xmlns="" id="{0491AEDA-D580-29E6-74F7-699C6F4C3E1E}"/>
               </a:ext>
             </a:extLst>
           </p:cNvPr>
@@ -43943,7 +44058,7 @@
           <p:cNvPr id="3" name="Rectangle 1">
             <a:extLst>
               <a:ext uri="{FF2B5EF4-FFF2-40B4-BE49-F238E27FC236}">
-                <a16:creationId xmlns="" xmlns:a16="http://schemas.microsoft.com/office/drawing/2014/main" id="{497C34CE-67DC-9085-4ECE-4D0036E707D6}"/>
+                <a16:creationId xmlns:a16="http://schemas.microsoft.com/office/drawing/2014/main" xmlns="" id="{497C34CE-67DC-9085-4ECE-4D0036E707D6}"/>
               </a:ext>
             </a:extLst>
           </p:cNvPr>
@@ -43954,8 +44069,8 @@
         </p:nvSpPr>
         <p:spPr bwMode="auto">
           <a:xfrm>
-            <a:off x="7363326" y="2805911"/>
-            <a:ext cx="4658627" cy="2246769"/>
+            <a:off x="7363326" y="2959799"/>
+            <a:ext cx="4658627" cy="1938992"/>
           </a:xfrm>
           <a:prstGeom prst="rect">
             <a:avLst/>
@@ -44018,7 +44133,7 @@
               <a:tabLst/>
             </a:pPr>
             <a:r>
-              <a:rPr kumimoji="0" lang="it-IT" altLang="it-IT" sz="2800" b="1" i="0" u="none" strike="noStrike" cap="none" normalizeH="0" baseline="0" dirty="0">
+              <a:rPr kumimoji="0" lang="it-IT" altLang="it-IT" sz="2400" b="1" i="0" u="none" strike="noStrike" cap="none" normalizeH="0" baseline="0" dirty="0">
                 <a:ln>
                   <a:noFill/>
                 </a:ln>
@@ -44046,7 +44161,7 @@
               <a:buSzTx/>
               <a:tabLst/>
             </a:pPr>
-            <a:endParaRPr kumimoji="0" lang="it-IT" altLang="it-IT" sz="2800" b="1" i="0" u="none" strike="noStrike" cap="none" normalizeH="0" baseline="0" dirty="0" smtClean="0">
+            <a:endParaRPr kumimoji="0" lang="it-IT" altLang="it-IT" sz="2400" b="1" i="0" u="none" strike="noStrike" cap="none" normalizeH="0" baseline="0" dirty="0" smtClean="0">
               <a:ln>
                 <a:noFill/>
               </a:ln>
@@ -44073,7 +44188,7 @@
               <a:tabLst/>
             </a:pPr>
             <a:r>
-              <a:rPr kumimoji="0" lang="it-IT" altLang="it-IT" sz="2800" b="1" i="0" u="none" strike="noStrike" cap="none" normalizeH="0" baseline="0" dirty="0" err="1" smtClean="0">
+              <a:rPr kumimoji="0" lang="it-IT" altLang="it-IT" sz="2400" b="1" i="0" u="none" strike="noStrike" cap="none" normalizeH="0" baseline="0" dirty="0" err="1" smtClean="0">
                 <a:ln>
                   <a:noFill/>
                 </a:ln>
@@ -44086,7 +44201,7 @@
               <a:t>Slight</a:t>
             </a:r>
             <a:r>
-              <a:rPr kumimoji="0" lang="it-IT" altLang="it-IT" sz="2800" b="1" i="0" u="none" strike="noStrike" cap="none" normalizeH="0" baseline="0" dirty="0" smtClean="0">
+              <a:rPr kumimoji="0" lang="it-IT" altLang="it-IT" sz="2400" b="1" i="0" u="none" strike="noStrike" cap="none" normalizeH="0" baseline="0" dirty="0" smtClean="0">
                 <a:ln>
                   <a:noFill/>
                 </a:ln>
@@ -44099,7 +44214,7 @@
               <a:t> </a:t>
             </a:r>
             <a:r>
-              <a:rPr kumimoji="0" lang="it-IT" altLang="it-IT" sz="2800" b="1" i="0" u="none" strike="noStrike" cap="none" normalizeH="0" baseline="0" dirty="0" err="1" smtClean="0">
+              <a:rPr kumimoji="0" lang="it-IT" altLang="it-IT" sz="2400" b="1" i="0" u="none" strike="noStrike" cap="none" normalizeH="0" baseline="0" dirty="0" err="1" smtClean="0">
                 <a:ln>
                   <a:noFill/>
                 </a:ln>
@@ -44112,7 +44227,7 @@
               <a:t>speed</a:t>
             </a:r>
             <a:r>
-              <a:rPr kumimoji="0" lang="it-IT" altLang="it-IT" sz="2800" b="1" i="0" u="none" strike="noStrike" cap="none" normalizeH="0" dirty="0" smtClean="0">
+              <a:rPr kumimoji="0" lang="it-IT" altLang="it-IT" sz="2400" b="1" i="0" u="none" strike="noStrike" cap="none" normalizeH="0" dirty="0" smtClean="0">
                 <a:ln>
                   <a:noFill/>
                 </a:ln>
@@ -44125,7 +44240,7 @@
               <a:t> </a:t>
             </a:r>
             <a:r>
-              <a:rPr kumimoji="0" lang="it-IT" altLang="it-IT" sz="2800" b="1" i="0" u="none" strike="noStrike" cap="none" normalizeH="0" baseline="0" dirty="0" err="1" smtClean="0">
+              <a:rPr kumimoji="0" lang="it-IT" altLang="it-IT" sz="2400" b="1" i="0" u="none" strike="noStrike" cap="none" normalizeH="0" baseline="0" dirty="0" err="1" smtClean="0">
                 <a:ln>
                   <a:noFill/>
                 </a:ln>
@@ -44138,7 +44253,7 @@
               <a:t>improvement</a:t>
             </a:r>
             <a:r>
-              <a:rPr kumimoji="0" lang="it-IT" altLang="it-IT" sz="2800" b="1" i="0" u="none" strike="noStrike" cap="none" normalizeH="0" baseline="0" dirty="0" smtClean="0">
+              <a:rPr kumimoji="0" lang="it-IT" altLang="it-IT" sz="2400" b="1" i="0" u="none" strike="noStrike" cap="none" normalizeH="0" baseline="0" dirty="0" smtClean="0">
                 <a:ln>
                   <a:noFill/>
                 </a:ln>
@@ -44151,7 +44266,7 @@
               <a:t> </a:t>
             </a:r>
             <a:r>
-              <a:rPr kumimoji="0" lang="it-IT" altLang="it-IT" sz="2800" b="1" i="0" u="none" strike="noStrike" cap="none" normalizeH="0" baseline="0" dirty="0">
+              <a:rPr kumimoji="0" lang="it-IT" altLang="it-IT" sz="2400" b="1" i="0" u="none" strike="noStrike" cap="none" normalizeH="0" baseline="0" dirty="0">
                 <a:ln>
                   <a:noFill/>
                 </a:ln>
@@ -44164,7 +44279,7 @@
               <a:t>in </a:t>
             </a:r>
             <a:r>
-              <a:rPr kumimoji="0" lang="it-IT" altLang="it-IT" sz="2800" b="1" i="0" u="none" strike="noStrike" cap="none" normalizeH="0" baseline="0" dirty="0" err="1">
+              <a:rPr kumimoji="0" lang="it-IT" altLang="it-IT" sz="2400" b="1" i="0" u="none" strike="noStrike" cap="none" normalizeH="0" baseline="0" dirty="0" err="1">
                 <a:ln>
                   <a:noFill/>
                 </a:ln>
@@ -44176,7 +44291,7 @@
               </a:rPr>
               <a:t>tokenization</a:t>
             </a:r>
-            <a:endParaRPr kumimoji="0" lang="it-IT" altLang="it-IT" sz="2800" b="1" i="0" u="none" strike="noStrike" cap="none" normalizeH="0" baseline="0" dirty="0">
+            <a:endParaRPr kumimoji="0" lang="it-IT" altLang="it-IT" sz="2400" b="1" i="0" u="none" strike="noStrike" cap="none" normalizeH="0" baseline="0" dirty="0">
               <a:ln>
                 <a:noFill/>
               </a:ln>
@@ -46573,6 +46688,18 @@
 </file>
 
 <file path=customXml/item1.xml><?xml version="1.0" encoding="utf-8"?>
+<p:properties xmlns:p="http://schemas.microsoft.com/office/2006/metadata/properties" xmlns:xsi="http://www.w3.org/2001/XMLSchema-instance" xmlns:pc="http://schemas.microsoft.com/office/infopath/2007/PartnerControls">
+  <documentManagement>
+    <updatedversion xmlns="e9643ef2-459c-4e51-90bf-2a5b37ab1b84" xsi:nil="true"/>
+    <TaxCatchAll xmlns="d002c519-5040-4c12-854c-9165b8c9d1ad" xsi:nil="true"/>
+    <lcf76f155ced4ddcb4097134ff3c332f xmlns="e9643ef2-459c-4e51-90bf-2a5b37ab1b84">
+      <Terms xmlns="http://schemas.microsoft.com/office/infopath/2007/PartnerControls"/>
+    </lcf76f155ced4ddcb4097134ff3c332f>
+  </documentManagement>
+</p:properties>
+</file>
+
+<file path=customXml/item2.xml><?xml version="1.0" encoding="utf-8"?>
 <ct:contentTypeSchema xmlns:ct="http://schemas.microsoft.com/office/2006/metadata/contentType" xmlns:ma="http://schemas.microsoft.com/office/2006/metadata/properties/metaAttributes" ct:_="" ma:_="" ma:contentTypeName="Document" ma:contentTypeID="0x010100309A4CADE44E7B448D67499275D3C6D1" ma:contentTypeVersion="19" ma:contentTypeDescription="Create a new document." ma:contentTypeScope="" ma:versionID="e277be6dcd7e8e0b985417299852405c">
   <xsd:schema xmlns:xsd="http://www.w3.org/2001/XMLSchema" xmlns:xs="http://www.w3.org/2001/XMLSchema" xmlns:p="http://schemas.microsoft.com/office/2006/metadata/properties" xmlns:ns2="e9643ef2-459c-4e51-90bf-2a5b37ab1b84" xmlns:ns3="d002c519-5040-4c12-854c-9165b8c9d1ad" targetNamespace="http://schemas.microsoft.com/office/2006/metadata/properties" ma:root="true" ma:fieldsID="33bfbeb53e13fb671cab8faf86e623f3" ns2:_="" ns3:_="">
     <xsd:import namespace="e9643ef2-459c-4e51-90bf-2a5b37ab1b84"/>
@@ -46837,18 +46964,6 @@
 </ct:contentTypeSchema>
 </file>
 
-<file path=customXml/item2.xml><?xml version="1.0" encoding="utf-8"?>
-<p:properties xmlns:p="http://schemas.microsoft.com/office/2006/metadata/properties" xmlns:xsi="http://www.w3.org/2001/XMLSchema-instance" xmlns:pc="http://schemas.microsoft.com/office/infopath/2007/PartnerControls">
-  <documentManagement>
-    <updatedversion xmlns="e9643ef2-459c-4e51-90bf-2a5b37ab1b84" xsi:nil="true"/>
-    <TaxCatchAll xmlns="d002c519-5040-4c12-854c-9165b8c9d1ad" xsi:nil="true"/>
-    <lcf76f155ced4ddcb4097134ff3c332f xmlns="e9643ef2-459c-4e51-90bf-2a5b37ab1b84">
-      <Terms xmlns="http://schemas.microsoft.com/office/infopath/2007/PartnerControls"/>
-    </lcf76f155ced4ddcb4097134ff3c332f>
-  </documentManagement>
-</p:properties>
-</file>
-
 <file path=customXml/item3.xml><?xml version="1.0" encoding="utf-8"?>
 <?mso-contentType ?>
 <FormTemplates xmlns="http://schemas.microsoft.com/sharepoint/v3/contenttype/forms">
@@ -46859,6 +46974,23 @@
 </file>
 
 <file path=customXml/itemProps1.xml><?xml version="1.0" encoding="utf-8"?>
+<ds:datastoreItem xmlns:ds="http://schemas.openxmlformats.org/officeDocument/2006/customXml" ds:itemID="{0F070004-4B12-45A8-ABB3-F46271BE2201}">
+  <ds:schemaRefs>
+    <ds:schemaRef ds:uri="http://schemas.microsoft.com/office/2006/metadata/properties"/>
+    <ds:schemaRef ds:uri="http://schemas.microsoft.com/office/2006/documentManagement/types"/>
+    <ds:schemaRef ds:uri="http://schemas.openxmlformats.org/package/2006/metadata/core-properties"/>
+    <ds:schemaRef ds:uri="http://purl.org/dc/terms/"/>
+    <ds:schemaRef ds:uri="http://purl.org/dc/dcmitype/"/>
+    <ds:schemaRef ds:uri="http://schemas.microsoft.com/office/infopath/2007/PartnerControls"/>
+    <ds:schemaRef ds:uri="d002c519-5040-4c12-854c-9165b8c9d1ad"/>
+    <ds:schemaRef ds:uri="http://purl.org/dc/elements/1.1/"/>
+    <ds:schemaRef ds:uri="e9643ef2-459c-4e51-90bf-2a5b37ab1b84"/>
+    <ds:schemaRef ds:uri="http://www.w3.org/XML/1998/namespace"/>
+  </ds:schemaRefs>
+</ds:datastoreItem>
+</file>
+
+<file path=customXml/itemProps2.xml><?xml version="1.0" encoding="utf-8"?>
 <ds:datastoreItem xmlns:ds="http://schemas.openxmlformats.org/officeDocument/2006/customXml" ds:itemID="{3CA7A9A3-F08A-4191-A7FD-954E1250A599}">
   <ds:schemaRefs>
     <ds:schemaRef ds:uri="d002c519-5040-4c12-854c-9165b8c9d1ad"/>
@@ -46877,23 +47009,6 @@
 </ds:datastoreItem>
 </file>
 
-<file path=customXml/itemProps2.xml><?xml version="1.0" encoding="utf-8"?>
-<ds:datastoreItem xmlns:ds="http://schemas.openxmlformats.org/officeDocument/2006/customXml" ds:itemID="{0F070004-4B12-45A8-ABB3-F46271BE2201}">
-  <ds:schemaRefs>
-    <ds:schemaRef ds:uri="http://schemas.microsoft.com/office/2006/metadata/properties"/>
-    <ds:schemaRef ds:uri="http://schemas.microsoft.com/office/2006/documentManagement/types"/>
-    <ds:schemaRef ds:uri="http://schemas.openxmlformats.org/package/2006/metadata/core-properties"/>
-    <ds:schemaRef ds:uri="http://purl.org/dc/terms/"/>
-    <ds:schemaRef ds:uri="http://purl.org/dc/dcmitype/"/>
-    <ds:schemaRef ds:uri="http://schemas.microsoft.com/office/infopath/2007/PartnerControls"/>
-    <ds:schemaRef ds:uri="d002c519-5040-4c12-854c-9165b8c9d1ad"/>
-    <ds:schemaRef ds:uri="http://purl.org/dc/elements/1.1/"/>
-    <ds:schemaRef ds:uri="e9643ef2-459c-4e51-90bf-2a5b37ab1b84"/>
-    <ds:schemaRef ds:uri="http://www.w3.org/XML/1998/namespace"/>
-  </ds:schemaRefs>
-</ds:datastoreItem>
-</file>
-
 <file path=customXml/itemProps3.xml><?xml version="1.0" encoding="utf-8"?>
 <ds:datastoreItem xmlns:ds="http://schemas.openxmlformats.org/officeDocument/2006/customXml" ds:itemID="{1023DB6E-264C-45DD-800B-C4FEBB3AAE21}">
   <ds:schemaRefs>
